--- a/Project 2 Specifications/Project_2_hints.pptx
+++ b/Project 2 Specifications/Project_2_hints.pptx
@@ -17,6 +17,27 @@
     <p:sldId id="259" r:id="rId11"/>
     <p:sldId id="262" r:id="rId12"/>
     <p:sldId id="263" r:id="rId13"/>
+    <p:sldId id="304" r:id="rId14"/>
+    <p:sldId id="305" r:id="rId15"/>
+    <p:sldId id="309" r:id="rId16"/>
+    <p:sldId id="310" r:id="rId17"/>
+    <p:sldId id="293" r:id="rId18"/>
+    <p:sldId id="294" r:id="rId19"/>
+    <p:sldId id="292" r:id="rId20"/>
+    <p:sldId id="295" r:id="rId21"/>
+    <p:sldId id="296" r:id="rId22"/>
+    <p:sldId id="297" r:id="rId23"/>
+    <p:sldId id="299" r:id="rId24"/>
+    <p:sldId id="298" r:id="rId25"/>
+    <p:sldId id="300" r:id="rId26"/>
+    <p:sldId id="301" r:id="rId27"/>
+    <p:sldId id="303" r:id="rId28"/>
+    <p:sldId id="302" r:id="rId29"/>
+    <p:sldId id="306" r:id="rId30"/>
+    <p:sldId id="307" r:id="rId31"/>
+    <p:sldId id="308" r:id="rId32"/>
+    <p:sldId id="311" r:id="rId33"/>
+    <p:sldId id="312" r:id="rId34"/>
   </p:sldIdLst>
   <p:sldSz cx="9144000" cy="6858000" type="screen4x3"/>
   <p:notesSz cx="6858000" cy="9144000"/>
@@ -318,7 +339,7 @@
             <a:fld id="{1D8BD707-D9CF-40AE-B4C6-C98DA3205C09}" type="datetimeFigureOut">
               <a:rPr lang="en-US" smtClean="0"/>
               <a:pPr/>
-              <a:t>11/15/2017</a:t>
+              <a:t>12/4/2017</a:t>
             </a:fld>
             <a:endParaRPr lang="en-US"/>
           </a:p>
@@ -483,7 +504,7 @@
             <a:fld id="{1D8BD707-D9CF-40AE-B4C6-C98DA3205C09}" type="datetimeFigureOut">
               <a:rPr lang="en-US" smtClean="0"/>
               <a:pPr/>
-              <a:t>11/15/2017</a:t>
+              <a:t>12/4/2017</a:t>
             </a:fld>
             <a:endParaRPr lang="en-US"/>
           </a:p>
@@ -658,7 +679,7 @@
             <a:fld id="{1D8BD707-D9CF-40AE-B4C6-C98DA3205C09}" type="datetimeFigureOut">
               <a:rPr lang="en-US" smtClean="0"/>
               <a:pPr/>
-              <a:t>11/15/2017</a:t>
+              <a:t>12/4/2017</a:t>
             </a:fld>
             <a:endParaRPr lang="en-US"/>
           </a:p>
@@ -823,7 +844,7 @@
             <a:fld id="{1D8BD707-D9CF-40AE-B4C6-C98DA3205C09}" type="datetimeFigureOut">
               <a:rPr lang="en-US" smtClean="0"/>
               <a:pPr/>
-              <a:t>11/15/2017</a:t>
+              <a:t>12/4/2017</a:t>
             </a:fld>
             <a:endParaRPr lang="en-US"/>
           </a:p>
@@ -1065,7 +1086,7 @@
             <a:fld id="{1D8BD707-D9CF-40AE-B4C6-C98DA3205C09}" type="datetimeFigureOut">
               <a:rPr lang="en-US" smtClean="0"/>
               <a:pPr/>
-              <a:t>11/15/2017</a:t>
+              <a:t>12/4/2017</a:t>
             </a:fld>
             <a:endParaRPr lang="en-US"/>
           </a:p>
@@ -1347,7 +1368,7 @@
             <a:fld id="{1D8BD707-D9CF-40AE-B4C6-C98DA3205C09}" type="datetimeFigureOut">
               <a:rPr lang="en-US" smtClean="0"/>
               <a:pPr/>
-              <a:t>11/15/2017</a:t>
+              <a:t>12/4/2017</a:t>
             </a:fld>
             <a:endParaRPr lang="en-US"/>
           </a:p>
@@ -1763,7 +1784,7 @@
             <a:fld id="{1D8BD707-D9CF-40AE-B4C6-C98DA3205C09}" type="datetimeFigureOut">
               <a:rPr lang="en-US" smtClean="0"/>
               <a:pPr/>
-              <a:t>11/15/2017</a:t>
+              <a:t>12/4/2017</a:t>
             </a:fld>
             <a:endParaRPr lang="en-US"/>
           </a:p>
@@ -1877,7 +1898,7 @@
             <a:fld id="{1D8BD707-D9CF-40AE-B4C6-C98DA3205C09}" type="datetimeFigureOut">
               <a:rPr lang="en-US" smtClean="0"/>
               <a:pPr/>
-              <a:t>11/15/2017</a:t>
+              <a:t>12/4/2017</a:t>
             </a:fld>
             <a:endParaRPr lang="en-US"/>
           </a:p>
@@ -1969,7 +1990,7 @@
             <a:fld id="{1D8BD707-D9CF-40AE-B4C6-C98DA3205C09}" type="datetimeFigureOut">
               <a:rPr lang="en-US" smtClean="0"/>
               <a:pPr/>
-              <a:t>11/15/2017</a:t>
+              <a:t>12/4/2017</a:t>
             </a:fld>
             <a:endParaRPr lang="en-US"/>
           </a:p>
@@ -2241,7 +2262,7 @@
             <a:fld id="{1D8BD707-D9CF-40AE-B4C6-C98DA3205C09}" type="datetimeFigureOut">
               <a:rPr lang="en-US" smtClean="0"/>
               <a:pPr/>
-              <a:t>11/15/2017</a:t>
+              <a:t>12/4/2017</a:t>
             </a:fld>
             <a:endParaRPr lang="en-US"/>
           </a:p>
@@ -2490,7 +2511,7 @@
             <a:fld id="{1D8BD707-D9CF-40AE-B4C6-C98DA3205C09}" type="datetimeFigureOut">
               <a:rPr lang="en-US" smtClean="0"/>
               <a:pPr/>
-              <a:t>11/15/2017</a:t>
+              <a:t>12/4/2017</a:t>
             </a:fld>
             <a:endParaRPr lang="en-US"/>
           </a:p>
@@ -2698,7 +2719,7 @@
             <a:fld id="{1D8BD707-D9CF-40AE-B4C6-C98DA3205C09}" type="datetimeFigureOut">
               <a:rPr lang="en-US" smtClean="0"/>
               <a:pPr/>
-              <a:t>11/15/2017</a:t>
+              <a:t>12/4/2017</a:t>
             </a:fld>
             <a:endParaRPr lang="en-US"/>
           </a:p>
@@ -10757,6 +10778,1224 @@
 </p:sld>
 </file>
 
+<file path=ppt/slides/slide13.xml><?xml version="1.0" encoding="utf-8"?>
+<p:sld xmlns:a="http://schemas.openxmlformats.org/drawingml/2006/main" xmlns:r="http://schemas.openxmlformats.org/officeDocument/2006/relationships" xmlns:p="http://schemas.openxmlformats.org/presentationml/2006/main">
+  <p:cSld>
+    <p:spTree>
+      <p:nvGrpSpPr>
+        <p:cNvPr id="1" name=""/>
+        <p:cNvGrpSpPr/>
+        <p:nvPr/>
+      </p:nvGrpSpPr>
+      <p:grpSpPr>
+        <a:xfrm>
+          <a:off x="0" y="0"/>
+          <a:ext cx="0" cy="0"/>
+          <a:chOff x="0" y="0"/>
+          <a:chExt cx="0" cy="0"/>
+        </a:xfrm>
+      </p:grpSpPr>
+      <p:sp>
+        <p:nvSpPr>
+          <p:cNvPr id="2" name="Title 1">
+            <a:extLst>
+              <a:ext uri="{FF2B5EF4-FFF2-40B4-BE49-F238E27FC236}">
+                <a16:creationId xmlns:a16="http://schemas.microsoft.com/office/drawing/2014/main" id="{D2558752-1466-470D-99E4-90ED2C35B79D}"/>
+              </a:ext>
+            </a:extLst>
+          </p:cNvPr>
+          <p:cNvSpPr>
+            <a:spLocks noGrp="1"/>
+          </p:cNvSpPr>
+          <p:nvPr>
+            <p:ph type="title"/>
+          </p:nvPr>
+        </p:nvSpPr>
+        <p:spPr>
+          <a:xfrm>
+            <a:off x="457200" y="-8467"/>
+            <a:ext cx="8229600" cy="770467"/>
+          </a:xfrm>
+        </p:spPr>
+        <p:txBody>
+          <a:bodyPr/>
+          <a:lstStyle/>
+          <a:p>
+            <a:r>
+              <a:rPr lang="en-US" dirty="0"/>
+              <a:t>Feature Search: Wrap Up</a:t>
+            </a:r>
+          </a:p>
+        </p:txBody>
+      </p:sp>
+      <p:sp>
+        <p:nvSpPr>
+          <p:cNvPr id="3" name="Content Placeholder 2">
+            <a:extLst>
+              <a:ext uri="{FF2B5EF4-FFF2-40B4-BE49-F238E27FC236}">
+                <a16:creationId xmlns:a16="http://schemas.microsoft.com/office/drawing/2014/main" id="{6AB086B2-9D14-464A-AAF7-55ED635F094D}"/>
+              </a:ext>
+            </a:extLst>
+          </p:cNvPr>
+          <p:cNvSpPr>
+            <a:spLocks noGrp="1"/>
+          </p:cNvSpPr>
+          <p:nvPr>
+            <p:ph idx="1"/>
+          </p:nvPr>
+        </p:nvSpPr>
+        <p:spPr>
+          <a:xfrm>
+            <a:off x="26958" y="762000"/>
+            <a:ext cx="9144000" cy="5534308"/>
+          </a:xfrm>
+        </p:spPr>
+        <p:txBody>
+          <a:bodyPr>
+            <a:noAutofit/>
+          </a:bodyPr>
+          <a:lstStyle/>
+          <a:p>
+            <a:pPr marL="0" indent="0">
+              <a:buNone/>
+            </a:pPr>
+            <a:r>
+              <a:rPr lang="en-US" sz="2400" dirty="0"/>
+              <a:t>Practical Issues:</a:t>
+            </a:r>
+          </a:p>
+          <a:p>
+            <a:r>
+              <a:rPr lang="en-US" sz="2000" dirty="0"/>
+              <a:t>About 30% of the students have come to me to check their answers. I recommend </a:t>
+            </a:r>
+            <a:r>
+              <a:rPr lang="en-US" sz="2000" i="1" dirty="0"/>
+              <a:t>everyone</a:t>
+            </a:r>
+            <a:r>
+              <a:rPr lang="en-US" sz="2000" dirty="0"/>
+              <a:t> does this, but will not enforce this.</a:t>
+            </a:r>
+          </a:p>
+          <a:p>
+            <a:r>
+              <a:rPr lang="en-US" sz="2000" dirty="0"/>
+              <a:t>If you are shy, below are answers for two datasets.</a:t>
+            </a:r>
+          </a:p>
+          <a:p>
+            <a:r>
+              <a:rPr lang="en-US" sz="2000" dirty="0"/>
+              <a:t>I count as a </a:t>
+            </a:r>
+            <a:r>
+              <a:rPr lang="en-US" sz="2000" i="1" dirty="0"/>
+              <a:t>perfect</a:t>
+            </a:r>
+            <a:r>
+              <a:rPr lang="en-US" sz="2000" dirty="0"/>
+              <a:t> success if, on the </a:t>
+            </a:r>
+            <a:r>
+              <a:rPr lang="en-US" sz="2000" b="1" dirty="0"/>
+              <a:t>small dataset.</a:t>
+            </a:r>
+          </a:p>
+          <a:p>
+            <a:pPr lvl="1"/>
+            <a:r>
+              <a:rPr lang="en-US" sz="1800" dirty="0"/>
+              <a:t>For at least one of your algorithms…</a:t>
+            </a:r>
+          </a:p>
+          <a:p>
+            <a:pPr lvl="1"/>
+            <a:r>
+              <a:rPr lang="en-US" sz="1800" dirty="0"/>
+              <a:t>You find at least two true features, and at most one wrong feature.</a:t>
+            </a:r>
+          </a:p>
+          <a:p>
+            <a:pPr lvl="1"/>
+            <a:r>
+              <a:rPr lang="en-US" sz="1800" dirty="0"/>
+              <a:t>Your reported error rate is within a few percent of the ground truth.</a:t>
+            </a:r>
+          </a:p>
+          <a:p>
+            <a:r>
+              <a:rPr lang="en-US" sz="2000" dirty="0"/>
+              <a:t>(The </a:t>
+            </a:r>
+            <a:r>
+              <a:rPr lang="en-US" sz="2000" b="1" dirty="0"/>
+              <a:t>large dataset </a:t>
+            </a:r>
+            <a:r>
+              <a:rPr lang="en-US" sz="2000" dirty="0"/>
+              <a:t>is a little harder, I count as a </a:t>
+            </a:r>
+            <a:r>
+              <a:rPr lang="en-US" sz="2000" i="1" dirty="0"/>
+              <a:t>perfect</a:t>
+            </a:r>
+            <a:r>
+              <a:rPr lang="en-US" sz="2000" dirty="0"/>
+              <a:t> success if you find at least one true feature, and at have most 3 wrong features.)</a:t>
+            </a:r>
+          </a:p>
+          <a:p>
+            <a:r>
+              <a:rPr lang="en-US" sz="2000" dirty="0"/>
+              <a:t>Note that forward and backward selection </a:t>
+            </a:r>
+            <a:r>
+              <a:rPr lang="en-US" sz="2000" i="1" dirty="0"/>
+              <a:t>can</a:t>
+            </a:r>
+            <a:r>
+              <a:rPr lang="en-US" sz="2000" dirty="0"/>
+              <a:t> give different answers (if that was not true, why do both?). If they give different answers, the one with the highest accuracy is most likely to be correct. </a:t>
+            </a:r>
+          </a:p>
+          <a:p>
+            <a:r>
+              <a:rPr lang="en-US" sz="2000" dirty="0"/>
+              <a:t>As is happens, on the datasets I gave, forward selection is most likely to be best, if you had datasets with highly correlated features, backward selection might be better.</a:t>
+            </a:r>
+          </a:p>
+          <a:p>
+            <a:endParaRPr lang="en-US" sz="2000" dirty="0"/>
+          </a:p>
+        </p:txBody>
+      </p:sp>
+      <p:sp>
+        <p:nvSpPr>
+          <p:cNvPr id="4" name="Rectangle 3">
+            <a:extLst>
+              <a:ext uri="{FF2B5EF4-FFF2-40B4-BE49-F238E27FC236}">
+                <a16:creationId xmlns:a16="http://schemas.microsoft.com/office/drawing/2014/main" id="{E95C0C12-B42D-4104-B855-4D8BF4ACEFBB}"/>
+              </a:ext>
+            </a:extLst>
+          </p:cNvPr>
+          <p:cNvSpPr/>
+          <p:nvPr/>
+        </p:nvSpPr>
+        <p:spPr>
+          <a:xfrm>
+            <a:off x="5105400" y="6296308"/>
+            <a:ext cx="3581400" cy="561692"/>
+          </a:xfrm>
+          <a:prstGeom prst="rect">
+            <a:avLst/>
+          </a:prstGeom>
+        </p:spPr>
+        <p:txBody>
+          <a:bodyPr wrap="square">
+            <a:spAutoFit/>
+          </a:bodyPr>
+          <a:lstStyle/>
+          <a:p>
+            <a:pPr>
+              <a:spcAft>
+                <a:spcPts val="300"/>
+              </a:spcAft>
+            </a:pPr>
+            <a:r>
+              <a:rPr lang="en-US" sz="1400" dirty="0">
+                <a:solidFill>
+                  <a:srgbClr val="00B0F0"/>
+                </a:solidFill>
+              </a:rPr>
+              <a:t>On large dataset 1 the error rate can be 0.89</a:t>
+            </a:r>
+          </a:p>
+          <a:p>
+            <a:pPr>
+              <a:spcAft>
+                <a:spcPts val="300"/>
+              </a:spcAft>
+            </a:pPr>
+            <a:r>
+              <a:rPr lang="en-US" sz="1400" dirty="0">
+                <a:solidFill>
+                  <a:srgbClr val="00B0F0"/>
+                </a:solidFill>
+              </a:rPr>
+              <a:t>when using only features 7  37   9</a:t>
+            </a:r>
+          </a:p>
+        </p:txBody>
+      </p:sp>
+      <p:sp>
+        <p:nvSpPr>
+          <p:cNvPr id="5" name="Rectangle 4">
+            <a:extLst>
+              <a:ext uri="{FF2B5EF4-FFF2-40B4-BE49-F238E27FC236}">
+                <a16:creationId xmlns:a16="http://schemas.microsoft.com/office/drawing/2014/main" id="{E24FD16E-D1E8-4408-A9A4-0011EAD1C631}"/>
+              </a:ext>
+            </a:extLst>
+          </p:cNvPr>
+          <p:cNvSpPr/>
+          <p:nvPr/>
+        </p:nvSpPr>
+        <p:spPr>
+          <a:xfrm>
+            <a:off x="57150" y="6267733"/>
+            <a:ext cx="4572000" cy="623248"/>
+          </a:xfrm>
+          <a:prstGeom prst="rect">
+            <a:avLst/>
+          </a:prstGeom>
+        </p:spPr>
+        <p:txBody>
+          <a:bodyPr>
+            <a:spAutoFit/>
+          </a:bodyPr>
+          <a:lstStyle/>
+          <a:p>
+            <a:pPr>
+              <a:spcAft>
+                <a:spcPts val="300"/>
+              </a:spcAft>
+            </a:pPr>
+            <a:r>
+              <a:rPr lang="en-US" sz="1600" dirty="0">
+                <a:solidFill>
+                  <a:srgbClr val="C00000"/>
+                </a:solidFill>
+                <a:latin typeface="Calibri" panose="020F0502020204030204" pitchFamily="34" charset="0"/>
+                <a:ea typeface="Calibri" panose="020F0502020204030204" pitchFamily="34" charset="0"/>
+                <a:cs typeface="Times New Roman" panose="02020603050405020304" pitchFamily="18" charset="0"/>
+              </a:rPr>
+              <a:t>On small dataset 1 the error rate can be 0.9</a:t>
+            </a:r>
+            <a:endParaRPr lang="en-US" sz="2400" dirty="0">
+              <a:latin typeface="Calibri" panose="020F0502020204030204" pitchFamily="34" charset="0"/>
+              <a:ea typeface="Calibri" panose="020F0502020204030204" pitchFamily="34" charset="0"/>
+              <a:cs typeface="Times New Roman" panose="02020603050405020304" pitchFamily="18" charset="0"/>
+            </a:endParaRPr>
+          </a:p>
+          <a:p>
+            <a:pPr>
+              <a:spcAft>
+                <a:spcPts val="300"/>
+              </a:spcAft>
+            </a:pPr>
+            <a:r>
+              <a:rPr lang="en-US" sz="1600" dirty="0">
+                <a:solidFill>
+                  <a:srgbClr val="C00000"/>
+                </a:solidFill>
+                <a:latin typeface="Calibri" panose="020F0502020204030204" pitchFamily="34" charset="0"/>
+                <a:ea typeface="Calibri" panose="020F0502020204030204" pitchFamily="34" charset="0"/>
+                <a:cs typeface="Times New Roman" panose="02020603050405020304" pitchFamily="18" charset="0"/>
+              </a:rPr>
+              <a:t>when using only features 2  5  6</a:t>
+            </a:r>
+            <a:endParaRPr lang="en-US" sz="2400" dirty="0">
+              <a:latin typeface="Calibri" panose="020F0502020204030204" pitchFamily="34" charset="0"/>
+              <a:ea typeface="Calibri" panose="020F0502020204030204" pitchFamily="34" charset="0"/>
+              <a:cs typeface="Times New Roman" panose="02020603050405020304" pitchFamily="18" charset="0"/>
+            </a:endParaRPr>
+          </a:p>
+        </p:txBody>
+      </p:sp>
+    </p:spTree>
+    <p:extLst>
+      <p:ext uri="{BB962C8B-B14F-4D97-AF65-F5344CB8AC3E}">
+        <p14:creationId xmlns:p14="http://schemas.microsoft.com/office/powerpoint/2010/main" val="2568241601"/>
+      </p:ext>
+    </p:extLst>
+  </p:cSld>
+  <p:clrMapOvr>
+    <a:masterClrMapping/>
+  </p:clrMapOvr>
+</p:sld>
+</file>
+
+<file path=ppt/slides/slide14.xml><?xml version="1.0" encoding="utf-8"?>
+<p:sld xmlns:a="http://schemas.openxmlformats.org/drawingml/2006/main" xmlns:r="http://schemas.openxmlformats.org/officeDocument/2006/relationships" xmlns:p="http://schemas.openxmlformats.org/presentationml/2006/main">
+  <p:cSld>
+    <p:spTree>
+      <p:nvGrpSpPr>
+        <p:cNvPr id="1" name=""/>
+        <p:cNvGrpSpPr/>
+        <p:nvPr/>
+      </p:nvGrpSpPr>
+      <p:grpSpPr>
+        <a:xfrm>
+          <a:off x="0" y="0"/>
+          <a:ext cx="0" cy="0"/>
+          <a:chOff x="0" y="0"/>
+          <a:chExt cx="0" cy="0"/>
+        </a:xfrm>
+      </p:grpSpPr>
+      <p:sp>
+        <p:nvSpPr>
+          <p:cNvPr id="2" name="Title 1">
+            <a:extLst>
+              <a:ext uri="{FF2B5EF4-FFF2-40B4-BE49-F238E27FC236}">
+                <a16:creationId xmlns:a16="http://schemas.microsoft.com/office/drawing/2014/main" id="{D2558752-1466-470D-99E4-90ED2C35B79D}"/>
+              </a:ext>
+            </a:extLst>
+          </p:cNvPr>
+          <p:cNvSpPr>
+            <a:spLocks noGrp="1"/>
+          </p:cNvSpPr>
+          <p:nvPr>
+            <p:ph type="title"/>
+          </p:nvPr>
+        </p:nvSpPr>
+        <p:spPr>
+          <a:xfrm>
+            <a:off x="457200" y="-8467"/>
+            <a:ext cx="8229600" cy="770467"/>
+          </a:xfrm>
+        </p:spPr>
+        <p:txBody>
+          <a:bodyPr/>
+          <a:lstStyle/>
+          <a:p>
+            <a:r>
+              <a:rPr lang="en-US" dirty="0"/>
+              <a:t>Feature Search: Wrap Up</a:t>
+            </a:r>
+          </a:p>
+        </p:txBody>
+      </p:sp>
+      <p:sp>
+        <p:nvSpPr>
+          <p:cNvPr id="3" name="Content Placeholder 2">
+            <a:extLst>
+              <a:ext uri="{FF2B5EF4-FFF2-40B4-BE49-F238E27FC236}">
+                <a16:creationId xmlns:a16="http://schemas.microsoft.com/office/drawing/2014/main" id="{6AB086B2-9D14-464A-AAF7-55ED635F094D}"/>
+              </a:ext>
+            </a:extLst>
+          </p:cNvPr>
+          <p:cNvSpPr>
+            <a:spLocks noGrp="1"/>
+          </p:cNvSpPr>
+          <p:nvPr>
+            <p:ph idx="1"/>
+          </p:nvPr>
+        </p:nvSpPr>
+        <p:spPr>
+          <a:xfrm>
+            <a:off x="152400" y="914400"/>
+            <a:ext cx="8991600" cy="5791200"/>
+          </a:xfrm>
+        </p:spPr>
+        <p:txBody>
+          <a:bodyPr>
+            <a:normAutofit/>
+          </a:bodyPr>
+          <a:lstStyle/>
+          <a:p>
+            <a:pPr marL="0" indent="0">
+              <a:buNone/>
+            </a:pPr>
+            <a:r>
+              <a:rPr lang="en-US" sz="2800" dirty="0"/>
+              <a:t>Why do feature search?</a:t>
+            </a:r>
+          </a:p>
+          <a:p>
+            <a:r>
+              <a:rPr lang="en-US" sz="2300" dirty="0"/>
+              <a:t>(minor) Nearest Neighbor Classification will be </a:t>
+            </a:r>
+            <a:r>
+              <a:rPr lang="en-US" sz="2300" i="1" dirty="0"/>
+              <a:t>faster</a:t>
+            </a:r>
+            <a:r>
+              <a:rPr lang="en-US" sz="2300" dirty="0"/>
+              <a:t> with less features.</a:t>
+            </a:r>
+          </a:p>
+          <a:p>
+            <a:r>
+              <a:rPr lang="en-US" sz="2300" dirty="0"/>
+              <a:t>We want to have the highest possible accuracy, and irrelevant features can only reduce accuracy.</a:t>
+            </a:r>
+          </a:p>
+          <a:p>
+            <a:r>
+              <a:rPr lang="en-US" sz="2300" dirty="0"/>
+              <a:t>It may be that some features are expensive to collect, say blood sugar level. If feature search suggests is it useless, we can tell the doctors, that at least for the task-at-hand, we don’t need to collect it.</a:t>
+            </a:r>
+          </a:p>
+          <a:p>
+            <a:r>
+              <a:rPr lang="en-US" sz="2300" dirty="0"/>
+              <a:t>We want to know about the domain.</a:t>
+            </a:r>
+          </a:p>
+          <a:p>
+            <a:pPr lvl="1"/>
+            <a:r>
+              <a:rPr lang="en-US" sz="1800" dirty="0"/>
+              <a:t>For example, suppose we have hundreds of features in a medical record, height, weight, blood sugar level, age, temperature, blood-pressure etc.</a:t>
+            </a:r>
+          </a:p>
+          <a:p>
+            <a:pPr lvl="1"/>
+            <a:r>
+              <a:rPr lang="en-US" sz="1800" dirty="0"/>
+              <a:t>Further suppose we are interest in classifying diabetes vs no- diabetes.</a:t>
+            </a:r>
+          </a:p>
+          <a:p>
+            <a:pPr lvl="1"/>
+            <a:r>
+              <a:rPr lang="en-US" sz="1800" dirty="0"/>
+              <a:t>If we find that blood-pressure is a useful classification feature, we have learned something new, that might be medically interesting. </a:t>
+            </a:r>
+          </a:p>
+          <a:p>
+            <a:pPr lvl="1"/>
+            <a:r>
+              <a:rPr lang="en-US" sz="1800" dirty="0"/>
+              <a:t>Why not just measure to correlation between diabetes and blood-pressure? It is possible that things can be </a:t>
+            </a:r>
+            <a:r>
+              <a:rPr lang="en-US" sz="1800" i="1" dirty="0"/>
+              <a:t>related</a:t>
+            </a:r>
+            <a:r>
+              <a:rPr lang="en-US" sz="1800" dirty="0"/>
+              <a:t>, but not correlated.</a:t>
+            </a:r>
+          </a:p>
+        </p:txBody>
+      </p:sp>
+    </p:spTree>
+    <p:extLst>
+      <p:ext uri="{BB962C8B-B14F-4D97-AF65-F5344CB8AC3E}">
+        <p14:creationId xmlns:p14="http://schemas.microsoft.com/office/powerpoint/2010/main" val="2872292778"/>
+      </p:ext>
+    </p:extLst>
+  </p:cSld>
+  <p:clrMapOvr>
+    <a:masterClrMapping/>
+  </p:clrMapOvr>
+</p:sld>
+</file>
+
+<file path=ppt/slides/slide15.xml><?xml version="1.0" encoding="utf-8"?>
+<p:sld xmlns:a="http://schemas.openxmlformats.org/drawingml/2006/main" xmlns:r="http://schemas.openxmlformats.org/officeDocument/2006/relationships" xmlns:p="http://schemas.openxmlformats.org/presentationml/2006/main">
+  <p:cSld>
+    <p:spTree>
+      <p:nvGrpSpPr>
+        <p:cNvPr id="1" name=""/>
+        <p:cNvGrpSpPr/>
+        <p:nvPr/>
+      </p:nvGrpSpPr>
+      <p:grpSpPr>
+        <a:xfrm>
+          <a:off x="0" y="0"/>
+          <a:ext cx="0" cy="0"/>
+          <a:chOff x="0" y="0"/>
+          <a:chExt cx="0" cy="0"/>
+        </a:xfrm>
+      </p:grpSpPr>
+      <p:pic>
+        <p:nvPicPr>
+          <p:cNvPr id="4" name="Picture 3">
+            <a:extLst>
+              <a:ext uri="{FF2B5EF4-FFF2-40B4-BE49-F238E27FC236}">
+                <a16:creationId xmlns:a16="http://schemas.microsoft.com/office/drawing/2014/main" id="{8D292B3E-CFFA-4490-BB8F-986E67152BA2}"/>
+              </a:ext>
+            </a:extLst>
+          </p:cNvPr>
+          <p:cNvPicPr>
+            <a:picLocks noChangeAspect="1"/>
+          </p:cNvPicPr>
+          <p:nvPr/>
+        </p:nvPicPr>
+        <p:blipFill>
+          <a:blip r:embed="rId2"/>
+          <a:stretch>
+            <a:fillRect/>
+          </a:stretch>
+        </p:blipFill>
+        <p:spPr>
+          <a:xfrm>
+            <a:off x="2590800" y="0"/>
+            <a:ext cx="6408420" cy="2209800"/>
+          </a:xfrm>
+          <a:prstGeom prst="rect">
+            <a:avLst/>
+          </a:prstGeom>
+        </p:spPr>
+      </p:pic>
+      <p:pic>
+        <p:nvPicPr>
+          <p:cNvPr id="5" name="Picture 4">
+            <a:extLst>
+              <a:ext uri="{FF2B5EF4-FFF2-40B4-BE49-F238E27FC236}">
+                <a16:creationId xmlns:a16="http://schemas.microsoft.com/office/drawing/2014/main" id="{4CCC4947-E86E-4F76-B1B6-9A8FFE669D67}"/>
+              </a:ext>
+            </a:extLst>
+          </p:cNvPr>
+          <p:cNvPicPr>
+            <a:picLocks noChangeAspect="1"/>
+          </p:cNvPicPr>
+          <p:nvPr/>
+        </p:nvPicPr>
+        <p:blipFill>
+          <a:blip r:embed="rId3"/>
+          <a:stretch>
+            <a:fillRect/>
+          </a:stretch>
+        </p:blipFill>
+        <p:spPr>
+          <a:xfrm>
+            <a:off x="3439086" y="3124200"/>
+            <a:ext cx="5594001" cy="1876424"/>
+          </a:xfrm>
+          <a:prstGeom prst="rect">
+            <a:avLst/>
+          </a:prstGeom>
+        </p:spPr>
+      </p:pic>
+      <p:pic>
+        <p:nvPicPr>
+          <p:cNvPr id="7" name="Picture 2">
+            <a:extLst>
+              <a:ext uri="{FF2B5EF4-FFF2-40B4-BE49-F238E27FC236}">
+                <a16:creationId xmlns:a16="http://schemas.microsoft.com/office/drawing/2014/main" id="{49147844-A340-40D8-A5C5-1773091BC854}"/>
+              </a:ext>
+            </a:extLst>
+          </p:cNvPr>
+          <p:cNvPicPr>
+            <a:picLocks noChangeAspect="1" noChangeArrowheads="1"/>
+          </p:cNvPicPr>
+          <p:nvPr/>
+        </p:nvPicPr>
+        <p:blipFill rotWithShape="1">
+          <a:blip r:embed="rId4" cstate="print"/>
+          <a:srcRect b="61094"/>
+          <a:stretch/>
+        </p:blipFill>
+        <p:spPr bwMode="auto">
+          <a:xfrm>
+            <a:off x="3163358" y="5655733"/>
+            <a:ext cx="5972175" cy="1219200"/>
+          </a:xfrm>
+          <a:prstGeom prst="rect">
+            <a:avLst/>
+          </a:prstGeom>
+          <a:noFill/>
+          <a:ln w="9525">
+            <a:noFill/>
+            <a:miter lim="800000"/>
+            <a:headEnd/>
+            <a:tailEnd/>
+          </a:ln>
+        </p:spPr>
+      </p:pic>
+    </p:spTree>
+    <p:extLst>
+      <p:ext uri="{BB962C8B-B14F-4D97-AF65-F5344CB8AC3E}">
+        <p14:creationId xmlns:p14="http://schemas.microsoft.com/office/powerpoint/2010/main" val="2612341326"/>
+      </p:ext>
+    </p:extLst>
+  </p:cSld>
+  <p:clrMapOvr>
+    <a:masterClrMapping/>
+  </p:clrMapOvr>
+</p:sld>
+</file>
+
+<file path=ppt/slides/slide16.xml><?xml version="1.0" encoding="utf-8"?>
+<p:sld xmlns:a="http://schemas.openxmlformats.org/drawingml/2006/main" xmlns:r="http://schemas.openxmlformats.org/officeDocument/2006/relationships" xmlns:p="http://schemas.openxmlformats.org/presentationml/2006/main">
+  <p:cSld>
+    <p:spTree>
+      <p:nvGrpSpPr>
+        <p:cNvPr id="1" name=""/>
+        <p:cNvGrpSpPr/>
+        <p:nvPr/>
+      </p:nvGrpSpPr>
+      <p:grpSpPr>
+        <a:xfrm>
+          <a:off x="0" y="0"/>
+          <a:ext cx="0" cy="0"/>
+          <a:chOff x="0" y="0"/>
+          <a:chExt cx="0" cy="0"/>
+        </a:xfrm>
+      </p:grpSpPr>
+      <p:pic>
+        <p:nvPicPr>
+          <p:cNvPr id="4" name="Picture 3">
+            <a:extLst>
+              <a:ext uri="{FF2B5EF4-FFF2-40B4-BE49-F238E27FC236}">
+                <a16:creationId xmlns:a16="http://schemas.microsoft.com/office/drawing/2014/main" id="{8D292B3E-CFFA-4490-BB8F-986E67152BA2}"/>
+              </a:ext>
+            </a:extLst>
+          </p:cNvPr>
+          <p:cNvPicPr>
+            <a:picLocks noChangeAspect="1"/>
+          </p:cNvPicPr>
+          <p:nvPr/>
+        </p:nvPicPr>
+        <p:blipFill>
+          <a:blip r:embed="rId2"/>
+          <a:stretch>
+            <a:fillRect/>
+          </a:stretch>
+        </p:blipFill>
+        <p:spPr>
+          <a:xfrm>
+            <a:off x="2590800" y="0"/>
+            <a:ext cx="6408420" cy="2209800"/>
+          </a:xfrm>
+          <a:prstGeom prst="rect">
+            <a:avLst/>
+          </a:prstGeom>
+        </p:spPr>
+      </p:pic>
+      <p:pic>
+        <p:nvPicPr>
+          <p:cNvPr id="5" name="Picture 4">
+            <a:extLst>
+              <a:ext uri="{FF2B5EF4-FFF2-40B4-BE49-F238E27FC236}">
+                <a16:creationId xmlns:a16="http://schemas.microsoft.com/office/drawing/2014/main" id="{4CCC4947-E86E-4F76-B1B6-9A8FFE669D67}"/>
+              </a:ext>
+            </a:extLst>
+          </p:cNvPr>
+          <p:cNvPicPr>
+            <a:picLocks noChangeAspect="1"/>
+          </p:cNvPicPr>
+          <p:nvPr/>
+        </p:nvPicPr>
+        <p:blipFill>
+          <a:blip r:embed="rId3"/>
+          <a:stretch>
+            <a:fillRect/>
+          </a:stretch>
+        </p:blipFill>
+        <p:spPr>
+          <a:xfrm>
+            <a:off x="3200400" y="2971800"/>
+            <a:ext cx="5594001" cy="1876424"/>
+          </a:xfrm>
+          <a:prstGeom prst="rect">
+            <a:avLst/>
+          </a:prstGeom>
+        </p:spPr>
+      </p:pic>
+      <p:pic>
+        <p:nvPicPr>
+          <p:cNvPr id="6" name="Picture 5">
+            <a:extLst>
+              <a:ext uri="{FF2B5EF4-FFF2-40B4-BE49-F238E27FC236}">
+                <a16:creationId xmlns:a16="http://schemas.microsoft.com/office/drawing/2014/main" id="{72460A16-95DA-45D6-8CE5-5CB279415B36}"/>
+              </a:ext>
+            </a:extLst>
+          </p:cNvPr>
+          <p:cNvPicPr>
+            <a:picLocks noChangeAspect="1"/>
+          </p:cNvPicPr>
+          <p:nvPr/>
+        </p:nvPicPr>
+        <p:blipFill rotWithShape="1">
+          <a:blip r:embed="rId4"/>
+          <a:srcRect b="24674"/>
+          <a:stretch/>
+        </p:blipFill>
+        <p:spPr>
+          <a:xfrm>
+            <a:off x="47625" y="2921792"/>
+            <a:ext cx="9048750" cy="3852863"/>
+          </a:xfrm>
+          <a:prstGeom prst="rect">
+            <a:avLst/>
+          </a:prstGeom>
+        </p:spPr>
+      </p:pic>
+    </p:spTree>
+    <p:extLst>
+      <p:ext uri="{BB962C8B-B14F-4D97-AF65-F5344CB8AC3E}">
+        <p14:creationId xmlns:p14="http://schemas.microsoft.com/office/powerpoint/2010/main" val="3526712823"/>
+      </p:ext>
+    </p:extLst>
+  </p:cSld>
+  <p:clrMapOvr>
+    <a:masterClrMapping/>
+  </p:clrMapOvr>
+</p:sld>
+</file>
+
+<file path=ppt/slides/slide17.xml><?xml version="1.0" encoding="utf-8"?>
+<p:sld xmlns:a="http://schemas.openxmlformats.org/drawingml/2006/main" xmlns:r="http://schemas.openxmlformats.org/officeDocument/2006/relationships" xmlns:p="http://schemas.openxmlformats.org/presentationml/2006/main">
+  <p:cSld>
+    <p:spTree>
+      <p:nvGrpSpPr>
+        <p:cNvPr id="1" name=""/>
+        <p:cNvGrpSpPr/>
+        <p:nvPr/>
+      </p:nvGrpSpPr>
+      <p:grpSpPr>
+        <a:xfrm>
+          <a:off x="0" y="0"/>
+          <a:ext cx="0" cy="0"/>
+          <a:chOff x="0" y="0"/>
+          <a:chExt cx="0" cy="0"/>
+        </a:xfrm>
+      </p:grpSpPr>
+      <p:pic>
+        <p:nvPicPr>
+          <p:cNvPr id="8" name="Picture 7">
+            <a:extLst>
+              <a:ext uri="{FF2B5EF4-FFF2-40B4-BE49-F238E27FC236}">
+                <a16:creationId xmlns:a16="http://schemas.microsoft.com/office/drawing/2014/main" id="{029438BD-4DE7-468A-8451-9E6C1F87EDD3}"/>
+              </a:ext>
+            </a:extLst>
+          </p:cNvPr>
+          <p:cNvPicPr>
+            <a:picLocks noChangeAspect="1"/>
+          </p:cNvPicPr>
+          <p:nvPr/>
+        </p:nvPicPr>
+        <p:blipFill>
+          <a:blip r:embed="rId2"/>
+          <a:stretch>
+            <a:fillRect/>
+          </a:stretch>
+        </p:blipFill>
+        <p:spPr>
+          <a:xfrm>
+            <a:off x="3657600" y="228600"/>
+            <a:ext cx="5353050" cy="1971675"/>
+          </a:xfrm>
+          <a:prstGeom prst="rect">
+            <a:avLst/>
+          </a:prstGeom>
+        </p:spPr>
+      </p:pic>
+      <p:sp>
+        <p:nvSpPr>
+          <p:cNvPr id="10" name="TextBox 9">
+            <a:extLst>
+              <a:ext uri="{FF2B5EF4-FFF2-40B4-BE49-F238E27FC236}">
+                <a16:creationId xmlns:a16="http://schemas.microsoft.com/office/drawing/2014/main" id="{A7BEC817-D4D4-41AB-98DE-22079E911768}"/>
+              </a:ext>
+            </a:extLst>
+          </p:cNvPr>
+          <p:cNvSpPr txBox="1"/>
+          <p:nvPr/>
+        </p:nvSpPr>
+        <p:spPr>
+          <a:xfrm>
+            <a:off x="657225" y="1794212"/>
+            <a:ext cx="2126159" cy="369332"/>
+          </a:xfrm>
+          <a:prstGeom prst="rect">
+            <a:avLst/>
+          </a:prstGeom>
+          <a:noFill/>
+        </p:spPr>
+        <p:txBody>
+          <a:bodyPr wrap="none" rtlCol="0">
+            <a:spAutoFit/>
+          </a:bodyPr>
+          <a:lstStyle/>
+          <a:p>
+            <a:r>
+              <a:rPr lang="en-US" dirty="0"/>
+              <a:t>An irrelevant feature</a:t>
+            </a:r>
+          </a:p>
+        </p:txBody>
+      </p:sp>
+      <p:sp>
+        <p:nvSpPr>
+          <p:cNvPr id="11" name="TextBox 10">
+            <a:extLst>
+              <a:ext uri="{FF2B5EF4-FFF2-40B4-BE49-F238E27FC236}">
+                <a16:creationId xmlns:a16="http://schemas.microsoft.com/office/drawing/2014/main" id="{5A4F0B7F-EA1E-4C11-8845-A4657F9D8F9E}"/>
+              </a:ext>
+            </a:extLst>
+          </p:cNvPr>
+          <p:cNvSpPr txBox="1"/>
+          <p:nvPr/>
+        </p:nvSpPr>
+        <p:spPr>
+          <a:xfrm>
+            <a:off x="685800" y="5532953"/>
+            <a:ext cx="1696747" cy="369332"/>
+          </a:xfrm>
+          <a:prstGeom prst="rect">
+            <a:avLst/>
+          </a:prstGeom>
+          <a:noFill/>
+        </p:spPr>
+        <p:txBody>
+          <a:bodyPr wrap="none" rtlCol="0">
+            <a:spAutoFit/>
+          </a:bodyPr>
+          <a:lstStyle/>
+          <a:p>
+            <a:r>
+              <a:rPr lang="en-US" dirty="0"/>
+              <a:t>A strong feature</a:t>
+            </a:r>
+          </a:p>
+        </p:txBody>
+      </p:sp>
+      <p:pic>
+        <p:nvPicPr>
+          <p:cNvPr id="12" name="Picture 11">
+            <a:extLst>
+              <a:ext uri="{FF2B5EF4-FFF2-40B4-BE49-F238E27FC236}">
+                <a16:creationId xmlns:a16="http://schemas.microsoft.com/office/drawing/2014/main" id="{0BC94B0C-44E8-47B1-A996-051E0DC02772}"/>
+              </a:ext>
+            </a:extLst>
+          </p:cNvPr>
+          <p:cNvPicPr>
+            <a:picLocks noChangeAspect="1"/>
+          </p:cNvPicPr>
+          <p:nvPr/>
+        </p:nvPicPr>
+        <p:blipFill>
+          <a:blip r:embed="rId3"/>
+          <a:stretch>
+            <a:fillRect/>
+          </a:stretch>
+        </p:blipFill>
+        <p:spPr>
+          <a:xfrm>
+            <a:off x="3657600" y="2387858"/>
+            <a:ext cx="5353050" cy="1971675"/>
+          </a:xfrm>
+          <a:prstGeom prst="rect">
+            <a:avLst/>
+          </a:prstGeom>
+        </p:spPr>
+      </p:pic>
+      <p:pic>
+        <p:nvPicPr>
+          <p:cNvPr id="7" name="Picture 6">
+            <a:extLst>
+              <a:ext uri="{FF2B5EF4-FFF2-40B4-BE49-F238E27FC236}">
+                <a16:creationId xmlns:a16="http://schemas.microsoft.com/office/drawing/2014/main" id="{700BB39E-558D-4C8A-AD6D-2292B8E43463}"/>
+              </a:ext>
+            </a:extLst>
+          </p:cNvPr>
+          <p:cNvPicPr>
+            <a:picLocks noChangeAspect="1"/>
+          </p:cNvPicPr>
+          <p:nvPr/>
+        </p:nvPicPr>
+        <p:blipFill>
+          <a:blip r:embed="rId4"/>
+          <a:stretch>
+            <a:fillRect/>
+          </a:stretch>
+        </p:blipFill>
+        <p:spPr>
+          <a:xfrm>
+            <a:off x="3657600" y="4547116"/>
+            <a:ext cx="5353050" cy="1971675"/>
+          </a:xfrm>
+          <a:prstGeom prst="rect">
+            <a:avLst/>
+          </a:prstGeom>
+        </p:spPr>
+      </p:pic>
+      <p:sp>
+        <p:nvSpPr>
+          <p:cNvPr id="13" name="TextBox 12">
+            <a:extLst>
+              <a:ext uri="{FF2B5EF4-FFF2-40B4-BE49-F238E27FC236}">
+                <a16:creationId xmlns:a16="http://schemas.microsoft.com/office/drawing/2014/main" id="{0461BB03-808E-4BCD-B449-9EC43A8B0CF8}"/>
+              </a:ext>
+            </a:extLst>
+          </p:cNvPr>
+          <p:cNvSpPr txBox="1"/>
+          <p:nvPr/>
+        </p:nvSpPr>
+        <p:spPr>
+          <a:xfrm>
+            <a:off x="685800" y="3290887"/>
+            <a:ext cx="1649682" cy="369332"/>
+          </a:xfrm>
+          <a:prstGeom prst="rect">
+            <a:avLst/>
+          </a:prstGeom>
+          <a:noFill/>
+        </p:spPr>
+        <p:txBody>
+          <a:bodyPr wrap="none" rtlCol="0">
+            <a:spAutoFit/>
+          </a:bodyPr>
+          <a:lstStyle/>
+          <a:p>
+            <a:r>
+              <a:rPr lang="en-US" dirty="0"/>
+              <a:t>A weak feature</a:t>
+            </a:r>
+          </a:p>
+        </p:txBody>
+      </p:sp>
+      <p:sp>
+        <p:nvSpPr>
+          <p:cNvPr id="14" name="Rectangle 13">
+            <a:extLst>
+              <a:ext uri="{FF2B5EF4-FFF2-40B4-BE49-F238E27FC236}">
+                <a16:creationId xmlns:a16="http://schemas.microsoft.com/office/drawing/2014/main" id="{E89EC066-05F8-4CB7-877B-E28A435C6C70}"/>
+              </a:ext>
+            </a:extLst>
+          </p:cNvPr>
+          <p:cNvSpPr/>
+          <p:nvPr/>
+        </p:nvSpPr>
+        <p:spPr>
+          <a:xfrm>
+            <a:off x="0" y="0"/>
+            <a:ext cx="4572000" cy="830997"/>
+          </a:xfrm>
+          <a:prstGeom prst="rect">
+            <a:avLst/>
+          </a:prstGeom>
+        </p:spPr>
+        <p:txBody>
+          <a:bodyPr>
+            <a:spAutoFit/>
+          </a:bodyPr>
+          <a:lstStyle/>
+          <a:p>
+            <a:r>
+              <a:rPr lang="en-US" sz="1200" dirty="0"/>
+              <a:t>&gt;&gt; create_170_datasets</a:t>
+            </a:r>
+          </a:p>
+          <a:p>
+            <a:r>
+              <a:rPr lang="en-US" sz="1200" dirty="0"/>
+              <a:t>On large dataset 1 the error rate can be 0.92</a:t>
+            </a:r>
+          </a:p>
+          <a:p>
+            <a:r>
+              <a:rPr lang="en-US" sz="1200" dirty="0"/>
+              <a:t>when using only features 49  30  21</a:t>
+            </a:r>
+          </a:p>
+          <a:p>
+            <a:r>
+              <a:rPr lang="en-US" sz="1200" dirty="0"/>
+              <a:t>***************************</a:t>
+            </a:r>
+          </a:p>
+        </p:txBody>
+      </p:sp>
+    </p:spTree>
+    <p:extLst>
+      <p:ext uri="{BB962C8B-B14F-4D97-AF65-F5344CB8AC3E}">
+        <p14:creationId xmlns:p14="http://schemas.microsoft.com/office/powerpoint/2010/main" val="1995573462"/>
+      </p:ext>
+    </p:extLst>
+  </p:cSld>
+  <p:clrMapOvr>
+    <a:masterClrMapping/>
+  </p:clrMapOvr>
+</p:sld>
+</file>
+
+<file path=ppt/slides/slide18.xml><?xml version="1.0" encoding="utf-8"?>
+<p:sld xmlns:a="http://schemas.openxmlformats.org/drawingml/2006/main" xmlns:r="http://schemas.openxmlformats.org/officeDocument/2006/relationships" xmlns:p="http://schemas.openxmlformats.org/presentationml/2006/main">
+  <p:cSld>
+    <p:spTree>
+      <p:nvGrpSpPr>
+        <p:cNvPr id="1" name=""/>
+        <p:cNvGrpSpPr/>
+        <p:nvPr/>
+      </p:nvGrpSpPr>
+      <p:grpSpPr>
+        <a:xfrm>
+          <a:off x="0" y="0"/>
+          <a:ext cx="0" cy="0"/>
+          <a:chOff x="0" y="0"/>
+          <a:chExt cx="0" cy="0"/>
+        </a:xfrm>
+      </p:grpSpPr>
+      <p:pic>
+        <p:nvPicPr>
+          <p:cNvPr id="2" name="Picture 1">
+            <a:extLst>
+              <a:ext uri="{FF2B5EF4-FFF2-40B4-BE49-F238E27FC236}">
+                <a16:creationId xmlns:a16="http://schemas.microsoft.com/office/drawing/2014/main" id="{FEA77D3F-B81A-49B7-ACD6-D2BADA219C9F}"/>
+              </a:ext>
+            </a:extLst>
+          </p:cNvPr>
+          <p:cNvPicPr>
+            <a:picLocks noChangeAspect="1"/>
+          </p:cNvPicPr>
+          <p:nvPr/>
+        </p:nvPicPr>
+        <p:blipFill>
+          <a:blip r:embed="rId2"/>
+          <a:stretch>
+            <a:fillRect/>
+          </a:stretch>
+        </p:blipFill>
+        <p:spPr>
+          <a:xfrm>
+            <a:off x="3657600" y="1905000"/>
+            <a:ext cx="5353050" cy="4819650"/>
+          </a:xfrm>
+          <a:prstGeom prst="rect">
+            <a:avLst/>
+          </a:prstGeom>
+        </p:spPr>
+      </p:pic>
+      <p:sp>
+        <p:nvSpPr>
+          <p:cNvPr id="5" name="TextBox 4">
+            <a:extLst>
+              <a:ext uri="{FF2B5EF4-FFF2-40B4-BE49-F238E27FC236}">
+                <a16:creationId xmlns:a16="http://schemas.microsoft.com/office/drawing/2014/main" id="{D21A3BBD-9E02-4315-A50E-FCDC7513B2F0}"/>
+              </a:ext>
+            </a:extLst>
+          </p:cNvPr>
+          <p:cNvSpPr txBox="1"/>
+          <p:nvPr/>
+        </p:nvSpPr>
+        <p:spPr>
+          <a:xfrm>
+            <a:off x="304800" y="2971800"/>
+            <a:ext cx="2348400" cy="369332"/>
+          </a:xfrm>
+          <a:prstGeom prst="rect">
+            <a:avLst/>
+          </a:prstGeom>
+          <a:noFill/>
+        </p:spPr>
+        <p:txBody>
+          <a:bodyPr wrap="none" rtlCol="0">
+            <a:spAutoFit/>
+          </a:bodyPr>
+          <a:lstStyle/>
+          <a:p>
+            <a:r>
+              <a:rPr lang="en-US" dirty="0"/>
+              <a:t>Two irrelevant features</a:t>
+            </a:r>
+          </a:p>
+        </p:txBody>
+      </p:sp>
+    </p:spTree>
+    <p:extLst>
+      <p:ext uri="{BB962C8B-B14F-4D97-AF65-F5344CB8AC3E}">
+        <p14:creationId xmlns:p14="http://schemas.microsoft.com/office/powerpoint/2010/main" val="1277510717"/>
+      </p:ext>
+    </p:extLst>
+  </p:cSld>
+  <p:clrMapOvr>
+    <a:masterClrMapping/>
+  </p:clrMapOvr>
+</p:sld>
+</file>
+
+<file path=ppt/slides/slide19.xml><?xml version="1.0" encoding="utf-8"?>
+<p:sld xmlns:a="http://schemas.openxmlformats.org/drawingml/2006/main" xmlns:r="http://schemas.openxmlformats.org/officeDocument/2006/relationships" xmlns:p="http://schemas.openxmlformats.org/presentationml/2006/main">
+  <p:cSld>
+    <p:spTree>
+      <p:nvGrpSpPr>
+        <p:cNvPr id="1" name=""/>
+        <p:cNvGrpSpPr/>
+        <p:nvPr/>
+      </p:nvGrpSpPr>
+      <p:grpSpPr>
+        <a:xfrm>
+          <a:off x="0" y="0"/>
+          <a:ext cx="0" cy="0"/>
+          <a:chOff x="0" y="0"/>
+          <a:chExt cx="0" cy="0"/>
+        </a:xfrm>
+      </p:grpSpPr>
+      <p:pic>
+        <p:nvPicPr>
+          <p:cNvPr id="5" name="Picture 4">
+            <a:extLst>
+              <a:ext uri="{FF2B5EF4-FFF2-40B4-BE49-F238E27FC236}">
+                <a16:creationId xmlns:a16="http://schemas.microsoft.com/office/drawing/2014/main" id="{523D19AC-4D70-4D20-92D0-77A2ABD51E80}"/>
+              </a:ext>
+            </a:extLst>
+          </p:cNvPr>
+          <p:cNvPicPr>
+            <a:picLocks noChangeAspect="1"/>
+          </p:cNvPicPr>
+          <p:nvPr/>
+        </p:nvPicPr>
+        <p:blipFill>
+          <a:blip r:embed="rId2"/>
+          <a:stretch>
+            <a:fillRect/>
+          </a:stretch>
+        </p:blipFill>
+        <p:spPr>
+          <a:xfrm>
+            <a:off x="3657600" y="1905000"/>
+            <a:ext cx="5353050" cy="4819650"/>
+          </a:xfrm>
+          <a:prstGeom prst="rect">
+            <a:avLst/>
+          </a:prstGeom>
+        </p:spPr>
+      </p:pic>
+      <p:sp>
+        <p:nvSpPr>
+          <p:cNvPr id="6" name="TextBox 5">
+            <a:extLst>
+              <a:ext uri="{FF2B5EF4-FFF2-40B4-BE49-F238E27FC236}">
+                <a16:creationId xmlns:a16="http://schemas.microsoft.com/office/drawing/2014/main" id="{BD242198-AACE-409B-9CCE-D53D7178E724}"/>
+              </a:ext>
+            </a:extLst>
+          </p:cNvPr>
+          <p:cNvSpPr txBox="1"/>
+          <p:nvPr/>
+        </p:nvSpPr>
+        <p:spPr>
+          <a:xfrm>
+            <a:off x="304800" y="2971800"/>
+            <a:ext cx="2040815" cy="369332"/>
+          </a:xfrm>
+          <a:prstGeom prst="rect">
+            <a:avLst/>
+          </a:prstGeom>
+          <a:noFill/>
+        </p:spPr>
+        <p:txBody>
+          <a:bodyPr wrap="none" rtlCol="0">
+            <a:spAutoFit/>
+          </a:bodyPr>
+          <a:lstStyle/>
+          <a:p>
+            <a:r>
+              <a:rPr lang="en-US" dirty="0"/>
+              <a:t>Two strong features</a:t>
+            </a:r>
+          </a:p>
+        </p:txBody>
+      </p:sp>
+    </p:spTree>
+    <p:extLst>
+      <p:ext uri="{BB962C8B-B14F-4D97-AF65-F5344CB8AC3E}">
+        <p14:creationId xmlns:p14="http://schemas.microsoft.com/office/powerpoint/2010/main" val="3991909370"/>
+      </p:ext>
+    </p:extLst>
+  </p:cSld>
+  <p:clrMapOvr>
+    <a:masterClrMapping/>
+  </p:clrMapOvr>
+</p:sld>
+</file>
+
 <file path=ppt/slides/slide2.xml><?xml version="1.0" encoding="utf-8"?>
 <p:sld xmlns:a="http://schemas.openxmlformats.org/drawingml/2006/main" xmlns:r="http://schemas.openxmlformats.org/officeDocument/2006/relationships" xmlns:p="http://schemas.openxmlformats.org/presentationml/2006/main">
   <p:cSld>
@@ -10858,6 +12097,2760 @@
 </p:sld>
 </file>
 
+<file path=ppt/slides/slide20.xml><?xml version="1.0" encoding="utf-8"?>
+<p:sld xmlns:a="http://schemas.openxmlformats.org/drawingml/2006/main" xmlns:r="http://schemas.openxmlformats.org/officeDocument/2006/relationships" xmlns:p="http://schemas.openxmlformats.org/presentationml/2006/main">
+  <p:cSld>
+    <p:spTree>
+      <p:nvGrpSpPr>
+        <p:cNvPr id="1" name=""/>
+        <p:cNvGrpSpPr/>
+        <p:nvPr/>
+      </p:nvGrpSpPr>
+      <p:grpSpPr>
+        <a:xfrm>
+          <a:off x="0" y="0"/>
+          <a:ext cx="0" cy="0"/>
+          <a:chOff x="0" y="0"/>
+          <a:chExt cx="0" cy="0"/>
+        </a:xfrm>
+      </p:grpSpPr>
+      <p:sp>
+        <p:nvSpPr>
+          <p:cNvPr id="6" name="TextBox 5">
+            <a:extLst>
+              <a:ext uri="{FF2B5EF4-FFF2-40B4-BE49-F238E27FC236}">
+                <a16:creationId xmlns:a16="http://schemas.microsoft.com/office/drawing/2014/main" id="{BD242198-AACE-409B-9CCE-D53D7178E724}"/>
+              </a:ext>
+            </a:extLst>
+          </p:cNvPr>
+          <p:cNvSpPr txBox="1"/>
+          <p:nvPr/>
+        </p:nvSpPr>
+        <p:spPr>
+          <a:xfrm>
+            <a:off x="304800" y="2967335"/>
+            <a:ext cx="2819400" cy="923330"/>
+          </a:xfrm>
+          <a:prstGeom prst="rect">
+            <a:avLst/>
+          </a:prstGeom>
+          <a:noFill/>
+        </p:spPr>
+        <p:txBody>
+          <a:bodyPr wrap="square" rtlCol="0">
+            <a:spAutoFit/>
+          </a:bodyPr>
+          <a:lstStyle/>
+          <a:p>
+            <a:r>
+              <a:rPr lang="en-US" dirty="0"/>
+              <a:t>A strong feature (in the x-axis) with an irrelevant feature (y-axis)</a:t>
+            </a:r>
+          </a:p>
+        </p:txBody>
+      </p:sp>
+      <p:pic>
+        <p:nvPicPr>
+          <p:cNvPr id="2" name="Picture 1">
+            <a:extLst>
+              <a:ext uri="{FF2B5EF4-FFF2-40B4-BE49-F238E27FC236}">
+                <a16:creationId xmlns:a16="http://schemas.microsoft.com/office/drawing/2014/main" id="{97FD947B-145D-488B-B87E-3DB2356A9C95}"/>
+              </a:ext>
+            </a:extLst>
+          </p:cNvPr>
+          <p:cNvPicPr>
+            <a:picLocks noChangeAspect="1"/>
+          </p:cNvPicPr>
+          <p:nvPr/>
+        </p:nvPicPr>
+        <p:blipFill>
+          <a:blip r:embed="rId2"/>
+          <a:stretch>
+            <a:fillRect/>
+          </a:stretch>
+        </p:blipFill>
+        <p:spPr>
+          <a:xfrm>
+            <a:off x="3657600" y="1905000"/>
+            <a:ext cx="5353050" cy="4819650"/>
+          </a:xfrm>
+          <a:prstGeom prst="rect">
+            <a:avLst/>
+          </a:prstGeom>
+        </p:spPr>
+      </p:pic>
+    </p:spTree>
+    <p:extLst>
+      <p:ext uri="{BB962C8B-B14F-4D97-AF65-F5344CB8AC3E}">
+        <p14:creationId xmlns:p14="http://schemas.microsoft.com/office/powerpoint/2010/main" val="3325540681"/>
+      </p:ext>
+    </p:extLst>
+  </p:cSld>
+  <p:clrMapOvr>
+    <a:masterClrMapping/>
+  </p:clrMapOvr>
+</p:sld>
+</file>
+
+<file path=ppt/slides/slide21.xml><?xml version="1.0" encoding="utf-8"?>
+<p:sld xmlns:a="http://schemas.openxmlformats.org/drawingml/2006/main" xmlns:r="http://schemas.openxmlformats.org/officeDocument/2006/relationships" xmlns:p="http://schemas.openxmlformats.org/presentationml/2006/main">
+  <p:cSld>
+    <p:spTree>
+      <p:nvGrpSpPr>
+        <p:cNvPr id="1" name=""/>
+        <p:cNvGrpSpPr/>
+        <p:nvPr/>
+      </p:nvGrpSpPr>
+      <p:grpSpPr>
+        <a:xfrm>
+          <a:off x="0" y="0"/>
+          <a:ext cx="0" cy="0"/>
+          <a:chOff x="0" y="0"/>
+          <a:chExt cx="0" cy="0"/>
+        </a:xfrm>
+      </p:grpSpPr>
+      <p:pic>
+        <p:nvPicPr>
+          <p:cNvPr id="4" name="Picture 3">
+            <a:extLst>
+              <a:ext uri="{FF2B5EF4-FFF2-40B4-BE49-F238E27FC236}">
+                <a16:creationId xmlns:a16="http://schemas.microsoft.com/office/drawing/2014/main" id="{8B9BC99C-7E87-4CC5-AEA7-C8E03CD1B974}"/>
+              </a:ext>
+            </a:extLst>
+          </p:cNvPr>
+          <p:cNvPicPr>
+            <a:picLocks noChangeAspect="1"/>
+          </p:cNvPicPr>
+          <p:nvPr/>
+        </p:nvPicPr>
+        <p:blipFill>
+          <a:blip r:embed="rId2"/>
+          <a:stretch>
+            <a:fillRect/>
+          </a:stretch>
+        </p:blipFill>
+        <p:spPr>
+          <a:xfrm>
+            <a:off x="3657600" y="1905000"/>
+            <a:ext cx="5353050" cy="4819650"/>
+          </a:xfrm>
+          <a:prstGeom prst="rect">
+            <a:avLst/>
+          </a:prstGeom>
+        </p:spPr>
+      </p:pic>
+      <p:sp>
+        <p:nvSpPr>
+          <p:cNvPr id="5" name="TextBox 4">
+            <a:extLst>
+              <a:ext uri="{FF2B5EF4-FFF2-40B4-BE49-F238E27FC236}">
+                <a16:creationId xmlns:a16="http://schemas.microsoft.com/office/drawing/2014/main" id="{914C09F3-BB1A-4368-BED0-787BD97D3FB3}"/>
+              </a:ext>
+            </a:extLst>
+          </p:cNvPr>
+          <p:cNvSpPr txBox="1"/>
+          <p:nvPr/>
+        </p:nvSpPr>
+        <p:spPr>
+          <a:xfrm>
+            <a:off x="304800" y="2967335"/>
+            <a:ext cx="2819400" cy="923330"/>
+          </a:xfrm>
+          <a:prstGeom prst="rect">
+            <a:avLst/>
+          </a:prstGeom>
+          <a:noFill/>
+        </p:spPr>
+        <p:txBody>
+          <a:bodyPr wrap="square" rtlCol="0">
+            <a:spAutoFit/>
+          </a:bodyPr>
+          <a:lstStyle/>
+          <a:p>
+            <a:r>
+              <a:rPr lang="en-US" dirty="0"/>
+              <a:t>A weak feature (in the x-axis) with an irrelevant feature (y-axis)</a:t>
+            </a:r>
+          </a:p>
+        </p:txBody>
+      </p:sp>
+    </p:spTree>
+    <p:extLst>
+      <p:ext uri="{BB962C8B-B14F-4D97-AF65-F5344CB8AC3E}">
+        <p14:creationId xmlns:p14="http://schemas.microsoft.com/office/powerpoint/2010/main" val="1518543405"/>
+      </p:ext>
+    </p:extLst>
+  </p:cSld>
+  <p:clrMapOvr>
+    <a:masterClrMapping/>
+  </p:clrMapOvr>
+</p:sld>
+</file>
+
+<file path=ppt/slides/slide22.xml><?xml version="1.0" encoding="utf-8"?>
+<p:sld xmlns:a="http://schemas.openxmlformats.org/drawingml/2006/main" xmlns:r="http://schemas.openxmlformats.org/officeDocument/2006/relationships" xmlns:p="http://schemas.openxmlformats.org/presentationml/2006/main">
+  <p:cSld>
+    <p:spTree>
+      <p:nvGrpSpPr>
+        <p:cNvPr id="1" name=""/>
+        <p:cNvGrpSpPr/>
+        <p:nvPr/>
+      </p:nvGrpSpPr>
+      <p:grpSpPr>
+        <a:xfrm>
+          <a:off x="0" y="0"/>
+          <a:ext cx="0" cy="0"/>
+          <a:chOff x="0" y="0"/>
+          <a:chExt cx="0" cy="0"/>
+        </a:xfrm>
+      </p:grpSpPr>
+      <p:sp>
+        <p:nvSpPr>
+          <p:cNvPr id="3" name="Content Placeholder 2">
+            <a:extLst>
+              <a:ext uri="{FF2B5EF4-FFF2-40B4-BE49-F238E27FC236}">
+                <a16:creationId xmlns:a16="http://schemas.microsoft.com/office/drawing/2014/main" id="{B4D287DF-88BB-4BEB-A133-117622C03CC1}"/>
+              </a:ext>
+            </a:extLst>
+          </p:cNvPr>
+          <p:cNvSpPr>
+            <a:spLocks noGrp="1"/>
+          </p:cNvSpPr>
+          <p:nvPr>
+            <p:ph idx="1"/>
+          </p:nvPr>
+        </p:nvSpPr>
+        <p:spPr/>
+        <p:txBody>
+          <a:bodyPr>
+            <a:normAutofit lnSpcReduction="10000"/>
+          </a:bodyPr>
+          <a:lstStyle/>
+          <a:p>
+            <a:r>
+              <a:rPr lang="en-US" sz="2000" dirty="0"/>
+              <a:t>In the test datasets I provided there are two strong and one weak feature.</a:t>
+            </a:r>
+          </a:p>
+          <a:p>
+            <a:r>
+              <a:rPr lang="en-US" sz="2000" dirty="0"/>
+              <a:t>In general, we can easily find the two strong features, however:</a:t>
+            </a:r>
+          </a:p>
+          <a:p>
+            <a:pPr lvl="1"/>
+            <a:r>
+              <a:rPr lang="en-US" sz="1600" dirty="0"/>
+              <a:t>We may find it hard to find the weak feature</a:t>
+            </a:r>
+          </a:p>
+          <a:p>
+            <a:pPr lvl="1"/>
+            <a:r>
+              <a:rPr lang="en-US" sz="1600" dirty="0"/>
+              <a:t>We may find spurious features </a:t>
+            </a:r>
+          </a:p>
+          <a:p>
+            <a:pPr lvl="1"/>
+            <a:r>
+              <a:rPr lang="en-US" sz="1600" dirty="0"/>
+              <a:t>Thus some people reported finding something like this:</a:t>
+            </a:r>
+          </a:p>
+          <a:p>
+            <a:pPr lvl="1"/>
+            <a:r>
+              <a:rPr lang="en-US" sz="2400" dirty="0">
+                <a:latin typeface="Courier New" panose="02070309020205020404" pitchFamily="49" charset="0"/>
+                <a:cs typeface="Courier New" panose="02070309020205020404" pitchFamily="49" charset="0"/>
+              </a:rPr>
+              <a:t>The best features are </a:t>
+            </a:r>
+            <a:r>
+              <a:rPr lang="en-US" sz="2400" b="1" dirty="0">
+                <a:solidFill>
+                  <a:srgbClr val="FF0000"/>
+                </a:solidFill>
+                <a:latin typeface="Courier New" panose="02070309020205020404" pitchFamily="49" charset="0"/>
+                <a:cs typeface="Courier New" panose="02070309020205020404" pitchFamily="49" charset="0"/>
+              </a:rPr>
+              <a:t>49 </a:t>
+            </a:r>
+            <a:r>
+              <a:rPr lang="en-US" sz="2400" b="1" dirty="0">
+                <a:latin typeface="Courier New" panose="02070309020205020404" pitchFamily="49" charset="0"/>
+                <a:cs typeface="Courier New" panose="02070309020205020404" pitchFamily="49" charset="0"/>
+              </a:rPr>
+              <a:t> </a:t>
+            </a:r>
+            <a:r>
+              <a:rPr lang="en-US" sz="2400" b="1" dirty="0">
+                <a:solidFill>
+                  <a:srgbClr val="00B0F0"/>
+                </a:solidFill>
+                <a:latin typeface="Courier New" panose="02070309020205020404" pitchFamily="49" charset="0"/>
+                <a:cs typeface="Courier New" panose="02070309020205020404" pitchFamily="49" charset="0"/>
+              </a:rPr>
+              <a:t>21 </a:t>
+            </a:r>
+            <a:r>
+              <a:rPr lang="en-US" sz="2400" b="1" dirty="0">
+                <a:latin typeface="Courier New" panose="02070309020205020404" pitchFamily="49" charset="0"/>
+                <a:cs typeface="Courier New" panose="02070309020205020404" pitchFamily="49" charset="0"/>
+              </a:rPr>
+              <a:t>7 10 30</a:t>
+            </a:r>
+          </a:p>
+          <a:p>
+            <a:r>
+              <a:rPr lang="en-US" sz="2000" dirty="0"/>
+              <a:t>Why do we find spurious features?</a:t>
+            </a:r>
+          </a:p>
+          <a:p>
+            <a:r>
+              <a:rPr lang="en-US" sz="2000" dirty="0"/>
+              <a:t>Why do we not find the weak feature?</a:t>
+            </a:r>
+          </a:p>
+          <a:p>
+            <a:endParaRPr lang="en-US" sz="2000" dirty="0"/>
+          </a:p>
+          <a:p>
+            <a:r>
+              <a:rPr lang="en-US" sz="2000" dirty="0"/>
+              <a:t>To be clear, you do NOT need to do this for your project. I am just showing you this for context.</a:t>
+            </a:r>
+          </a:p>
+          <a:p>
+            <a:endParaRPr lang="en-US" sz="2000" dirty="0"/>
+          </a:p>
+          <a:p>
+            <a:r>
+              <a:rPr lang="en-US" sz="2000" dirty="0">
+                <a:solidFill>
+                  <a:schemeClr val="bg1">
+                    <a:lumMod val="75000"/>
+                  </a:schemeClr>
+                </a:solidFill>
+              </a:rPr>
+              <a:t>(note, this is review, I showed you this before)</a:t>
+            </a:r>
+          </a:p>
+        </p:txBody>
+      </p:sp>
+      <p:sp>
+        <p:nvSpPr>
+          <p:cNvPr id="4" name="Rectangle 3">
+            <a:extLst>
+              <a:ext uri="{FF2B5EF4-FFF2-40B4-BE49-F238E27FC236}">
+                <a16:creationId xmlns:a16="http://schemas.microsoft.com/office/drawing/2014/main" id="{354FF4E8-566C-4344-AC51-EBFF175A4934}"/>
+              </a:ext>
+            </a:extLst>
+          </p:cNvPr>
+          <p:cNvSpPr/>
+          <p:nvPr/>
+        </p:nvSpPr>
+        <p:spPr>
+          <a:xfrm>
+            <a:off x="0" y="0"/>
+            <a:ext cx="4572000" cy="1200329"/>
+          </a:xfrm>
+          <a:prstGeom prst="rect">
+            <a:avLst/>
+          </a:prstGeom>
+        </p:spPr>
+        <p:txBody>
+          <a:bodyPr>
+            <a:spAutoFit/>
+          </a:bodyPr>
+          <a:lstStyle/>
+          <a:p>
+            <a:r>
+              <a:rPr lang="en-US" dirty="0"/>
+              <a:t>&gt;&gt; create_170_datasets</a:t>
+            </a:r>
+          </a:p>
+          <a:p>
+            <a:r>
+              <a:rPr lang="en-US" dirty="0"/>
+              <a:t>On large dataset 1 the error rate can be 0.92</a:t>
+            </a:r>
+          </a:p>
+          <a:p>
+            <a:r>
+              <a:rPr lang="en-US" dirty="0"/>
+              <a:t>when using only features </a:t>
+            </a:r>
+            <a:r>
+              <a:rPr lang="en-US" dirty="0">
+                <a:solidFill>
+                  <a:srgbClr val="FF0000"/>
+                </a:solidFill>
+              </a:rPr>
+              <a:t>49</a:t>
+            </a:r>
+            <a:r>
+              <a:rPr lang="en-US" dirty="0"/>
+              <a:t>  30  </a:t>
+            </a:r>
+            <a:r>
+              <a:rPr lang="en-US" dirty="0">
+                <a:solidFill>
+                  <a:srgbClr val="00B0F0"/>
+                </a:solidFill>
+              </a:rPr>
+              <a:t>21</a:t>
+            </a:r>
+          </a:p>
+          <a:p>
+            <a:r>
+              <a:rPr lang="en-US" dirty="0"/>
+              <a:t>***************************</a:t>
+            </a:r>
+          </a:p>
+        </p:txBody>
+      </p:sp>
+    </p:spTree>
+    <p:extLst>
+      <p:ext uri="{BB962C8B-B14F-4D97-AF65-F5344CB8AC3E}">
+        <p14:creationId xmlns:p14="http://schemas.microsoft.com/office/powerpoint/2010/main" val="4223944231"/>
+      </p:ext>
+    </p:extLst>
+  </p:cSld>
+  <p:clrMapOvr>
+    <a:masterClrMapping/>
+  </p:clrMapOvr>
+</p:sld>
+</file>
+
+<file path=ppt/slides/slide23.xml><?xml version="1.0" encoding="utf-8"?>
+<p:sld xmlns:a="http://schemas.openxmlformats.org/drawingml/2006/main" xmlns:r="http://schemas.openxmlformats.org/officeDocument/2006/relationships" xmlns:p="http://schemas.openxmlformats.org/presentationml/2006/main">
+  <p:cSld>
+    <p:spTree>
+      <p:nvGrpSpPr>
+        <p:cNvPr id="1" name=""/>
+        <p:cNvGrpSpPr/>
+        <p:nvPr/>
+      </p:nvGrpSpPr>
+      <p:grpSpPr>
+        <a:xfrm>
+          <a:off x="0" y="0"/>
+          <a:ext cx="0" cy="0"/>
+          <a:chOff x="0" y="0"/>
+          <a:chExt cx="0" cy="0"/>
+        </a:xfrm>
+      </p:grpSpPr>
+      <p:sp>
+        <p:nvSpPr>
+          <p:cNvPr id="3" name="Content Placeholder 2">
+            <a:extLst>
+              <a:ext uri="{FF2B5EF4-FFF2-40B4-BE49-F238E27FC236}">
+                <a16:creationId xmlns:a16="http://schemas.microsoft.com/office/drawing/2014/main" id="{B4D287DF-88BB-4BEB-A133-117622C03CC1}"/>
+              </a:ext>
+            </a:extLst>
+          </p:cNvPr>
+          <p:cNvSpPr>
+            <a:spLocks noGrp="1"/>
+          </p:cNvSpPr>
+          <p:nvPr>
+            <p:ph idx="1"/>
+          </p:nvPr>
+        </p:nvSpPr>
+        <p:spPr>
+          <a:xfrm>
+            <a:off x="228600" y="990600"/>
+            <a:ext cx="8686800" cy="5486400"/>
+          </a:xfrm>
+        </p:spPr>
+        <p:txBody>
+          <a:bodyPr>
+            <a:normAutofit/>
+          </a:bodyPr>
+          <a:lstStyle/>
+          <a:p>
+            <a:r>
+              <a:rPr lang="en-US" sz="2000" dirty="0"/>
+              <a:t>In our search algorithm we will add and keep a new feature, even if it only gets </a:t>
+            </a:r>
+            <a:r>
+              <a:rPr lang="en-US" sz="2000" i="1" dirty="0"/>
+              <a:t>one</a:t>
+            </a:r>
+            <a:r>
+              <a:rPr lang="en-US" sz="2000" dirty="0"/>
+              <a:t> more instance correct. </a:t>
+            </a:r>
+          </a:p>
+          <a:p>
+            <a:r>
+              <a:rPr lang="en-US" sz="2000" dirty="0"/>
+              <a:t>However, we have dozens of irrelevant features. It is very likely that one or two of the them will classify one or two extra data points by random chance.</a:t>
+            </a:r>
+          </a:p>
+          <a:p>
+            <a:r>
+              <a:rPr lang="en-US" sz="2000" dirty="0"/>
+              <a:t>This is bad! While the spurious features happened to help a tiny bit on these 100 objects, they will </a:t>
+            </a:r>
+            <a:r>
+              <a:rPr lang="en-US" sz="2000" i="1" dirty="0"/>
+              <a:t>hurt</a:t>
+            </a:r>
+            <a:r>
+              <a:rPr lang="en-US" sz="2000" dirty="0"/>
+              <a:t> a bit on the unseen data we will see in the future. </a:t>
+            </a:r>
+          </a:p>
+        </p:txBody>
+      </p:sp>
+      <p:sp>
+        <p:nvSpPr>
+          <p:cNvPr id="2" name="Rectangle 1">
+            <a:extLst>
+              <a:ext uri="{FF2B5EF4-FFF2-40B4-BE49-F238E27FC236}">
+                <a16:creationId xmlns:a16="http://schemas.microsoft.com/office/drawing/2014/main" id="{C13AF518-E147-42A2-B9F0-ADEA53374D6A}"/>
+              </a:ext>
+            </a:extLst>
+          </p:cNvPr>
+          <p:cNvSpPr/>
+          <p:nvPr/>
+        </p:nvSpPr>
+        <p:spPr>
+          <a:xfrm>
+            <a:off x="304800" y="65087"/>
+            <a:ext cx="5242589" cy="523220"/>
+          </a:xfrm>
+          <a:prstGeom prst="rect">
+            <a:avLst/>
+          </a:prstGeom>
+        </p:spPr>
+        <p:txBody>
+          <a:bodyPr wrap="none">
+            <a:spAutoFit/>
+          </a:bodyPr>
+          <a:lstStyle/>
+          <a:p>
+            <a:r>
+              <a:rPr lang="en-US" sz="2800" dirty="0"/>
+              <a:t>Why do we find spurious features?</a:t>
+            </a:r>
+          </a:p>
+        </p:txBody>
+      </p:sp>
+    </p:spTree>
+    <p:extLst>
+      <p:ext uri="{BB962C8B-B14F-4D97-AF65-F5344CB8AC3E}">
+        <p14:creationId xmlns:p14="http://schemas.microsoft.com/office/powerpoint/2010/main" val="2493901765"/>
+      </p:ext>
+    </p:extLst>
+  </p:cSld>
+  <p:clrMapOvr>
+    <a:masterClrMapping/>
+  </p:clrMapOvr>
+</p:sld>
+</file>
+
+<file path=ppt/slides/slide24.xml><?xml version="1.0" encoding="utf-8"?>
+<p:sld xmlns:a="http://schemas.openxmlformats.org/drawingml/2006/main" xmlns:r="http://schemas.openxmlformats.org/officeDocument/2006/relationships" xmlns:p="http://schemas.openxmlformats.org/presentationml/2006/main">
+  <p:cSld>
+    <p:spTree>
+      <p:nvGrpSpPr>
+        <p:cNvPr id="1" name=""/>
+        <p:cNvGrpSpPr/>
+        <p:nvPr/>
+      </p:nvGrpSpPr>
+      <p:grpSpPr>
+        <a:xfrm>
+          <a:off x="0" y="0"/>
+          <a:ext cx="0" cy="0"/>
+          <a:chOff x="0" y="0"/>
+          <a:chExt cx="0" cy="0"/>
+        </a:xfrm>
+      </p:grpSpPr>
+      <p:sp>
+        <p:nvSpPr>
+          <p:cNvPr id="3" name="Content Placeholder 2">
+            <a:extLst>
+              <a:ext uri="{FF2B5EF4-FFF2-40B4-BE49-F238E27FC236}">
+                <a16:creationId xmlns:a16="http://schemas.microsoft.com/office/drawing/2014/main" id="{B4D287DF-88BB-4BEB-A133-117622C03CC1}"/>
+              </a:ext>
+            </a:extLst>
+          </p:cNvPr>
+          <p:cNvSpPr>
+            <a:spLocks noGrp="1"/>
+          </p:cNvSpPr>
+          <p:nvPr>
+            <p:ph idx="1"/>
+          </p:nvPr>
+        </p:nvSpPr>
+        <p:spPr>
+          <a:xfrm>
+            <a:off x="228600" y="990599"/>
+            <a:ext cx="8686800" cy="5802313"/>
+          </a:xfrm>
+        </p:spPr>
+        <p:txBody>
+          <a:bodyPr>
+            <a:normAutofit/>
+          </a:bodyPr>
+          <a:lstStyle/>
+          <a:p>
+            <a:r>
+              <a:rPr lang="en-US" sz="2000" dirty="0">
+                <a:solidFill>
+                  <a:schemeClr val="bg1">
+                    <a:lumMod val="65000"/>
+                  </a:schemeClr>
+                </a:solidFill>
+              </a:rPr>
+              <a:t>In our search algorithm we will add and keep a new feature, even if it only gets one more instance correct. </a:t>
+            </a:r>
+          </a:p>
+          <a:p>
+            <a:r>
+              <a:rPr lang="en-US" sz="2000" dirty="0">
+                <a:solidFill>
+                  <a:schemeClr val="bg1">
+                    <a:lumMod val="65000"/>
+                  </a:schemeClr>
+                </a:solidFill>
+              </a:rPr>
+              <a:t>However, we have dozens of irrelevant features. It is very likely that one or two of the them will classify one or two extra data points by random chance.</a:t>
+            </a:r>
+          </a:p>
+          <a:p>
+            <a:r>
+              <a:rPr lang="en-US" sz="2000" dirty="0">
+                <a:solidFill>
+                  <a:schemeClr val="bg1">
+                    <a:lumMod val="65000"/>
+                  </a:schemeClr>
+                </a:solidFill>
+              </a:rPr>
+              <a:t>This is bad! While the spurious features happened to help a tiny bit on these 100 objects, they will </a:t>
+            </a:r>
+            <a:r>
+              <a:rPr lang="en-US" sz="2000" i="1" dirty="0">
+                <a:solidFill>
+                  <a:schemeClr val="bg1">
+                    <a:lumMod val="65000"/>
+                  </a:schemeClr>
+                </a:solidFill>
+              </a:rPr>
+              <a:t>hurt</a:t>
+            </a:r>
+            <a:r>
+              <a:rPr lang="en-US" sz="2000" dirty="0">
+                <a:solidFill>
+                  <a:schemeClr val="bg1">
+                    <a:lumMod val="65000"/>
+                  </a:schemeClr>
+                </a:solidFill>
+              </a:rPr>
+              <a:t> a bit on the unseen data we will see in the future. </a:t>
+            </a:r>
+          </a:p>
+          <a:p>
+            <a:r>
+              <a:rPr lang="en-US" sz="2000" dirty="0"/>
+              <a:t>How can we fix this? </a:t>
+            </a:r>
+          </a:p>
+          <a:p>
+            <a:r>
+              <a:rPr lang="en-US" sz="2000" dirty="0"/>
+              <a:t>Suppose instead of giving you one dataset with 100 instances, I had given you three datasets with 100 instances (from exactly the same problem).</a:t>
+            </a:r>
+          </a:p>
+          <a:p>
+            <a:r>
+              <a:rPr lang="en-US" sz="2000" dirty="0"/>
+              <a:t>Lets look at the three traces of forward selection on these 3 datasets.</a:t>
+            </a:r>
+          </a:p>
+          <a:p>
+            <a:pPr lvl="1"/>
+            <a:r>
+              <a:rPr lang="en-US" sz="2400" dirty="0">
+                <a:latin typeface="Courier New" panose="02070309020205020404" pitchFamily="49" charset="0"/>
+                <a:cs typeface="Courier New" panose="02070309020205020404" pitchFamily="49" charset="0"/>
+              </a:rPr>
+              <a:t>The best features are </a:t>
+            </a:r>
+            <a:r>
+              <a:rPr lang="en-US" sz="2400" b="1" dirty="0">
+                <a:solidFill>
+                  <a:srgbClr val="FF0000"/>
+                </a:solidFill>
+                <a:latin typeface="Courier New" panose="02070309020205020404" pitchFamily="49" charset="0"/>
+                <a:cs typeface="Courier New" panose="02070309020205020404" pitchFamily="49" charset="0"/>
+              </a:rPr>
+              <a:t>49 </a:t>
+            </a:r>
+            <a:r>
+              <a:rPr lang="en-US" sz="2400" b="1" dirty="0">
+                <a:solidFill>
+                  <a:srgbClr val="00B0F0"/>
+                </a:solidFill>
+                <a:latin typeface="Courier New" panose="02070309020205020404" pitchFamily="49" charset="0"/>
+                <a:cs typeface="Courier New" panose="02070309020205020404" pitchFamily="49" charset="0"/>
+              </a:rPr>
+              <a:t>21 </a:t>
+            </a:r>
+            <a:r>
+              <a:rPr lang="en-US" sz="2400" b="1" dirty="0">
+                <a:latin typeface="Courier New" panose="02070309020205020404" pitchFamily="49" charset="0"/>
+                <a:cs typeface="Courier New" panose="02070309020205020404" pitchFamily="49" charset="0"/>
+              </a:rPr>
+              <a:t>7  10 30</a:t>
+            </a:r>
+          </a:p>
+          <a:p>
+            <a:pPr lvl="1"/>
+            <a:r>
+              <a:rPr lang="en-US" sz="2400" dirty="0">
+                <a:latin typeface="Courier New" panose="02070309020205020404" pitchFamily="49" charset="0"/>
+                <a:cs typeface="Courier New" panose="02070309020205020404" pitchFamily="49" charset="0"/>
+              </a:rPr>
+              <a:t>The best features are </a:t>
+            </a:r>
+            <a:r>
+              <a:rPr lang="en-US" sz="2400" b="1" dirty="0">
+                <a:solidFill>
+                  <a:srgbClr val="00B0F0"/>
+                </a:solidFill>
+                <a:latin typeface="Courier New" panose="02070309020205020404" pitchFamily="49" charset="0"/>
+                <a:cs typeface="Courier New" panose="02070309020205020404" pitchFamily="49" charset="0"/>
+              </a:rPr>
+              <a:t>21 </a:t>
+            </a:r>
+            <a:r>
+              <a:rPr lang="en-US" sz="2400" b="1" dirty="0">
+                <a:solidFill>
+                  <a:srgbClr val="FF0000"/>
+                </a:solidFill>
+                <a:latin typeface="Courier New" panose="02070309020205020404" pitchFamily="49" charset="0"/>
+                <a:cs typeface="Courier New" panose="02070309020205020404" pitchFamily="49" charset="0"/>
+              </a:rPr>
+              <a:t>49 </a:t>
+            </a:r>
+            <a:r>
+              <a:rPr lang="en-US" sz="2400" b="1" dirty="0">
+                <a:latin typeface="Courier New" panose="02070309020205020404" pitchFamily="49" charset="0"/>
+                <a:cs typeface="Courier New" panose="02070309020205020404" pitchFamily="49" charset="0"/>
+              </a:rPr>
+              <a:t>22 30 11</a:t>
+            </a:r>
+          </a:p>
+          <a:p>
+            <a:pPr lvl="1"/>
+            <a:r>
+              <a:rPr lang="en-US" sz="2400" dirty="0">
+                <a:latin typeface="Courier New" panose="02070309020205020404" pitchFamily="49" charset="0"/>
+                <a:cs typeface="Courier New" panose="02070309020205020404" pitchFamily="49" charset="0"/>
+              </a:rPr>
+              <a:t>The best features are </a:t>
+            </a:r>
+            <a:r>
+              <a:rPr lang="en-US" sz="2400" b="1" dirty="0">
+                <a:solidFill>
+                  <a:srgbClr val="FF0000"/>
+                </a:solidFill>
+                <a:latin typeface="Courier New" panose="02070309020205020404" pitchFamily="49" charset="0"/>
+                <a:cs typeface="Courier New" panose="02070309020205020404" pitchFamily="49" charset="0"/>
+              </a:rPr>
+              <a:t>49 </a:t>
+            </a:r>
+            <a:r>
+              <a:rPr lang="en-US" sz="2400" b="1" dirty="0">
+                <a:solidFill>
+                  <a:srgbClr val="00B0F0"/>
+                </a:solidFill>
+                <a:latin typeface="Courier New" panose="02070309020205020404" pitchFamily="49" charset="0"/>
+                <a:cs typeface="Courier New" panose="02070309020205020404" pitchFamily="49" charset="0"/>
+              </a:rPr>
+              <a:t>21 </a:t>
+            </a:r>
+            <a:r>
+              <a:rPr lang="en-US" sz="2400" b="1" dirty="0">
+                <a:latin typeface="Courier New" panose="02070309020205020404" pitchFamily="49" charset="0"/>
+                <a:cs typeface="Courier New" panose="02070309020205020404" pitchFamily="49" charset="0"/>
+              </a:rPr>
+              <a:t>30 10 4</a:t>
+            </a:r>
+          </a:p>
+          <a:p>
+            <a:r>
+              <a:rPr lang="en-US" sz="2000" dirty="0"/>
+              <a:t>We can see that the two good features show up (perhaps in a different order) in all three runs, but the spurious features do not. </a:t>
+            </a:r>
+          </a:p>
+          <a:p>
+            <a:r>
+              <a:rPr lang="en-US" sz="2000" dirty="0"/>
+              <a:t>However we do not have three different versions of this dataset!</a:t>
+            </a:r>
+          </a:p>
+        </p:txBody>
+      </p:sp>
+      <p:sp>
+        <p:nvSpPr>
+          <p:cNvPr id="2" name="Rectangle 1">
+            <a:extLst>
+              <a:ext uri="{FF2B5EF4-FFF2-40B4-BE49-F238E27FC236}">
+                <a16:creationId xmlns:a16="http://schemas.microsoft.com/office/drawing/2014/main" id="{C13AF518-E147-42A2-B9F0-ADEA53374D6A}"/>
+              </a:ext>
+            </a:extLst>
+          </p:cNvPr>
+          <p:cNvSpPr/>
+          <p:nvPr/>
+        </p:nvSpPr>
+        <p:spPr>
+          <a:xfrm>
+            <a:off x="304800" y="65087"/>
+            <a:ext cx="5242589" cy="523220"/>
+          </a:xfrm>
+          <a:prstGeom prst="rect">
+            <a:avLst/>
+          </a:prstGeom>
+        </p:spPr>
+        <p:txBody>
+          <a:bodyPr wrap="none">
+            <a:spAutoFit/>
+          </a:bodyPr>
+          <a:lstStyle/>
+          <a:p>
+            <a:r>
+              <a:rPr lang="en-US" sz="2800" dirty="0"/>
+              <a:t>Why do we find spurious features?</a:t>
+            </a:r>
+          </a:p>
+        </p:txBody>
+      </p:sp>
+    </p:spTree>
+    <p:extLst>
+      <p:ext uri="{BB962C8B-B14F-4D97-AF65-F5344CB8AC3E}">
+        <p14:creationId xmlns:p14="http://schemas.microsoft.com/office/powerpoint/2010/main" val="3360086333"/>
+      </p:ext>
+    </p:extLst>
+  </p:cSld>
+  <p:clrMapOvr>
+    <a:masterClrMapping/>
+  </p:clrMapOvr>
+</p:sld>
+</file>
+
+<file path=ppt/slides/slide25.xml><?xml version="1.0" encoding="utf-8"?>
+<p:sld xmlns:a="http://schemas.openxmlformats.org/drawingml/2006/main" xmlns:r="http://schemas.openxmlformats.org/officeDocument/2006/relationships" xmlns:p="http://schemas.openxmlformats.org/presentationml/2006/main">
+  <p:cSld>
+    <p:spTree>
+      <p:nvGrpSpPr>
+        <p:cNvPr id="1" name=""/>
+        <p:cNvGrpSpPr/>
+        <p:nvPr/>
+      </p:nvGrpSpPr>
+      <p:grpSpPr>
+        <a:xfrm>
+          <a:off x="0" y="0"/>
+          <a:ext cx="0" cy="0"/>
+          <a:chOff x="0" y="0"/>
+          <a:chExt cx="0" cy="0"/>
+        </a:xfrm>
+      </p:grpSpPr>
+      <p:sp>
+        <p:nvSpPr>
+          <p:cNvPr id="3" name="Content Placeholder 2">
+            <a:extLst>
+              <a:ext uri="{FF2B5EF4-FFF2-40B4-BE49-F238E27FC236}">
+                <a16:creationId xmlns:a16="http://schemas.microsoft.com/office/drawing/2014/main" id="{B4D287DF-88BB-4BEB-A133-117622C03CC1}"/>
+              </a:ext>
+            </a:extLst>
+          </p:cNvPr>
+          <p:cNvSpPr>
+            <a:spLocks noGrp="1"/>
+          </p:cNvSpPr>
+          <p:nvPr>
+            <p:ph idx="1"/>
+          </p:nvPr>
+        </p:nvSpPr>
+        <p:spPr>
+          <a:xfrm>
+            <a:off x="152400" y="228601"/>
+            <a:ext cx="8686800" cy="685800"/>
+          </a:xfrm>
+        </p:spPr>
+        <p:txBody>
+          <a:bodyPr>
+            <a:normAutofit/>
+          </a:bodyPr>
+          <a:lstStyle/>
+          <a:p>
+            <a:r>
+              <a:rPr lang="en-US" sz="2000" dirty="0"/>
+              <a:t>However we do not have three different versions of this dataset!</a:t>
+            </a:r>
+          </a:p>
+        </p:txBody>
+      </p:sp>
+      <p:grpSp>
+        <p:nvGrpSpPr>
+          <p:cNvPr id="12" name="Group 11">
+            <a:extLst>
+              <a:ext uri="{FF2B5EF4-FFF2-40B4-BE49-F238E27FC236}">
+                <a16:creationId xmlns:a16="http://schemas.microsoft.com/office/drawing/2014/main" id="{710F3D36-0A0A-4C47-8134-934708E71E7D}"/>
+              </a:ext>
+            </a:extLst>
+          </p:cNvPr>
+          <p:cNvGrpSpPr/>
+          <p:nvPr/>
+        </p:nvGrpSpPr>
+        <p:grpSpPr>
+          <a:xfrm>
+            <a:off x="4024992" y="914400"/>
+            <a:ext cx="5119008" cy="5486399"/>
+            <a:chOff x="3171825" y="228601"/>
+            <a:chExt cx="5972175" cy="6400798"/>
+          </a:xfrm>
+        </p:grpSpPr>
+        <p:pic>
+          <p:nvPicPr>
+            <p:cNvPr id="4" name="Picture 2">
+              <a:extLst>
+                <a:ext uri="{FF2B5EF4-FFF2-40B4-BE49-F238E27FC236}">
+                  <a16:creationId xmlns:a16="http://schemas.microsoft.com/office/drawing/2014/main" id="{DFD91363-66E9-4144-B432-366628B19553}"/>
+                </a:ext>
+              </a:extLst>
+            </p:cNvPr>
+            <p:cNvPicPr>
+              <a:picLocks noChangeAspect="1" noChangeArrowheads="1"/>
+            </p:cNvPicPr>
+            <p:nvPr/>
+          </p:nvPicPr>
+          <p:blipFill>
+            <a:blip r:embed="rId2" cstate="print"/>
+            <a:srcRect/>
+            <a:stretch>
+              <a:fillRect/>
+            </a:stretch>
+          </p:blipFill>
+          <p:spPr bwMode="auto">
+            <a:xfrm>
+              <a:off x="3171825" y="3495674"/>
+              <a:ext cx="5972175" cy="3133725"/>
+            </a:xfrm>
+            <a:prstGeom prst="rect">
+              <a:avLst/>
+            </a:prstGeom>
+            <a:noFill/>
+            <a:ln w="9525">
+              <a:noFill/>
+              <a:miter lim="800000"/>
+              <a:headEnd/>
+              <a:tailEnd/>
+            </a:ln>
+          </p:spPr>
+        </p:pic>
+        <p:sp>
+          <p:nvSpPr>
+            <p:cNvPr id="5" name="Rectangle 4">
+              <a:extLst>
+                <a:ext uri="{FF2B5EF4-FFF2-40B4-BE49-F238E27FC236}">
+                  <a16:creationId xmlns:a16="http://schemas.microsoft.com/office/drawing/2014/main" id="{74A9143A-9EB8-4F40-82CA-1B969D4F14D1}"/>
+                </a:ext>
+              </a:extLst>
+            </p:cNvPr>
+            <p:cNvSpPr/>
+            <p:nvPr/>
+          </p:nvSpPr>
+          <p:spPr>
+            <a:xfrm>
+              <a:off x="3276600" y="4114800"/>
+              <a:ext cx="5410200" cy="76200"/>
+            </a:xfrm>
+            <a:prstGeom prst="rect">
+              <a:avLst/>
+            </a:prstGeom>
+            <a:solidFill>
+              <a:schemeClr val="tx1"/>
+            </a:solidFill>
+            <a:ln>
+              <a:noFill/>
+            </a:ln>
+          </p:spPr>
+          <p:style>
+            <a:lnRef idx="2">
+              <a:schemeClr val="accent1">
+                <a:shade val="50000"/>
+              </a:schemeClr>
+            </a:lnRef>
+            <a:fillRef idx="1">
+              <a:schemeClr val="accent1"/>
+            </a:fillRef>
+            <a:effectRef idx="0">
+              <a:schemeClr val="accent1"/>
+            </a:effectRef>
+            <a:fontRef idx="minor">
+              <a:schemeClr val="lt1"/>
+            </a:fontRef>
+          </p:style>
+          <p:txBody>
+            <a:bodyPr rtlCol="0" anchor="ctr"/>
+            <a:lstStyle/>
+            <a:p>
+              <a:pPr algn="ctr"/>
+              <a:endParaRPr lang="en-US"/>
+            </a:p>
+          </p:txBody>
+        </p:sp>
+        <p:sp>
+          <p:nvSpPr>
+            <p:cNvPr id="6" name="Rectangle 5">
+              <a:extLst>
+                <a:ext uri="{FF2B5EF4-FFF2-40B4-BE49-F238E27FC236}">
+                  <a16:creationId xmlns:a16="http://schemas.microsoft.com/office/drawing/2014/main" id="{E71E8AA0-E838-4029-AE8C-A8F0157C170E}"/>
+                </a:ext>
+              </a:extLst>
+            </p:cNvPr>
+            <p:cNvSpPr/>
+            <p:nvPr/>
+          </p:nvSpPr>
+          <p:spPr>
+            <a:xfrm>
+              <a:off x="3267075" y="4743451"/>
+              <a:ext cx="5410200" cy="76200"/>
+            </a:xfrm>
+            <a:prstGeom prst="rect">
+              <a:avLst/>
+            </a:prstGeom>
+            <a:solidFill>
+              <a:schemeClr val="tx1"/>
+            </a:solidFill>
+            <a:ln>
+              <a:noFill/>
+            </a:ln>
+          </p:spPr>
+          <p:style>
+            <a:lnRef idx="2">
+              <a:schemeClr val="accent1">
+                <a:shade val="50000"/>
+              </a:schemeClr>
+            </a:lnRef>
+            <a:fillRef idx="1">
+              <a:schemeClr val="accent1"/>
+            </a:fillRef>
+            <a:effectRef idx="0">
+              <a:schemeClr val="accent1"/>
+            </a:effectRef>
+            <a:fontRef idx="minor">
+              <a:schemeClr val="lt1"/>
+            </a:fontRef>
+          </p:style>
+          <p:txBody>
+            <a:bodyPr rtlCol="0" anchor="ctr"/>
+            <a:lstStyle/>
+            <a:p>
+              <a:pPr algn="ctr"/>
+              <a:endParaRPr lang="en-US"/>
+            </a:p>
+          </p:txBody>
+        </p:sp>
+        <p:sp>
+          <p:nvSpPr>
+            <p:cNvPr id="7" name="Rectangle 6">
+              <a:extLst>
+                <a:ext uri="{FF2B5EF4-FFF2-40B4-BE49-F238E27FC236}">
+                  <a16:creationId xmlns:a16="http://schemas.microsoft.com/office/drawing/2014/main" id="{ACF4520E-E7B6-4AF6-BE5A-ACD13EA2756F}"/>
+                </a:ext>
+              </a:extLst>
+            </p:cNvPr>
+            <p:cNvSpPr/>
+            <p:nvPr/>
+          </p:nvSpPr>
+          <p:spPr>
+            <a:xfrm>
+              <a:off x="3276600" y="6096000"/>
+              <a:ext cx="5410200" cy="76200"/>
+            </a:xfrm>
+            <a:prstGeom prst="rect">
+              <a:avLst/>
+            </a:prstGeom>
+            <a:solidFill>
+              <a:schemeClr val="tx1"/>
+            </a:solidFill>
+            <a:ln>
+              <a:noFill/>
+            </a:ln>
+          </p:spPr>
+          <p:style>
+            <a:lnRef idx="2">
+              <a:schemeClr val="accent1">
+                <a:shade val="50000"/>
+              </a:schemeClr>
+            </a:lnRef>
+            <a:fillRef idx="1">
+              <a:schemeClr val="accent1"/>
+            </a:fillRef>
+            <a:effectRef idx="0">
+              <a:schemeClr val="accent1"/>
+            </a:effectRef>
+            <a:fontRef idx="minor">
+              <a:schemeClr val="lt1"/>
+            </a:fontRef>
+          </p:style>
+          <p:txBody>
+            <a:bodyPr rtlCol="0" anchor="ctr"/>
+            <a:lstStyle/>
+            <a:p>
+              <a:pPr algn="ctr"/>
+              <a:endParaRPr lang="en-US"/>
+            </a:p>
+          </p:txBody>
+        </p:sp>
+        <p:pic>
+          <p:nvPicPr>
+            <p:cNvPr id="8" name="Picture 2">
+              <a:extLst>
+                <a:ext uri="{FF2B5EF4-FFF2-40B4-BE49-F238E27FC236}">
+                  <a16:creationId xmlns:a16="http://schemas.microsoft.com/office/drawing/2014/main" id="{ED54E720-8911-432B-BEE3-3FF0B95CBAE6}"/>
+                </a:ext>
+              </a:extLst>
+            </p:cNvPr>
+            <p:cNvPicPr>
+              <a:picLocks noChangeAspect="1" noChangeArrowheads="1"/>
+            </p:cNvPicPr>
+            <p:nvPr/>
+          </p:nvPicPr>
+          <p:blipFill>
+            <a:blip r:embed="rId2" cstate="print"/>
+            <a:srcRect/>
+            <a:stretch>
+              <a:fillRect/>
+            </a:stretch>
+          </p:blipFill>
+          <p:spPr bwMode="auto">
+            <a:xfrm>
+              <a:off x="3171825" y="228601"/>
+              <a:ext cx="5972175" cy="3133725"/>
+            </a:xfrm>
+            <a:prstGeom prst="rect">
+              <a:avLst/>
+            </a:prstGeom>
+            <a:noFill/>
+            <a:ln w="9525">
+              <a:noFill/>
+              <a:miter lim="800000"/>
+              <a:headEnd/>
+              <a:tailEnd/>
+            </a:ln>
+          </p:spPr>
+        </p:pic>
+        <p:sp>
+          <p:nvSpPr>
+            <p:cNvPr id="9" name="Rectangle 8">
+              <a:extLst>
+                <a:ext uri="{FF2B5EF4-FFF2-40B4-BE49-F238E27FC236}">
+                  <a16:creationId xmlns:a16="http://schemas.microsoft.com/office/drawing/2014/main" id="{03061808-FCF9-4C15-969C-8843A8530210}"/>
+                </a:ext>
+              </a:extLst>
+            </p:cNvPr>
+            <p:cNvSpPr/>
+            <p:nvPr/>
+          </p:nvSpPr>
+          <p:spPr>
+            <a:xfrm>
+              <a:off x="3276600" y="1371601"/>
+              <a:ext cx="5410200" cy="76200"/>
+            </a:xfrm>
+            <a:prstGeom prst="rect">
+              <a:avLst/>
+            </a:prstGeom>
+            <a:solidFill>
+              <a:schemeClr val="tx1"/>
+            </a:solidFill>
+            <a:ln>
+              <a:noFill/>
+            </a:ln>
+          </p:spPr>
+          <p:style>
+            <a:lnRef idx="2">
+              <a:schemeClr val="accent1">
+                <a:shade val="50000"/>
+              </a:schemeClr>
+            </a:lnRef>
+            <a:fillRef idx="1">
+              <a:schemeClr val="accent1"/>
+            </a:fillRef>
+            <a:effectRef idx="0">
+              <a:schemeClr val="accent1"/>
+            </a:effectRef>
+            <a:fontRef idx="minor">
+              <a:schemeClr val="lt1"/>
+            </a:fontRef>
+          </p:style>
+          <p:txBody>
+            <a:bodyPr rtlCol="0" anchor="ctr"/>
+            <a:lstStyle/>
+            <a:p>
+              <a:pPr algn="ctr"/>
+              <a:endParaRPr lang="en-US"/>
+            </a:p>
+          </p:txBody>
+        </p:sp>
+        <p:sp>
+          <p:nvSpPr>
+            <p:cNvPr id="10" name="Rectangle 9">
+              <a:extLst>
+                <a:ext uri="{FF2B5EF4-FFF2-40B4-BE49-F238E27FC236}">
+                  <a16:creationId xmlns:a16="http://schemas.microsoft.com/office/drawing/2014/main" id="{88DCB9EC-D51C-46E6-B706-7FF2AAEFAD00}"/>
+                </a:ext>
+              </a:extLst>
+            </p:cNvPr>
+            <p:cNvSpPr/>
+            <p:nvPr/>
+          </p:nvSpPr>
+          <p:spPr>
+            <a:xfrm>
+              <a:off x="3267075" y="1905000"/>
+              <a:ext cx="5410200" cy="76200"/>
+            </a:xfrm>
+            <a:prstGeom prst="rect">
+              <a:avLst/>
+            </a:prstGeom>
+            <a:solidFill>
+              <a:schemeClr val="tx1"/>
+            </a:solidFill>
+            <a:ln>
+              <a:noFill/>
+            </a:ln>
+          </p:spPr>
+          <p:style>
+            <a:lnRef idx="2">
+              <a:schemeClr val="accent1">
+                <a:shade val="50000"/>
+              </a:schemeClr>
+            </a:lnRef>
+            <a:fillRef idx="1">
+              <a:schemeClr val="accent1"/>
+            </a:fillRef>
+            <a:effectRef idx="0">
+              <a:schemeClr val="accent1"/>
+            </a:effectRef>
+            <a:fontRef idx="minor">
+              <a:schemeClr val="lt1"/>
+            </a:fontRef>
+          </p:style>
+          <p:txBody>
+            <a:bodyPr rtlCol="0" anchor="ctr"/>
+            <a:lstStyle/>
+            <a:p>
+              <a:pPr algn="ctr"/>
+              <a:endParaRPr lang="en-US"/>
+            </a:p>
+          </p:txBody>
+        </p:sp>
+        <p:sp>
+          <p:nvSpPr>
+            <p:cNvPr id="11" name="Rectangle 10">
+              <a:extLst>
+                <a:ext uri="{FF2B5EF4-FFF2-40B4-BE49-F238E27FC236}">
+                  <a16:creationId xmlns:a16="http://schemas.microsoft.com/office/drawing/2014/main" id="{308BBBF7-E836-4DD8-8D50-EBE0EF1C462D}"/>
+                </a:ext>
+              </a:extLst>
+            </p:cNvPr>
+            <p:cNvSpPr/>
+            <p:nvPr/>
+          </p:nvSpPr>
+          <p:spPr>
+            <a:xfrm>
+              <a:off x="3276600" y="3152777"/>
+              <a:ext cx="5410200" cy="76200"/>
+            </a:xfrm>
+            <a:prstGeom prst="rect">
+              <a:avLst/>
+            </a:prstGeom>
+            <a:solidFill>
+              <a:schemeClr val="tx1"/>
+            </a:solidFill>
+            <a:ln>
+              <a:noFill/>
+            </a:ln>
+          </p:spPr>
+          <p:style>
+            <a:lnRef idx="2">
+              <a:schemeClr val="accent1">
+                <a:shade val="50000"/>
+              </a:schemeClr>
+            </a:lnRef>
+            <a:fillRef idx="1">
+              <a:schemeClr val="accent1"/>
+            </a:fillRef>
+            <a:effectRef idx="0">
+              <a:schemeClr val="accent1"/>
+            </a:effectRef>
+            <a:fontRef idx="minor">
+              <a:schemeClr val="lt1"/>
+            </a:fontRef>
+          </p:style>
+          <p:txBody>
+            <a:bodyPr rtlCol="0" anchor="ctr"/>
+            <a:lstStyle/>
+            <a:p>
+              <a:pPr algn="ctr"/>
+              <a:endParaRPr lang="en-US"/>
+            </a:p>
+          </p:txBody>
+        </p:sp>
+      </p:grpSp>
+      <p:pic>
+        <p:nvPicPr>
+          <p:cNvPr id="18" name="Picture 2">
+            <a:extLst>
+              <a:ext uri="{FF2B5EF4-FFF2-40B4-BE49-F238E27FC236}">
+                <a16:creationId xmlns:a16="http://schemas.microsoft.com/office/drawing/2014/main" id="{0EC30976-CB42-4E55-A7A3-40A09F2B61C9}"/>
+              </a:ext>
+            </a:extLst>
+          </p:cNvPr>
+          <p:cNvPicPr>
+            <a:picLocks noChangeAspect="1" noChangeArrowheads="1"/>
+          </p:cNvPicPr>
+          <p:nvPr/>
+        </p:nvPicPr>
+        <p:blipFill rotWithShape="1">
+          <a:blip r:embed="rId2" cstate="print"/>
+          <a:srcRect b="87234"/>
+          <a:stretch/>
+        </p:blipFill>
+        <p:spPr bwMode="auto">
+          <a:xfrm>
+            <a:off x="4024992" y="6515098"/>
+            <a:ext cx="5119008" cy="342902"/>
+          </a:xfrm>
+          <a:prstGeom prst="rect">
+            <a:avLst/>
+          </a:prstGeom>
+          <a:noFill/>
+          <a:ln w="9525">
+            <a:noFill/>
+            <a:miter lim="800000"/>
+            <a:headEnd/>
+            <a:tailEnd/>
+          </a:ln>
+        </p:spPr>
+      </p:pic>
+      <p:sp>
+        <p:nvSpPr>
+          <p:cNvPr id="22" name="Content Placeholder 2">
+            <a:extLst>
+              <a:ext uri="{FF2B5EF4-FFF2-40B4-BE49-F238E27FC236}">
+                <a16:creationId xmlns:a16="http://schemas.microsoft.com/office/drawing/2014/main" id="{3AB8E1A2-3DD0-42FE-A158-3C5AFBC018CD}"/>
+              </a:ext>
+            </a:extLst>
+          </p:cNvPr>
+          <p:cNvSpPr txBox="1">
+            <a:spLocks/>
+          </p:cNvSpPr>
+          <p:nvPr/>
+        </p:nvSpPr>
+        <p:spPr>
+          <a:xfrm>
+            <a:off x="246287" y="914400"/>
+            <a:ext cx="3733801" cy="5714999"/>
+          </a:xfrm>
+          <a:prstGeom prst="rect">
+            <a:avLst/>
+          </a:prstGeom>
+        </p:spPr>
+        <p:txBody>
+          <a:bodyPr vert="horz" lIns="91440" tIns="45720" rIns="91440" bIns="45720" rtlCol="0">
+            <a:normAutofit/>
+          </a:bodyPr>
+          <a:lstStyle>
+            <a:lvl1pPr marL="342900" indent="-342900" algn="l" defTabSz="914400" rtl="0" eaLnBrk="1" latinLnBrk="0" hangingPunct="1">
+              <a:spcBef>
+                <a:spcPct val="20000"/>
+              </a:spcBef>
+              <a:buFont typeface="Arial" pitchFamily="34" charset="0"/>
+              <a:buChar char="•"/>
+              <a:defRPr sz="3200" kern="1200">
+                <a:solidFill>
+                  <a:schemeClr val="tx1"/>
+                </a:solidFill>
+                <a:latin typeface="+mn-lt"/>
+                <a:ea typeface="+mn-ea"/>
+                <a:cs typeface="+mn-cs"/>
+              </a:defRPr>
+            </a:lvl1pPr>
+            <a:lvl2pPr marL="742950" indent="-285750" algn="l" defTabSz="914400" rtl="0" eaLnBrk="1" latinLnBrk="0" hangingPunct="1">
+              <a:spcBef>
+                <a:spcPct val="20000"/>
+              </a:spcBef>
+              <a:buFont typeface="Arial" pitchFamily="34" charset="0"/>
+              <a:buChar char="–"/>
+              <a:defRPr sz="2800" kern="1200">
+                <a:solidFill>
+                  <a:schemeClr val="tx1"/>
+                </a:solidFill>
+                <a:latin typeface="+mn-lt"/>
+                <a:ea typeface="+mn-ea"/>
+                <a:cs typeface="+mn-cs"/>
+              </a:defRPr>
+            </a:lvl2pPr>
+            <a:lvl3pPr marL="1143000" indent="-228600" algn="l" defTabSz="914400" rtl="0" eaLnBrk="1" latinLnBrk="0" hangingPunct="1">
+              <a:spcBef>
+                <a:spcPct val="20000"/>
+              </a:spcBef>
+              <a:buFont typeface="Arial" pitchFamily="34" charset="0"/>
+              <a:buChar char="•"/>
+              <a:defRPr sz="2400" kern="1200">
+                <a:solidFill>
+                  <a:schemeClr val="tx1"/>
+                </a:solidFill>
+                <a:latin typeface="+mn-lt"/>
+                <a:ea typeface="+mn-ea"/>
+                <a:cs typeface="+mn-cs"/>
+              </a:defRPr>
+            </a:lvl3pPr>
+            <a:lvl4pPr marL="1600200" indent="-228600" algn="l" defTabSz="914400" rtl="0" eaLnBrk="1" latinLnBrk="0" hangingPunct="1">
+              <a:spcBef>
+                <a:spcPct val="20000"/>
+              </a:spcBef>
+              <a:buFont typeface="Arial" pitchFamily="34" charset="0"/>
+              <a:buChar char="–"/>
+              <a:defRPr sz="2000" kern="1200">
+                <a:solidFill>
+                  <a:schemeClr val="tx1"/>
+                </a:solidFill>
+                <a:latin typeface="+mn-lt"/>
+                <a:ea typeface="+mn-ea"/>
+                <a:cs typeface="+mn-cs"/>
+              </a:defRPr>
+            </a:lvl4pPr>
+            <a:lvl5pPr marL="2057400" indent="-228600" algn="l" defTabSz="914400" rtl="0" eaLnBrk="1" latinLnBrk="0" hangingPunct="1">
+              <a:spcBef>
+                <a:spcPct val="20000"/>
+              </a:spcBef>
+              <a:buFont typeface="Arial" pitchFamily="34" charset="0"/>
+              <a:buChar char="»"/>
+              <a:defRPr sz="2000" kern="1200">
+                <a:solidFill>
+                  <a:schemeClr val="tx1"/>
+                </a:solidFill>
+                <a:latin typeface="+mn-lt"/>
+                <a:ea typeface="+mn-ea"/>
+                <a:cs typeface="+mn-cs"/>
+              </a:defRPr>
+            </a:lvl5pPr>
+            <a:lvl6pPr marL="2514600" indent="-228600" algn="l" defTabSz="914400" rtl="0" eaLnBrk="1" latinLnBrk="0" hangingPunct="1">
+              <a:spcBef>
+                <a:spcPct val="20000"/>
+              </a:spcBef>
+              <a:buFont typeface="Arial" pitchFamily="34" charset="0"/>
+              <a:buChar char="•"/>
+              <a:defRPr sz="2000" kern="1200">
+                <a:solidFill>
+                  <a:schemeClr val="tx1"/>
+                </a:solidFill>
+                <a:latin typeface="+mn-lt"/>
+                <a:ea typeface="+mn-ea"/>
+                <a:cs typeface="+mn-cs"/>
+              </a:defRPr>
+            </a:lvl6pPr>
+            <a:lvl7pPr marL="2971800" indent="-228600" algn="l" defTabSz="914400" rtl="0" eaLnBrk="1" latinLnBrk="0" hangingPunct="1">
+              <a:spcBef>
+                <a:spcPct val="20000"/>
+              </a:spcBef>
+              <a:buFont typeface="Arial" pitchFamily="34" charset="0"/>
+              <a:buChar char="•"/>
+              <a:defRPr sz="2000" kern="1200">
+                <a:solidFill>
+                  <a:schemeClr val="tx1"/>
+                </a:solidFill>
+                <a:latin typeface="+mn-lt"/>
+                <a:ea typeface="+mn-ea"/>
+                <a:cs typeface="+mn-cs"/>
+              </a:defRPr>
+            </a:lvl7pPr>
+            <a:lvl8pPr marL="3429000" indent="-228600" algn="l" defTabSz="914400" rtl="0" eaLnBrk="1" latinLnBrk="0" hangingPunct="1">
+              <a:spcBef>
+                <a:spcPct val="20000"/>
+              </a:spcBef>
+              <a:buFont typeface="Arial" pitchFamily="34" charset="0"/>
+              <a:buChar char="•"/>
+              <a:defRPr sz="2000" kern="1200">
+                <a:solidFill>
+                  <a:schemeClr val="tx1"/>
+                </a:solidFill>
+                <a:latin typeface="+mn-lt"/>
+                <a:ea typeface="+mn-ea"/>
+                <a:cs typeface="+mn-cs"/>
+              </a:defRPr>
+            </a:lvl8pPr>
+            <a:lvl9pPr marL="3886200" indent="-228600" algn="l" defTabSz="914400" rtl="0" eaLnBrk="1" latinLnBrk="0" hangingPunct="1">
+              <a:spcBef>
+                <a:spcPct val="20000"/>
+              </a:spcBef>
+              <a:buFont typeface="Arial" pitchFamily="34" charset="0"/>
+              <a:buChar char="•"/>
+              <a:defRPr sz="2000" kern="1200">
+                <a:solidFill>
+                  <a:schemeClr val="tx1"/>
+                </a:solidFill>
+                <a:latin typeface="+mn-lt"/>
+                <a:ea typeface="+mn-ea"/>
+                <a:cs typeface="+mn-cs"/>
+              </a:defRPr>
+            </a:lvl9pPr>
+          </a:lstStyle>
+          <a:p>
+            <a:pPr marL="0" indent="0">
+              <a:buNone/>
+            </a:pPr>
+            <a:r>
+              <a:rPr lang="en-US" sz="2000" dirty="0"/>
+              <a:t>We can (sort of) make three different versions of this dataset!</a:t>
+            </a:r>
+          </a:p>
+          <a:p>
+            <a:pPr marL="0" indent="0">
+              <a:buNone/>
+            </a:pPr>
+            <a:endParaRPr lang="en-US" sz="2000" dirty="0"/>
+          </a:p>
+          <a:p>
+            <a:pPr marL="0" indent="0">
+              <a:buNone/>
+            </a:pPr>
+            <a:r>
+              <a:rPr lang="en-US" sz="2000" dirty="0"/>
+              <a:t>We begin by making three copies of the dataset</a:t>
+            </a:r>
+          </a:p>
+          <a:p>
+            <a:pPr marL="0" indent="0">
+              <a:buNone/>
+            </a:pPr>
+            <a:r>
+              <a:rPr lang="en-US" sz="2000" dirty="0"/>
+              <a:t>Then, in each copy, we randomly delete say 5% of the data.</a:t>
+            </a:r>
+          </a:p>
+          <a:p>
+            <a:pPr marL="0" indent="0">
+              <a:buNone/>
+            </a:pPr>
+            <a:endParaRPr lang="en-US" sz="2000" dirty="0"/>
+          </a:p>
+          <a:p>
+            <a:pPr marL="0" indent="0">
+              <a:buNone/>
+            </a:pPr>
+            <a:r>
+              <a:rPr lang="en-US" sz="2000" dirty="0"/>
+              <a:t>Now each of the three copies is very similar to the true dataset, but if a spurious feature happen to look good in </a:t>
+            </a:r>
+            <a:r>
+              <a:rPr lang="en-US" sz="2000" i="1" dirty="0"/>
+              <a:t>one</a:t>
+            </a:r>
+            <a:r>
+              <a:rPr lang="en-US" sz="2000" dirty="0"/>
+              <a:t> copy, it is very unlikely to look good in the other two copies. </a:t>
+            </a:r>
+          </a:p>
+          <a:p>
+            <a:pPr marL="0" indent="0">
+              <a:buNone/>
+            </a:pPr>
+            <a:r>
+              <a:rPr lang="en-US" sz="2000" dirty="0"/>
+              <a:t>This idea is called </a:t>
+            </a:r>
+            <a:r>
+              <a:rPr lang="en-US" sz="2000" i="1" dirty="0"/>
+              <a:t>resampling</a:t>
+            </a:r>
+            <a:r>
+              <a:rPr lang="en-US" sz="2000" dirty="0"/>
+              <a:t>. </a:t>
+            </a:r>
+          </a:p>
+          <a:p>
+            <a:pPr marL="0" indent="0">
+              <a:buNone/>
+            </a:pPr>
+            <a:r>
+              <a:rPr lang="en-US" sz="2000" dirty="0"/>
+              <a:t>Of course, if we have time, we can make even more copies.</a:t>
+            </a:r>
+          </a:p>
+          <a:p>
+            <a:pPr marL="0" indent="0">
+              <a:buNone/>
+            </a:pPr>
+            <a:endParaRPr lang="en-US" sz="2000" dirty="0"/>
+          </a:p>
+        </p:txBody>
+      </p:sp>
+    </p:spTree>
+    <p:extLst>
+      <p:ext uri="{BB962C8B-B14F-4D97-AF65-F5344CB8AC3E}">
+        <p14:creationId xmlns:p14="http://schemas.microsoft.com/office/powerpoint/2010/main" val="1957956722"/>
+      </p:ext>
+    </p:extLst>
+  </p:cSld>
+  <p:clrMapOvr>
+    <a:masterClrMapping/>
+  </p:clrMapOvr>
+</p:sld>
+</file>
+
+<file path=ppt/slides/slide26.xml><?xml version="1.0" encoding="utf-8"?>
+<p:sld xmlns:a="http://schemas.openxmlformats.org/drawingml/2006/main" xmlns:r="http://schemas.openxmlformats.org/officeDocument/2006/relationships" xmlns:p="http://schemas.openxmlformats.org/presentationml/2006/main">
+  <p:cSld>
+    <p:spTree>
+      <p:nvGrpSpPr>
+        <p:cNvPr id="1" name=""/>
+        <p:cNvGrpSpPr/>
+        <p:nvPr/>
+      </p:nvGrpSpPr>
+      <p:grpSpPr>
+        <a:xfrm>
+          <a:off x="0" y="0"/>
+          <a:ext cx="0" cy="0"/>
+          <a:chOff x="0" y="0"/>
+          <a:chExt cx="0" cy="0"/>
+        </a:xfrm>
+      </p:grpSpPr>
+      <p:sp>
+        <p:nvSpPr>
+          <p:cNvPr id="4" name="Rectangle 3">
+            <a:extLst>
+              <a:ext uri="{FF2B5EF4-FFF2-40B4-BE49-F238E27FC236}">
+                <a16:creationId xmlns:a16="http://schemas.microsoft.com/office/drawing/2014/main" id="{DBE72D65-BBC0-472B-B64B-BEFD219F6B6C}"/>
+              </a:ext>
+            </a:extLst>
+          </p:cNvPr>
+          <p:cNvSpPr/>
+          <p:nvPr/>
+        </p:nvSpPr>
+        <p:spPr>
+          <a:xfrm>
+            <a:off x="152400" y="152400"/>
+            <a:ext cx="3786549" cy="369332"/>
+          </a:xfrm>
+          <a:prstGeom prst="rect">
+            <a:avLst/>
+          </a:prstGeom>
+        </p:spPr>
+        <p:txBody>
+          <a:bodyPr wrap="none">
+            <a:spAutoFit/>
+          </a:bodyPr>
+          <a:lstStyle/>
+          <a:p>
+            <a:r>
+              <a:rPr lang="en-US" dirty="0"/>
+              <a:t>Why do we not find the weak feature?</a:t>
+            </a:r>
+          </a:p>
+        </p:txBody>
+      </p:sp>
+      <p:sp>
+        <p:nvSpPr>
+          <p:cNvPr id="5" name="Rectangle 4">
+            <a:extLst>
+              <a:ext uri="{FF2B5EF4-FFF2-40B4-BE49-F238E27FC236}">
+                <a16:creationId xmlns:a16="http://schemas.microsoft.com/office/drawing/2014/main" id="{214D6B62-9320-48E0-8F6B-5337999817C9}"/>
+              </a:ext>
+            </a:extLst>
+          </p:cNvPr>
+          <p:cNvSpPr/>
+          <p:nvPr/>
+        </p:nvSpPr>
+        <p:spPr>
+          <a:xfrm>
+            <a:off x="142875" y="1447800"/>
+            <a:ext cx="8839200" cy="5170646"/>
+          </a:xfrm>
+          <a:prstGeom prst="rect">
+            <a:avLst/>
+          </a:prstGeom>
+        </p:spPr>
+        <p:txBody>
+          <a:bodyPr wrap="square">
+            <a:spAutoFit/>
+          </a:bodyPr>
+          <a:lstStyle/>
+          <a:p>
+            <a:r>
+              <a:rPr lang="en-US" sz="2000" dirty="0"/>
+              <a:t>The same trick can be used to find the weak features. Let look at the three runs again.. </a:t>
+            </a:r>
+          </a:p>
+          <a:p>
+            <a:endParaRPr lang="en-US" sz="2000" dirty="0"/>
+          </a:p>
+          <a:p>
+            <a:r>
+              <a:rPr lang="en-US" sz="2000" dirty="0"/>
+              <a:t>Lets look at the three traces of forward selection </a:t>
+            </a:r>
+          </a:p>
+          <a:p>
+            <a:pPr lvl="1"/>
+            <a:r>
+              <a:rPr lang="en-US" sz="2400" dirty="0">
+                <a:latin typeface="Courier New" panose="02070309020205020404" pitchFamily="49" charset="0"/>
+                <a:cs typeface="Courier New" panose="02070309020205020404" pitchFamily="49" charset="0"/>
+              </a:rPr>
+              <a:t>The best features are </a:t>
+            </a:r>
+            <a:r>
+              <a:rPr lang="en-US" sz="2400" b="1" dirty="0">
+                <a:solidFill>
+                  <a:srgbClr val="FF0000"/>
+                </a:solidFill>
+                <a:latin typeface="Courier New" panose="02070309020205020404" pitchFamily="49" charset="0"/>
+                <a:cs typeface="Courier New" panose="02070309020205020404" pitchFamily="49" charset="0"/>
+              </a:rPr>
+              <a:t>49 </a:t>
+            </a:r>
+            <a:r>
+              <a:rPr lang="en-US" sz="2400" b="1" dirty="0">
+                <a:solidFill>
+                  <a:srgbClr val="00B0F0"/>
+                </a:solidFill>
+                <a:latin typeface="Courier New" panose="02070309020205020404" pitchFamily="49" charset="0"/>
+                <a:cs typeface="Courier New" panose="02070309020205020404" pitchFamily="49" charset="0"/>
+              </a:rPr>
+              <a:t>21 </a:t>
+            </a:r>
+            <a:r>
+              <a:rPr lang="en-US" sz="2400" b="1" dirty="0">
+                <a:latin typeface="Courier New" panose="02070309020205020404" pitchFamily="49" charset="0"/>
+                <a:cs typeface="Courier New" panose="02070309020205020404" pitchFamily="49" charset="0"/>
+              </a:rPr>
+              <a:t>7  10 </a:t>
+            </a:r>
+            <a:r>
+              <a:rPr lang="en-US" sz="2400" b="1" dirty="0">
+                <a:solidFill>
+                  <a:srgbClr val="00B050"/>
+                </a:solidFill>
+                <a:latin typeface="Courier New" panose="02070309020205020404" pitchFamily="49" charset="0"/>
+                <a:cs typeface="Courier New" panose="02070309020205020404" pitchFamily="49" charset="0"/>
+              </a:rPr>
+              <a:t>30</a:t>
+            </a:r>
+          </a:p>
+          <a:p>
+            <a:pPr lvl="1"/>
+            <a:r>
+              <a:rPr lang="en-US" sz="2400" dirty="0">
+                <a:latin typeface="Courier New" panose="02070309020205020404" pitchFamily="49" charset="0"/>
+                <a:cs typeface="Courier New" panose="02070309020205020404" pitchFamily="49" charset="0"/>
+              </a:rPr>
+              <a:t>The best features are </a:t>
+            </a:r>
+            <a:r>
+              <a:rPr lang="en-US" sz="2400" b="1" dirty="0">
+                <a:solidFill>
+                  <a:srgbClr val="00B0F0"/>
+                </a:solidFill>
+                <a:latin typeface="Courier New" panose="02070309020205020404" pitchFamily="49" charset="0"/>
+                <a:cs typeface="Courier New" panose="02070309020205020404" pitchFamily="49" charset="0"/>
+              </a:rPr>
+              <a:t>21 </a:t>
+            </a:r>
+            <a:r>
+              <a:rPr lang="en-US" sz="2400" b="1" dirty="0">
+                <a:solidFill>
+                  <a:srgbClr val="FF0000"/>
+                </a:solidFill>
+                <a:latin typeface="Courier New" panose="02070309020205020404" pitchFamily="49" charset="0"/>
+                <a:cs typeface="Courier New" panose="02070309020205020404" pitchFamily="49" charset="0"/>
+              </a:rPr>
+              <a:t>49 </a:t>
+            </a:r>
+            <a:r>
+              <a:rPr lang="en-US" sz="2400" b="1" dirty="0">
+                <a:latin typeface="Courier New" panose="02070309020205020404" pitchFamily="49" charset="0"/>
+                <a:cs typeface="Courier New" panose="02070309020205020404" pitchFamily="49" charset="0"/>
+              </a:rPr>
+              <a:t>22 </a:t>
+            </a:r>
+            <a:r>
+              <a:rPr lang="en-US" sz="2400" b="1" dirty="0">
+                <a:solidFill>
+                  <a:srgbClr val="00B050"/>
+                </a:solidFill>
+                <a:latin typeface="Courier New" panose="02070309020205020404" pitchFamily="49" charset="0"/>
+                <a:cs typeface="Courier New" panose="02070309020205020404" pitchFamily="49" charset="0"/>
+              </a:rPr>
+              <a:t>30</a:t>
+            </a:r>
+            <a:r>
+              <a:rPr lang="en-US" sz="2400" b="1" dirty="0">
+                <a:latin typeface="Courier New" panose="02070309020205020404" pitchFamily="49" charset="0"/>
+                <a:cs typeface="Courier New" panose="02070309020205020404" pitchFamily="49" charset="0"/>
+              </a:rPr>
+              <a:t> 11</a:t>
+            </a:r>
+          </a:p>
+          <a:p>
+            <a:pPr lvl="1"/>
+            <a:r>
+              <a:rPr lang="en-US" sz="2400" dirty="0">
+                <a:latin typeface="Courier New" panose="02070309020205020404" pitchFamily="49" charset="0"/>
+                <a:cs typeface="Courier New" panose="02070309020205020404" pitchFamily="49" charset="0"/>
+              </a:rPr>
+              <a:t>The best features are </a:t>
+            </a:r>
+            <a:r>
+              <a:rPr lang="en-US" sz="2400" b="1" dirty="0">
+                <a:solidFill>
+                  <a:srgbClr val="FF0000"/>
+                </a:solidFill>
+                <a:latin typeface="Courier New" panose="02070309020205020404" pitchFamily="49" charset="0"/>
+                <a:cs typeface="Courier New" panose="02070309020205020404" pitchFamily="49" charset="0"/>
+              </a:rPr>
+              <a:t>49 </a:t>
+            </a:r>
+            <a:r>
+              <a:rPr lang="en-US" sz="2400" b="1" dirty="0">
+                <a:solidFill>
+                  <a:srgbClr val="00B0F0"/>
+                </a:solidFill>
+                <a:latin typeface="Courier New" panose="02070309020205020404" pitchFamily="49" charset="0"/>
+                <a:cs typeface="Courier New" panose="02070309020205020404" pitchFamily="49" charset="0"/>
+              </a:rPr>
+              <a:t>21 </a:t>
+            </a:r>
+            <a:r>
+              <a:rPr lang="en-US" sz="2400" b="1" dirty="0">
+                <a:solidFill>
+                  <a:srgbClr val="00B050"/>
+                </a:solidFill>
+                <a:latin typeface="Courier New" panose="02070309020205020404" pitchFamily="49" charset="0"/>
+                <a:cs typeface="Courier New" panose="02070309020205020404" pitchFamily="49" charset="0"/>
+              </a:rPr>
+              <a:t>30</a:t>
+            </a:r>
+            <a:r>
+              <a:rPr lang="en-US" sz="2400" b="1" dirty="0">
+                <a:latin typeface="Courier New" panose="02070309020205020404" pitchFamily="49" charset="0"/>
+                <a:cs typeface="Courier New" panose="02070309020205020404" pitchFamily="49" charset="0"/>
+              </a:rPr>
+              <a:t> 10 4</a:t>
+            </a:r>
+          </a:p>
+          <a:p>
+            <a:endParaRPr lang="en-US" sz="2000" dirty="0"/>
+          </a:p>
+          <a:p>
+            <a:r>
+              <a:rPr lang="en-US" sz="2000" dirty="0"/>
+              <a:t>The weak feature will tend to show up a lot more than we might expect by chance.</a:t>
+            </a:r>
+          </a:p>
+          <a:p>
+            <a:endParaRPr lang="en-US" sz="2000" dirty="0"/>
+          </a:p>
+          <a:p>
+            <a:endParaRPr lang="en-US" sz="2000" dirty="0"/>
+          </a:p>
+          <a:p>
+            <a:endParaRPr lang="en-US" sz="2000" dirty="0"/>
+          </a:p>
+          <a:p>
+            <a:endParaRPr lang="en-US" sz="2000" dirty="0"/>
+          </a:p>
+          <a:p>
+            <a:r>
+              <a:rPr lang="en-US" sz="2000" dirty="0"/>
+              <a:t>There is another trick we can do to find the weak features… </a:t>
+            </a:r>
+          </a:p>
+          <a:p>
+            <a:endParaRPr lang="en-US" sz="2000" dirty="0"/>
+          </a:p>
+          <a:p>
+            <a:endParaRPr lang="en-US" dirty="0"/>
+          </a:p>
+        </p:txBody>
+      </p:sp>
+      <p:sp>
+        <p:nvSpPr>
+          <p:cNvPr id="6" name="Rectangle 5">
+            <a:extLst>
+              <a:ext uri="{FF2B5EF4-FFF2-40B4-BE49-F238E27FC236}">
+                <a16:creationId xmlns:a16="http://schemas.microsoft.com/office/drawing/2014/main" id="{4696A539-368F-4404-B61B-58868D2BE264}"/>
+              </a:ext>
+            </a:extLst>
+          </p:cNvPr>
+          <p:cNvSpPr/>
+          <p:nvPr/>
+        </p:nvSpPr>
+        <p:spPr>
+          <a:xfrm>
+            <a:off x="4648200" y="0"/>
+            <a:ext cx="4572000" cy="1077218"/>
+          </a:xfrm>
+          <a:prstGeom prst="rect">
+            <a:avLst/>
+          </a:prstGeom>
+        </p:spPr>
+        <p:txBody>
+          <a:bodyPr>
+            <a:spAutoFit/>
+          </a:bodyPr>
+          <a:lstStyle/>
+          <a:p>
+            <a:r>
+              <a:rPr lang="en-US" sz="1600" dirty="0"/>
+              <a:t>&gt;&gt; create_170_datasets</a:t>
+            </a:r>
+          </a:p>
+          <a:p>
+            <a:r>
+              <a:rPr lang="en-US" sz="1600" dirty="0"/>
+              <a:t>On large dataset 1 the error rate can be 0.92</a:t>
+            </a:r>
+          </a:p>
+          <a:p>
+            <a:r>
+              <a:rPr lang="en-US" sz="1600" dirty="0"/>
+              <a:t>when using only features </a:t>
+            </a:r>
+            <a:r>
+              <a:rPr lang="en-US" sz="1600" dirty="0">
+                <a:solidFill>
+                  <a:srgbClr val="FF0000"/>
+                </a:solidFill>
+              </a:rPr>
+              <a:t>49</a:t>
+            </a:r>
+            <a:r>
+              <a:rPr lang="en-US" sz="1600" dirty="0"/>
+              <a:t>  </a:t>
+            </a:r>
+            <a:r>
+              <a:rPr lang="en-US" sz="1600" b="1" dirty="0">
+                <a:solidFill>
+                  <a:srgbClr val="00B050"/>
+                </a:solidFill>
+              </a:rPr>
+              <a:t>30</a:t>
+            </a:r>
+            <a:r>
+              <a:rPr lang="en-US" sz="1600" dirty="0"/>
+              <a:t>  </a:t>
+            </a:r>
+            <a:r>
+              <a:rPr lang="en-US" sz="1600" dirty="0">
+                <a:solidFill>
+                  <a:srgbClr val="00B0F0"/>
+                </a:solidFill>
+              </a:rPr>
+              <a:t>21</a:t>
+            </a:r>
+          </a:p>
+          <a:p>
+            <a:r>
+              <a:rPr lang="en-US" sz="1600" dirty="0"/>
+              <a:t>***************************</a:t>
+            </a:r>
+            <a:endParaRPr lang="en-US" dirty="0"/>
+          </a:p>
+        </p:txBody>
+      </p:sp>
+    </p:spTree>
+    <p:extLst>
+      <p:ext uri="{BB962C8B-B14F-4D97-AF65-F5344CB8AC3E}">
+        <p14:creationId xmlns:p14="http://schemas.microsoft.com/office/powerpoint/2010/main" val="2425039739"/>
+      </p:ext>
+    </p:extLst>
+  </p:cSld>
+  <p:clrMapOvr>
+    <a:masterClrMapping/>
+  </p:clrMapOvr>
+</p:sld>
+</file>
+
+<file path=ppt/slides/slide27.xml><?xml version="1.0" encoding="utf-8"?>
+<p:sld xmlns:a="http://schemas.openxmlformats.org/drawingml/2006/main" xmlns:r="http://schemas.openxmlformats.org/officeDocument/2006/relationships" xmlns:p="http://schemas.openxmlformats.org/presentationml/2006/main">
+  <p:cSld>
+    <p:spTree>
+      <p:nvGrpSpPr>
+        <p:cNvPr id="1" name=""/>
+        <p:cNvGrpSpPr/>
+        <p:nvPr/>
+      </p:nvGrpSpPr>
+      <p:grpSpPr>
+        <a:xfrm>
+          <a:off x="0" y="0"/>
+          <a:ext cx="0" cy="0"/>
+          <a:chOff x="0" y="0"/>
+          <a:chExt cx="0" cy="0"/>
+        </a:xfrm>
+      </p:grpSpPr>
+      <p:pic>
+        <p:nvPicPr>
+          <p:cNvPr id="9" name="Picture 2">
+            <a:extLst>
+              <a:ext uri="{FF2B5EF4-FFF2-40B4-BE49-F238E27FC236}">
+                <a16:creationId xmlns:a16="http://schemas.microsoft.com/office/drawing/2014/main" id="{17D01374-D7C4-4785-8FEB-729B15CD029E}"/>
+              </a:ext>
+            </a:extLst>
+          </p:cNvPr>
+          <p:cNvPicPr>
+            <a:picLocks noChangeAspect="1" noChangeArrowheads="1"/>
+          </p:cNvPicPr>
+          <p:nvPr/>
+        </p:nvPicPr>
+        <p:blipFill>
+          <a:blip r:embed="rId2" cstate="print"/>
+          <a:srcRect/>
+          <a:stretch>
+            <a:fillRect/>
+          </a:stretch>
+        </p:blipFill>
+        <p:spPr bwMode="auto">
+          <a:xfrm>
+            <a:off x="3894363" y="3733800"/>
+            <a:ext cx="5119008" cy="2686050"/>
+          </a:xfrm>
+          <a:prstGeom prst="rect">
+            <a:avLst/>
+          </a:prstGeom>
+          <a:noFill/>
+          <a:ln w="9525">
+            <a:noFill/>
+            <a:miter lim="800000"/>
+            <a:headEnd/>
+            <a:tailEnd/>
+          </a:ln>
+        </p:spPr>
+      </p:pic>
+      <p:sp>
+        <p:nvSpPr>
+          <p:cNvPr id="13" name="Rectangle 12">
+            <a:extLst>
+              <a:ext uri="{FF2B5EF4-FFF2-40B4-BE49-F238E27FC236}">
+                <a16:creationId xmlns:a16="http://schemas.microsoft.com/office/drawing/2014/main" id="{5EA19C8A-9D5A-4A20-8B36-9842DF729559}"/>
+              </a:ext>
+            </a:extLst>
+          </p:cNvPr>
+          <p:cNvSpPr/>
+          <p:nvPr/>
+        </p:nvSpPr>
+        <p:spPr>
+          <a:xfrm>
+            <a:off x="198663" y="152400"/>
+            <a:ext cx="7391400" cy="3847207"/>
+          </a:xfrm>
+          <a:prstGeom prst="rect">
+            <a:avLst/>
+          </a:prstGeom>
+        </p:spPr>
+        <p:txBody>
+          <a:bodyPr wrap="square">
+            <a:spAutoFit/>
+          </a:bodyPr>
+          <a:lstStyle/>
+          <a:p>
+            <a:r>
+              <a:rPr lang="en-US" sz="2000" dirty="0"/>
+              <a:t>Suppose we are feature searching on a dataset.</a:t>
+            </a:r>
+          </a:p>
+          <a:p>
+            <a:endParaRPr lang="en-US" sz="2000" dirty="0"/>
+          </a:p>
+          <a:p>
+            <a:pPr lvl="1"/>
+            <a:r>
+              <a:rPr lang="en-US" sz="2400" dirty="0">
+                <a:latin typeface="Courier New" panose="02070309020205020404" pitchFamily="49" charset="0"/>
+                <a:cs typeface="Courier New" panose="02070309020205020404" pitchFamily="49" charset="0"/>
+              </a:rPr>
+              <a:t>The best features are </a:t>
+            </a:r>
+            <a:r>
+              <a:rPr lang="en-US" sz="2400" b="1" dirty="0">
+                <a:solidFill>
+                  <a:srgbClr val="FF0000"/>
+                </a:solidFill>
+                <a:latin typeface="Courier New" panose="02070309020205020404" pitchFamily="49" charset="0"/>
+                <a:cs typeface="Courier New" panose="02070309020205020404" pitchFamily="49" charset="0"/>
+              </a:rPr>
+              <a:t>2 </a:t>
+            </a:r>
+            <a:r>
+              <a:rPr lang="en-US" sz="2400" b="1" dirty="0">
+                <a:latin typeface="Courier New" panose="02070309020205020404" pitchFamily="49" charset="0"/>
+                <a:cs typeface="Courier New" panose="02070309020205020404" pitchFamily="49" charset="0"/>
+              </a:rPr>
+              <a:t>7 22 8 34</a:t>
+            </a:r>
+          </a:p>
+          <a:p>
+            <a:pPr lvl="1"/>
+            <a:r>
+              <a:rPr lang="en-US" sz="2400" dirty="0">
+                <a:latin typeface="Courier New" panose="02070309020205020404" pitchFamily="49" charset="0"/>
+                <a:cs typeface="Courier New" panose="02070309020205020404" pitchFamily="49" charset="0"/>
+              </a:rPr>
+              <a:t>The best features are </a:t>
+            </a:r>
+            <a:r>
+              <a:rPr lang="en-US" sz="2400" b="1" dirty="0">
+                <a:solidFill>
+                  <a:srgbClr val="FF0000"/>
+                </a:solidFill>
+                <a:latin typeface="Courier New" panose="02070309020205020404" pitchFamily="49" charset="0"/>
+                <a:cs typeface="Courier New" panose="02070309020205020404" pitchFamily="49" charset="0"/>
+              </a:rPr>
+              <a:t>2</a:t>
+            </a:r>
+            <a:r>
+              <a:rPr lang="en-US" sz="2400" b="1" dirty="0">
+                <a:latin typeface="Courier New" panose="02070309020205020404" pitchFamily="49" charset="0"/>
+                <a:cs typeface="Courier New" panose="02070309020205020404" pitchFamily="49" charset="0"/>
+              </a:rPr>
+              <a:t> 76 3 19 5</a:t>
+            </a:r>
+          </a:p>
+          <a:p>
+            <a:pPr lvl="1"/>
+            <a:r>
+              <a:rPr lang="en-US" sz="2400" dirty="0">
+                <a:latin typeface="Courier New" panose="02070309020205020404" pitchFamily="49" charset="0"/>
+                <a:cs typeface="Courier New" panose="02070309020205020404" pitchFamily="49" charset="0"/>
+              </a:rPr>
+              <a:t>The best features are </a:t>
+            </a:r>
+            <a:r>
+              <a:rPr lang="en-US" sz="2400" b="1" dirty="0">
+                <a:solidFill>
+                  <a:srgbClr val="FF0000"/>
+                </a:solidFill>
+                <a:latin typeface="Courier New" panose="02070309020205020404" pitchFamily="49" charset="0"/>
+                <a:cs typeface="Courier New" panose="02070309020205020404" pitchFamily="49" charset="0"/>
+              </a:rPr>
+              <a:t>2 </a:t>
+            </a:r>
+            <a:r>
+              <a:rPr lang="en-US" sz="2400" b="1" dirty="0">
+                <a:latin typeface="Courier New" panose="02070309020205020404" pitchFamily="49" charset="0"/>
+                <a:cs typeface="Courier New" panose="02070309020205020404" pitchFamily="49" charset="0"/>
+              </a:rPr>
+              <a:t>21 33 7 56</a:t>
+            </a:r>
+          </a:p>
+          <a:p>
+            <a:pPr lvl="1"/>
+            <a:r>
+              <a:rPr lang="en-US" sz="2400" dirty="0">
+                <a:latin typeface="Courier New" panose="02070309020205020404" pitchFamily="49" charset="0"/>
+                <a:cs typeface="Courier New" panose="02070309020205020404" pitchFamily="49" charset="0"/>
+              </a:rPr>
+              <a:t>The best features are </a:t>
+            </a:r>
+            <a:r>
+              <a:rPr lang="en-US" sz="2400" b="1" dirty="0">
+                <a:solidFill>
+                  <a:srgbClr val="FF0000"/>
+                </a:solidFill>
+                <a:latin typeface="Courier New" panose="02070309020205020404" pitchFamily="49" charset="0"/>
+                <a:cs typeface="Courier New" panose="02070309020205020404" pitchFamily="49" charset="0"/>
+              </a:rPr>
+              <a:t>2 </a:t>
+            </a:r>
+            <a:r>
+              <a:rPr lang="en-US" sz="2400" b="1" dirty="0">
+                <a:latin typeface="Courier New" panose="02070309020205020404" pitchFamily="49" charset="0"/>
+                <a:cs typeface="Courier New" panose="02070309020205020404" pitchFamily="49" charset="0"/>
+              </a:rPr>
+              <a:t>1 7 82 12</a:t>
+            </a:r>
+          </a:p>
+          <a:p>
+            <a:endParaRPr lang="en-US" sz="2000" b="1" dirty="0">
+              <a:latin typeface="Courier New" panose="02070309020205020404" pitchFamily="49" charset="0"/>
+              <a:cs typeface="Courier New" panose="02070309020205020404" pitchFamily="49" charset="0"/>
+            </a:endParaRPr>
+          </a:p>
+          <a:p>
+            <a:r>
+              <a:rPr lang="en-US" sz="2000" dirty="0"/>
+              <a:t>Based on this resampling, we are confident that 2 is a good feature, but what about 7?</a:t>
+            </a:r>
+          </a:p>
+          <a:p>
+            <a:pPr lvl="1"/>
+            <a:endParaRPr lang="en-US" sz="2400" b="1" dirty="0">
+              <a:latin typeface="Courier New" panose="02070309020205020404" pitchFamily="49" charset="0"/>
+              <a:cs typeface="Courier New" panose="02070309020205020404" pitchFamily="49" charset="0"/>
+            </a:endParaRPr>
+          </a:p>
+          <a:p>
+            <a:pPr lvl="1"/>
+            <a:endParaRPr lang="en-US" sz="2400" b="1" dirty="0">
+              <a:latin typeface="Courier New" panose="02070309020205020404" pitchFamily="49" charset="0"/>
+              <a:cs typeface="Courier New" panose="02070309020205020404" pitchFamily="49" charset="0"/>
+            </a:endParaRPr>
+          </a:p>
+        </p:txBody>
+      </p:sp>
+    </p:spTree>
+    <p:extLst>
+      <p:ext uri="{BB962C8B-B14F-4D97-AF65-F5344CB8AC3E}">
+        <p14:creationId xmlns:p14="http://schemas.microsoft.com/office/powerpoint/2010/main" val="1929288769"/>
+      </p:ext>
+    </p:extLst>
+  </p:cSld>
+  <p:clrMapOvr>
+    <a:masterClrMapping/>
+  </p:clrMapOvr>
+</p:sld>
+</file>
+
+<file path=ppt/slides/slide28.xml><?xml version="1.0" encoding="utf-8"?>
+<p:sld xmlns:a="http://schemas.openxmlformats.org/drawingml/2006/main" xmlns:r="http://schemas.openxmlformats.org/officeDocument/2006/relationships" xmlns:p="http://schemas.openxmlformats.org/presentationml/2006/main">
+  <p:cSld>
+    <p:spTree>
+      <p:nvGrpSpPr>
+        <p:cNvPr id="1" name=""/>
+        <p:cNvGrpSpPr/>
+        <p:nvPr/>
+      </p:nvGrpSpPr>
+      <p:grpSpPr>
+        <a:xfrm>
+          <a:off x="0" y="0"/>
+          <a:ext cx="0" cy="0"/>
+          <a:chOff x="0" y="0"/>
+          <a:chExt cx="0" cy="0"/>
+        </a:xfrm>
+      </p:grpSpPr>
+      <p:pic>
+        <p:nvPicPr>
+          <p:cNvPr id="9" name="Picture 2">
+            <a:extLst>
+              <a:ext uri="{FF2B5EF4-FFF2-40B4-BE49-F238E27FC236}">
+                <a16:creationId xmlns:a16="http://schemas.microsoft.com/office/drawing/2014/main" id="{17D01374-D7C4-4785-8FEB-729B15CD029E}"/>
+              </a:ext>
+            </a:extLst>
+          </p:cNvPr>
+          <p:cNvPicPr>
+            <a:picLocks noChangeAspect="1" noChangeArrowheads="1"/>
+          </p:cNvPicPr>
+          <p:nvPr/>
+        </p:nvPicPr>
+        <p:blipFill>
+          <a:blip r:embed="rId2" cstate="print"/>
+          <a:srcRect/>
+          <a:stretch>
+            <a:fillRect/>
+          </a:stretch>
+        </p:blipFill>
+        <p:spPr bwMode="auto">
+          <a:xfrm>
+            <a:off x="3894363" y="3733800"/>
+            <a:ext cx="5119008" cy="2686050"/>
+          </a:xfrm>
+          <a:prstGeom prst="rect">
+            <a:avLst/>
+          </a:prstGeom>
+          <a:noFill/>
+          <a:ln w="9525">
+            <a:noFill/>
+            <a:miter lim="800000"/>
+            <a:headEnd/>
+            <a:tailEnd/>
+          </a:ln>
+        </p:spPr>
+      </p:pic>
+      <p:sp>
+        <p:nvSpPr>
+          <p:cNvPr id="10" name="Rectangle 9">
+            <a:extLst>
+              <a:ext uri="{FF2B5EF4-FFF2-40B4-BE49-F238E27FC236}">
+                <a16:creationId xmlns:a16="http://schemas.microsoft.com/office/drawing/2014/main" id="{F7AFFABE-C8E4-4BE5-AA7C-48C53273DFA4}"/>
+              </a:ext>
+            </a:extLst>
+          </p:cNvPr>
+          <p:cNvSpPr/>
+          <p:nvPr/>
+        </p:nvSpPr>
+        <p:spPr>
+          <a:xfrm>
+            <a:off x="5872840" y="4152900"/>
+            <a:ext cx="908959" cy="2171700"/>
+          </a:xfrm>
+          <a:prstGeom prst="rect">
+            <a:avLst/>
+          </a:prstGeom>
+          <a:solidFill>
+            <a:schemeClr val="tx1"/>
+          </a:solidFill>
+          <a:ln>
+            <a:noFill/>
+          </a:ln>
+        </p:spPr>
+        <p:style>
+          <a:lnRef idx="2">
+            <a:schemeClr val="accent1">
+              <a:shade val="50000"/>
+            </a:schemeClr>
+          </a:lnRef>
+          <a:fillRef idx="1">
+            <a:schemeClr val="accent1"/>
+          </a:fillRef>
+          <a:effectRef idx="0">
+            <a:schemeClr val="accent1"/>
+          </a:effectRef>
+          <a:fontRef idx="minor">
+            <a:schemeClr val="lt1"/>
+          </a:fontRef>
+        </p:style>
+        <p:txBody>
+          <a:bodyPr rtlCol="0" anchor="ctr"/>
+          <a:lstStyle/>
+          <a:p>
+            <a:pPr algn="ctr"/>
+            <a:endParaRPr lang="en-US"/>
+          </a:p>
+        </p:txBody>
+      </p:sp>
+      <p:sp>
+        <p:nvSpPr>
+          <p:cNvPr id="13" name="Rectangle 12">
+            <a:extLst>
+              <a:ext uri="{FF2B5EF4-FFF2-40B4-BE49-F238E27FC236}">
+                <a16:creationId xmlns:a16="http://schemas.microsoft.com/office/drawing/2014/main" id="{5EA19C8A-9D5A-4A20-8B36-9842DF729559}"/>
+              </a:ext>
+            </a:extLst>
+          </p:cNvPr>
+          <p:cNvSpPr/>
+          <p:nvPr/>
+        </p:nvSpPr>
+        <p:spPr>
+          <a:xfrm>
+            <a:off x="198663" y="152400"/>
+            <a:ext cx="7391400" cy="3539430"/>
+          </a:xfrm>
+          <a:prstGeom prst="rect">
+            <a:avLst/>
+          </a:prstGeom>
+        </p:spPr>
+        <p:txBody>
+          <a:bodyPr wrap="square">
+            <a:spAutoFit/>
+          </a:bodyPr>
+          <a:lstStyle/>
+          <a:p>
+            <a:r>
+              <a:rPr lang="en-US" sz="2000" dirty="0"/>
+              <a:t>We can temporarily </a:t>
+            </a:r>
+            <a:r>
+              <a:rPr lang="en-US" sz="2000" i="1" dirty="0"/>
+              <a:t>delete</a:t>
+            </a:r>
+            <a:r>
+              <a:rPr lang="en-US" sz="2000" dirty="0"/>
+              <a:t> the strong feature, and rerun the search</a:t>
+            </a:r>
+          </a:p>
+          <a:p>
+            <a:endParaRPr lang="en-US" sz="2000" dirty="0"/>
+          </a:p>
+          <a:p>
+            <a:pPr lvl="1"/>
+            <a:r>
+              <a:rPr lang="en-US" sz="2400" dirty="0">
+                <a:latin typeface="Courier New" panose="02070309020205020404" pitchFamily="49" charset="0"/>
+                <a:cs typeface="Courier New" panose="02070309020205020404" pitchFamily="49" charset="0"/>
+              </a:rPr>
+              <a:t>The best features are </a:t>
+            </a:r>
+            <a:r>
+              <a:rPr lang="en-US" sz="2400" b="1" dirty="0">
+                <a:latin typeface="Courier New" panose="02070309020205020404" pitchFamily="49" charset="0"/>
+                <a:cs typeface="Courier New" panose="02070309020205020404" pitchFamily="49" charset="0"/>
+              </a:rPr>
+              <a:t>7 12 14 54</a:t>
+            </a:r>
+          </a:p>
+          <a:p>
+            <a:pPr lvl="1"/>
+            <a:r>
+              <a:rPr lang="en-US" sz="2400" dirty="0">
+                <a:latin typeface="Courier New" panose="02070309020205020404" pitchFamily="49" charset="0"/>
+                <a:cs typeface="Courier New" panose="02070309020205020404" pitchFamily="49" charset="0"/>
+              </a:rPr>
+              <a:t>The best features are </a:t>
+            </a:r>
+            <a:r>
+              <a:rPr lang="en-US" sz="2400" b="1" dirty="0">
+                <a:latin typeface="Courier New" panose="02070309020205020404" pitchFamily="49" charset="0"/>
+                <a:cs typeface="Courier New" panose="02070309020205020404" pitchFamily="49" charset="0"/>
+              </a:rPr>
+              <a:t>7 3 13 8</a:t>
+            </a:r>
+          </a:p>
+          <a:p>
+            <a:pPr lvl="1"/>
+            <a:r>
+              <a:rPr lang="en-US" sz="2400" dirty="0">
+                <a:latin typeface="Courier New" panose="02070309020205020404" pitchFamily="49" charset="0"/>
+                <a:cs typeface="Courier New" panose="02070309020205020404" pitchFamily="49" charset="0"/>
+              </a:rPr>
+              <a:t>The best features are </a:t>
+            </a:r>
+            <a:r>
+              <a:rPr lang="en-US" sz="2400" b="1" dirty="0">
+                <a:latin typeface="Courier New" panose="02070309020205020404" pitchFamily="49" charset="0"/>
+                <a:cs typeface="Courier New" panose="02070309020205020404" pitchFamily="49" charset="0"/>
+              </a:rPr>
+              <a:t>7 39 1 83</a:t>
+            </a:r>
+          </a:p>
+          <a:p>
+            <a:pPr lvl="1"/>
+            <a:r>
+              <a:rPr lang="en-US" sz="2400" dirty="0">
+                <a:latin typeface="Courier New" panose="02070309020205020404" pitchFamily="49" charset="0"/>
+                <a:cs typeface="Courier New" panose="02070309020205020404" pitchFamily="49" charset="0"/>
+              </a:rPr>
+              <a:t>The best features are </a:t>
+            </a:r>
+            <a:r>
+              <a:rPr lang="en-US" sz="2400" b="1" dirty="0">
+                <a:latin typeface="Courier New" panose="02070309020205020404" pitchFamily="49" charset="0"/>
+                <a:cs typeface="Courier New" panose="02070309020205020404" pitchFamily="49" charset="0"/>
+              </a:rPr>
+              <a:t>9 7 22 52</a:t>
+            </a:r>
+          </a:p>
+          <a:p>
+            <a:endParaRPr lang="en-US" sz="2000" b="1" dirty="0">
+              <a:latin typeface="Courier New" panose="02070309020205020404" pitchFamily="49" charset="0"/>
+              <a:cs typeface="Courier New" panose="02070309020205020404" pitchFamily="49" charset="0"/>
+            </a:endParaRPr>
+          </a:p>
+          <a:p>
+            <a:r>
+              <a:rPr lang="en-US" sz="2000" dirty="0"/>
+              <a:t>Based on this it really looks like 7 is a true feature.</a:t>
+            </a:r>
+          </a:p>
+          <a:p>
+            <a:pPr lvl="1"/>
+            <a:endParaRPr lang="en-US" sz="2400" b="1" dirty="0">
+              <a:latin typeface="Courier New" panose="02070309020205020404" pitchFamily="49" charset="0"/>
+              <a:cs typeface="Courier New" panose="02070309020205020404" pitchFamily="49" charset="0"/>
+            </a:endParaRPr>
+          </a:p>
+          <a:p>
+            <a:pPr lvl="1"/>
+            <a:endParaRPr lang="en-US" sz="2400" b="1" dirty="0">
+              <a:latin typeface="Courier New" panose="02070309020205020404" pitchFamily="49" charset="0"/>
+              <a:cs typeface="Courier New" panose="02070309020205020404" pitchFamily="49" charset="0"/>
+            </a:endParaRPr>
+          </a:p>
+        </p:txBody>
+      </p:sp>
+      <p:sp>
+        <p:nvSpPr>
+          <p:cNvPr id="14" name="Rectangle 13">
+            <a:extLst>
+              <a:ext uri="{FF2B5EF4-FFF2-40B4-BE49-F238E27FC236}">
+                <a16:creationId xmlns:a16="http://schemas.microsoft.com/office/drawing/2014/main" id="{C68DAFA9-4570-4ACA-BE3A-09AEAFF81FD4}"/>
+              </a:ext>
+            </a:extLst>
+          </p:cNvPr>
+          <p:cNvSpPr/>
+          <p:nvPr/>
+        </p:nvSpPr>
+        <p:spPr>
+          <a:xfrm>
+            <a:off x="102054" y="3843278"/>
+            <a:ext cx="3707946" cy="2862322"/>
+          </a:xfrm>
+          <a:prstGeom prst="rect">
+            <a:avLst/>
+          </a:prstGeom>
+        </p:spPr>
+        <p:txBody>
+          <a:bodyPr wrap="square">
+            <a:spAutoFit/>
+          </a:bodyPr>
+          <a:lstStyle/>
+          <a:p>
+            <a:r>
+              <a:rPr lang="en-US" dirty="0"/>
+              <a:t>By analogy. Suppose I wanted to find out if you are a good basketball player. </a:t>
+            </a:r>
+          </a:p>
+          <a:p>
+            <a:r>
+              <a:rPr lang="en-US" dirty="0"/>
+              <a:t>However, Lebron James is on you team! </a:t>
+            </a:r>
+          </a:p>
+          <a:p>
+            <a:r>
+              <a:rPr lang="en-US" dirty="0"/>
+              <a:t>Your team wins a lot, but because Lebron is so strong, I don’t know if </a:t>
+            </a:r>
+            <a:r>
+              <a:rPr lang="en-US" i="1" dirty="0"/>
+              <a:t>you</a:t>
+            </a:r>
+            <a:r>
+              <a:rPr lang="en-US" dirty="0"/>
+              <a:t> are any good. If I take Lebron off the team and they still win, then maybe you are good.</a:t>
+            </a:r>
+          </a:p>
+        </p:txBody>
+      </p:sp>
+      <p:pic>
+        <p:nvPicPr>
+          <p:cNvPr id="1026" name="Picture 2" descr="http://images.performgroup.com/di/library/omnisport/f4/63/lebron-james_ig7akmd67bte169fgghvy46rx.jpg?t=189217895&amp;w=960&amp;quality=70">
+            <a:extLst>
+              <a:ext uri="{FF2B5EF4-FFF2-40B4-BE49-F238E27FC236}">
+                <a16:creationId xmlns:a16="http://schemas.microsoft.com/office/drawing/2014/main" id="{B784FD04-AF16-4139-8702-D786BAAE6A2C}"/>
+              </a:ext>
+            </a:extLst>
+          </p:cNvPr>
+          <p:cNvPicPr>
+            <a:picLocks noChangeAspect="1" noChangeArrowheads="1"/>
+          </p:cNvPicPr>
+          <p:nvPr/>
+        </p:nvPicPr>
+        <p:blipFill>
+          <a:blip r:embed="rId3" cstate="print">
+            <a:extLst>
+              <a:ext uri="{BEBA8EAE-BF5A-486C-A8C5-ECC9F3942E4B}">
+                <a14:imgProps xmlns:a14="http://schemas.microsoft.com/office/drawing/2010/main">
+                  <a14:imgLayer r:embed="rId4">
+                    <a14:imgEffect>
+                      <a14:backgroundRemoval t="2407" b="96852" l="10000" r="90000">
+                        <a14:foregroundMark x1="57083" y1="11667" x2="60729" y2="3889"/>
+                        <a14:foregroundMark x1="60729" y1="3889" x2="65417" y2="7963"/>
+                        <a14:foregroundMark x1="65417" y1="7963" x2="65729" y2="12037"/>
+                        <a14:foregroundMark x1="58438" y1="12037" x2="56563" y2="21667"/>
+                        <a14:foregroundMark x1="56563" y1="21667" x2="59688" y2="39815"/>
+                        <a14:foregroundMark x1="59688" y1="39815" x2="65313" y2="43519"/>
+                        <a14:foregroundMark x1="65313" y1="43519" x2="66667" y2="34444"/>
+                        <a14:foregroundMark x1="66667" y1="34444" x2="64375" y2="25185"/>
+                        <a14:foregroundMark x1="64375" y1="25185" x2="65625" y2="15556"/>
+                        <a14:foregroundMark x1="65625" y1="15556" x2="62708" y2="12222"/>
+                        <a14:foregroundMark x1="70938" y1="31852" x2="90833" y2="54259"/>
+                        <a14:foregroundMark x1="90833" y1="54259" x2="91250" y2="64444"/>
+                        <a14:foregroundMark x1="91250" y1="64444" x2="87083" y2="82037"/>
+                        <a14:foregroundMark x1="87083" y1="82037" x2="80208" y2="97037"/>
+                        <a14:foregroundMark x1="80208" y1="97037" x2="82292" y2="88148"/>
+                        <a14:foregroundMark x1="82292" y1="88148" x2="86146" y2="80370"/>
+                        <a14:foregroundMark x1="86146" y1="80370" x2="87813" y2="70556"/>
+                        <a14:foregroundMark x1="87813" y1="70556" x2="86875" y2="60926"/>
+                        <a14:foregroundMark x1="86875" y1="60926" x2="82813" y2="54259"/>
+                        <a14:foregroundMark x1="82813" y1="54259" x2="78021" y2="50000"/>
+                        <a14:foregroundMark x1="78021" y1="50000" x2="73646" y2="55741"/>
+                        <a14:foregroundMark x1="73646" y1="55741" x2="69896" y2="44630"/>
+                        <a14:foregroundMark x1="69896" y1="44630" x2="71563" y2="35185"/>
+                        <a14:foregroundMark x1="71563" y1="35185" x2="72813" y2="33519"/>
+                        <a14:foregroundMark x1="61771" y1="2407" x2="64583" y2="4444"/>
+                      </a14:backgroundRemoval>
+                    </a14:imgEffect>
+                  </a14:imgLayer>
+                </a14:imgProps>
+              </a:ext>
+              <a:ext uri="{28A0092B-C50C-407E-A947-70E740481C1C}">
+                <a14:useLocalDpi xmlns:a14="http://schemas.microsoft.com/office/drawing/2010/main" val="0"/>
+              </a:ext>
+            </a:extLst>
+          </a:blip>
+          <a:srcRect/>
+          <a:stretch>
+            <a:fillRect/>
+          </a:stretch>
+        </p:blipFill>
+        <p:spPr bwMode="auto">
+          <a:xfrm>
+            <a:off x="6158518" y="2133600"/>
+            <a:ext cx="2854853" cy="1605855"/>
+          </a:xfrm>
+          <a:prstGeom prst="rect">
+            <a:avLst/>
+          </a:prstGeom>
+          <a:noFill/>
+          <a:extLst>
+            <a:ext uri="{909E8E84-426E-40DD-AFC4-6F175D3DCCD1}">
+              <a14:hiddenFill xmlns:a14="http://schemas.microsoft.com/office/drawing/2010/main">
+                <a:solidFill>
+                  <a:srgbClr val="FFFFFF"/>
+                </a:solidFill>
+              </a14:hiddenFill>
+            </a:ext>
+          </a:extLst>
+        </p:spPr>
+      </p:pic>
+    </p:spTree>
+    <p:extLst>
+      <p:ext uri="{BB962C8B-B14F-4D97-AF65-F5344CB8AC3E}">
+        <p14:creationId xmlns:p14="http://schemas.microsoft.com/office/powerpoint/2010/main" val="785130189"/>
+      </p:ext>
+    </p:extLst>
+  </p:cSld>
+  <p:clrMapOvr>
+    <a:masterClrMapping/>
+  </p:clrMapOvr>
+</p:sld>
+</file>
+
+<file path=ppt/slides/slide29.xml><?xml version="1.0" encoding="utf-8"?>
+<p:sld xmlns:a="http://schemas.openxmlformats.org/drawingml/2006/main" xmlns:r="http://schemas.openxmlformats.org/officeDocument/2006/relationships" xmlns:p="http://schemas.openxmlformats.org/presentationml/2006/main">
+  <p:cSld>
+    <p:spTree>
+      <p:nvGrpSpPr>
+        <p:cNvPr id="1" name=""/>
+        <p:cNvGrpSpPr/>
+        <p:nvPr/>
+      </p:nvGrpSpPr>
+      <p:grpSpPr>
+        <a:xfrm>
+          <a:off x="0" y="0"/>
+          <a:ext cx="0" cy="0"/>
+          <a:chOff x="0" y="0"/>
+          <a:chExt cx="0" cy="0"/>
+        </a:xfrm>
+      </p:grpSpPr>
+      <p:sp>
+        <p:nvSpPr>
+          <p:cNvPr id="29" name="Content Placeholder 2">
+            <a:extLst>
+              <a:ext uri="{FF2B5EF4-FFF2-40B4-BE49-F238E27FC236}">
+                <a16:creationId xmlns:a16="http://schemas.microsoft.com/office/drawing/2014/main" id="{E448B374-7B5E-4549-825B-0B202CE41597}"/>
+              </a:ext>
+            </a:extLst>
+          </p:cNvPr>
+          <p:cNvSpPr>
+            <a:spLocks noGrp="1"/>
+          </p:cNvSpPr>
+          <p:nvPr>
+            <p:ph idx="1"/>
+          </p:nvPr>
+        </p:nvSpPr>
+        <p:spPr>
+          <a:xfrm>
+            <a:off x="228600" y="801469"/>
+            <a:ext cx="8686800" cy="5486400"/>
+          </a:xfrm>
+        </p:spPr>
+        <p:txBody>
+          <a:bodyPr>
+            <a:normAutofit/>
+          </a:bodyPr>
+          <a:lstStyle/>
+          <a:p>
+            <a:r>
+              <a:rPr lang="en-US" sz="2000" dirty="0"/>
+              <a:t>For most of you, depending on the computer language you used, you machine </a:t>
+            </a:r>
+            <a:r>
+              <a:rPr lang="en-US" sz="2000" dirty="0" err="1"/>
+              <a:t>etc</a:t>
+            </a:r>
+            <a:r>
+              <a:rPr lang="en-US" sz="2000" dirty="0"/>
+              <a:t>, you can do feature search on the “large” dataset in under one minute.</a:t>
+            </a:r>
+          </a:p>
+          <a:p>
+            <a:r>
+              <a:rPr lang="en-US" sz="2000" dirty="0"/>
+              <a:t>However, for some real problems, we might have millions of instances, and (more importantly) thousands of features. Then the same code might take decades.</a:t>
+            </a:r>
+          </a:p>
+          <a:p>
+            <a:r>
+              <a:rPr lang="en-US" sz="2000" dirty="0"/>
+              <a:t>Can we speed things up?</a:t>
+            </a:r>
+          </a:p>
+          <a:p>
+            <a:r>
+              <a:rPr lang="en-US" sz="2000" dirty="0"/>
+              <a:t>There are many ways to speed things up, indexing, sampling, caching and reusing calculations etc. </a:t>
+            </a:r>
+          </a:p>
+          <a:p>
+            <a:r>
+              <a:rPr lang="en-US" sz="2000" dirty="0"/>
+              <a:t>However, I am just going to show you one simple trick. </a:t>
+            </a:r>
+          </a:p>
+          <a:p>
+            <a:r>
+              <a:rPr lang="en-US" sz="2000" dirty="0"/>
+              <a:t>It requires you to add 5 to 10 lines of simple code, but should give you a 10 to 50 times speed up!</a:t>
+            </a:r>
+          </a:p>
+        </p:txBody>
+      </p:sp>
+      <p:sp>
+        <p:nvSpPr>
+          <p:cNvPr id="30" name="Rectangle 29">
+            <a:extLst>
+              <a:ext uri="{FF2B5EF4-FFF2-40B4-BE49-F238E27FC236}">
+                <a16:creationId xmlns:a16="http://schemas.microsoft.com/office/drawing/2014/main" id="{9F3D281B-7040-4D60-AE81-0C68596E10F0}"/>
+              </a:ext>
+            </a:extLst>
+          </p:cNvPr>
+          <p:cNvSpPr/>
+          <p:nvPr/>
+        </p:nvSpPr>
+        <p:spPr>
+          <a:xfrm>
+            <a:off x="304800" y="65087"/>
+            <a:ext cx="3780907" cy="523220"/>
+          </a:xfrm>
+          <a:prstGeom prst="rect">
+            <a:avLst/>
+          </a:prstGeom>
+        </p:spPr>
+        <p:txBody>
+          <a:bodyPr wrap="none">
+            <a:spAutoFit/>
+          </a:bodyPr>
+          <a:lstStyle/>
+          <a:p>
+            <a:r>
+              <a:rPr lang="en-US" sz="2800" dirty="0"/>
+              <a:t>Making the search faster</a:t>
+            </a:r>
+          </a:p>
+        </p:txBody>
+      </p:sp>
+    </p:spTree>
+    <p:extLst>
+      <p:ext uri="{BB962C8B-B14F-4D97-AF65-F5344CB8AC3E}">
+        <p14:creationId xmlns:p14="http://schemas.microsoft.com/office/powerpoint/2010/main" val="293257302"/>
+      </p:ext>
+    </p:extLst>
+  </p:cSld>
+  <p:clrMapOvr>
+    <a:masterClrMapping/>
+  </p:clrMapOvr>
+</p:sld>
+</file>
+
 <file path=ppt/slides/slide3.xml><?xml version="1.0" encoding="utf-8"?>
 <p:sld xmlns:a="http://schemas.openxmlformats.org/drawingml/2006/main" xmlns:r="http://schemas.openxmlformats.org/officeDocument/2006/relationships" xmlns:p="http://schemas.openxmlformats.org/presentationml/2006/main">
   <p:cSld>
@@ -16983,6 +20976,3744 @@
     <p:extLst>
       <p:ext uri="{BB962C8B-B14F-4D97-AF65-F5344CB8AC3E}">
         <p14:creationId xmlns:p14="http://schemas.microsoft.com/office/powerpoint/2010/main" val="2470483985"/>
+      </p:ext>
+    </p:extLst>
+  </p:cSld>
+  <p:clrMapOvr>
+    <a:masterClrMapping/>
+  </p:clrMapOvr>
+</p:sld>
+</file>
+
+<file path=ppt/slides/slide30.xml><?xml version="1.0" encoding="utf-8"?>
+<p:sld xmlns:a="http://schemas.openxmlformats.org/drawingml/2006/main" xmlns:r="http://schemas.openxmlformats.org/officeDocument/2006/relationships" xmlns:p="http://schemas.openxmlformats.org/presentationml/2006/main">
+  <p:cSld>
+    <p:spTree>
+      <p:nvGrpSpPr>
+        <p:cNvPr id="1" name=""/>
+        <p:cNvGrpSpPr/>
+        <p:nvPr/>
+      </p:nvGrpSpPr>
+      <p:grpSpPr>
+        <a:xfrm>
+          <a:off x="0" y="0"/>
+          <a:ext cx="0" cy="0"/>
+          <a:chOff x="0" y="0"/>
+          <a:chExt cx="0" cy="0"/>
+        </a:xfrm>
+      </p:grpSpPr>
+      <p:grpSp>
+        <p:nvGrpSpPr>
+          <p:cNvPr id="28" name="Group 27">
+            <a:extLst>
+              <a:ext uri="{FF2B5EF4-FFF2-40B4-BE49-F238E27FC236}">
+                <a16:creationId xmlns:a16="http://schemas.microsoft.com/office/drawing/2014/main" id="{145D0E9C-8122-4AAA-B846-953495F14649}"/>
+              </a:ext>
+            </a:extLst>
+          </p:cNvPr>
+          <p:cNvGrpSpPr/>
+          <p:nvPr/>
+        </p:nvGrpSpPr>
+        <p:grpSpPr>
+          <a:xfrm>
+            <a:off x="3248186" y="4319670"/>
+            <a:ext cx="5664339" cy="1636928"/>
+            <a:chOff x="5792283" y="5323893"/>
+            <a:chExt cx="2996256" cy="865883"/>
+          </a:xfrm>
+          <a:noFill/>
+        </p:grpSpPr>
+        <p:sp>
+          <p:nvSpPr>
+            <p:cNvPr id="4" name="Line 4">
+              <a:extLst>
+                <a:ext uri="{FF2B5EF4-FFF2-40B4-BE49-F238E27FC236}">
+                  <a16:creationId xmlns:a16="http://schemas.microsoft.com/office/drawing/2014/main" id="{AE685E61-EA11-4D5B-81F9-AECD4F49B921}"/>
+                </a:ext>
+              </a:extLst>
+            </p:cNvPr>
+            <p:cNvSpPr>
+              <a:spLocks noChangeShapeType="1"/>
+            </p:cNvSpPr>
+            <p:nvPr/>
+          </p:nvSpPr>
+          <p:spPr bwMode="auto">
+            <a:xfrm flipH="1">
+              <a:off x="6250949" y="5497589"/>
+              <a:ext cx="825056" cy="390816"/>
+            </a:xfrm>
+            <a:prstGeom prst="line">
+              <a:avLst/>
+            </a:prstGeom>
+            <a:grpFill/>
+            <a:ln w="9525">
+              <a:solidFill>
+                <a:schemeClr val="tx1"/>
+              </a:solidFill>
+              <a:round/>
+              <a:headEnd/>
+              <a:tailEnd type="triangle" w="med" len="lg"/>
+            </a:ln>
+            <a:extLst/>
+          </p:spPr>
+          <p:txBody>
+            <a:bodyPr/>
+            <a:lstStyle/>
+            <a:p>
+              <a:endParaRPr lang="en-US" sz="2000"/>
+            </a:p>
+          </p:txBody>
+        </p:sp>
+        <p:sp>
+          <p:nvSpPr>
+            <p:cNvPr id="5" name="Line 5">
+              <a:extLst>
+                <a:ext uri="{FF2B5EF4-FFF2-40B4-BE49-F238E27FC236}">
+                  <a16:creationId xmlns:a16="http://schemas.microsoft.com/office/drawing/2014/main" id="{131697A0-03B9-4378-B8CE-85730C3F77D7}"/>
+                </a:ext>
+              </a:extLst>
+            </p:cNvPr>
+            <p:cNvSpPr>
+              <a:spLocks noChangeShapeType="1"/>
+            </p:cNvSpPr>
+            <p:nvPr/>
+          </p:nvSpPr>
+          <p:spPr bwMode="auto">
+            <a:xfrm>
+              <a:off x="7510245" y="5497589"/>
+              <a:ext cx="825056" cy="390816"/>
+            </a:xfrm>
+            <a:prstGeom prst="line">
+              <a:avLst/>
+            </a:prstGeom>
+            <a:grpFill/>
+            <a:ln w="9525">
+              <a:solidFill>
+                <a:schemeClr val="tx1"/>
+              </a:solidFill>
+              <a:round/>
+              <a:headEnd/>
+              <a:tailEnd type="triangle" w="med" len="lg"/>
+            </a:ln>
+            <a:extLst/>
+          </p:spPr>
+          <p:txBody>
+            <a:bodyPr/>
+            <a:lstStyle/>
+            <a:p>
+              <a:endParaRPr lang="en-US" sz="2000"/>
+            </a:p>
+          </p:txBody>
+        </p:sp>
+        <p:sp>
+          <p:nvSpPr>
+            <p:cNvPr id="6" name="Line 6">
+              <a:extLst>
+                <a:ext uri="{FF2B5EF4-FFF2-40B4-BE49-F238E27FC236}">
+                  <a16:creationId xmlns:a16="http://schemas.microsoft.com/office/drawing/2014/main" id="{3CA2CB8A-FBE6-4228-8406-AC6C845858DE}"/>
+                </a:ext>
+              </a:extLst>
+            </p:cNvPr>
+            <p:cNvSpPr>
+              <a:spLocks noChangeShapeType="1"/>
+            </p:cNvSpPr>
+            <p:nvPr/>
+          </p:nvSpPr>
+          <p:spPr bwMode="auto">
+            <a:xfrm flipH="1">
+              <a:off x="6989157" y="5584437"/>
+              <a:ext cx="217120" cy="260544"/>
+            </a:xfrm>
+            <a:prstGeom prst="line">
+              <a:avLst/>
+            </a:prstGeom>
+            <a:grpFill/>
+            <a:ln w="9525">
+              <a:solidFill>
+                <a:schemeClr val="tx1"/>
+              </a:solidFill>
+              <a:round/>
+              <a:headEnd/>
+              <a:tailEnd type="triangle" w="med" len="lg"/>
+            </a:ln>
+            <a:extLst/>
+          </p:spPr>
+          <p:txBody>
+            <a:bodyPr/>
+            <a:lstStyle/>
+            <a:p>
+              <a:endParaRPr lang="en-US" sz="2000"/>
+            </a:p>
+          </p:txBody>
+        </p:sp>
+        <p:sp>
+          <p:nvSpPr>
+            <p:cNvPr id="7" name="Line 7">
+              <a:extLst>
+                <a:ext uri="{FF2B5EF4-FFF2-40B4-BE49-F238E27FC236}">
+                  <a16:creationId xmlns:a16="http://schemas.microsoft.com/office/drawing/2014/main" id="{705891D6-B501-42D0-8A8D-26B68F3D82A9}"/>
+                </a:ext>
+              </a:extLst>
+            </p:cNvPr>
+            <p:cNvSpPr>
+              <a:spLocks noChangeShapeType="1"/>
+            </p:cNvSpPr>
+            <p:nvPr/>
+          </p:nvSpPr>
+          <p:spPr bwMode="auto">
+            <a:xfrm>
+              <a:off x="7379973" y="5584437"/>
+              <a:ext cx="217120" cy="260544"/>
+            </a:xfrm>
+            <a:prstGeom prst="line">
+              <a:avLst/>
+            </a:prstGeom>
+            <a:grpFill/>
+            <a:ln w="9525">
+              <a:solidFill>
+                <a:schemeClr val="tx1"/>
+              </a:solidFill>
+              <a:round/>
+              <a:headEnd/>
+              <a:tailEnd type="triangle" w="med" len="lg"/>
+            </a:ln>
+            <a:extLst/>
+          </p:spPr>
+          <p:txBody>
+            <a:bodyPr/>
+            <a:lstStyle/>
+            <a:p>
+              <a:endParaRPr lang="en-US" sz="2000"/>
+            </a:p>
+          </p:txBody>
+        </p:sp>
+        <p:sp>
+          <p:nvSpPr>
+            <p:cNvPr id="13" name="Oval 35">
+              <a:extLst>
+                <a:ext uri="{FF2B5EF4-FFF2-40B4-BE49-F238E27FC236}">
+                  <a16:creationId xmlns:a16="http://schemas.microsoft.com/office/drawing/2014/main" id="{2C59FB72-EB49-472E-9901-EE72BADDFBB4}"/>
+                </a:ext>
+              </a:extLst>
+            </p:cNvPr>
+            <p:cNvSpPr>
+              <a:spLocks noChangeArrowheads="1"/>
+            </p:cNvSpPr>
+            <p:nvPr/>
+          </p:nvSpPr>
+          <p:spPr bwMode="auto">
+            <a:xfrm>
+              <a:off x="5792283" y="5844981"/>
+              <a:ext cx="521088" cy="313015"/>
+            </a:xfrm>
+            <a:prstGeom prst="ellipse">
+              <a:avLst/>
+            </a:prstGeom>
+            <a:grpFill/>
+            <a:ln w="12700">
+              <a:solidFill>
+                <a:schemeClr val="tx1"/>
+              </a:solidFill>
+              <a:round/>
+              <a:headEnd/>
+              <a:tailEnd/>
+            </a:ln>
+            <a:extLst/>
+          </p:spPr>
+          <p:txBody>
+            <a:bodyPr wrap="none" anchor="ctr"/>
+            <a:lstStyle>
+              <a:lvl1pPr eaLnBrk="0" hangingPunct="0">
+                <a:defRPr sz="2400">
+                  <a:solidFill>
+                    <a:schemeClr val="tx1"/>
+                  </a:solidFill>
+                  <a:latin typeface="Times New Roman" panose="02020603050405020304" pitchFamily="18" charset="0"/>
+                </a:defRPr>
+              </a:lvl1pPr>
+              <a:lvl2pPr marL="742950" indent="-285750" eaLnBrk="0" hangingPunct="0">
+                <a:defRPr sz="2400">
+                  <a:solidFill>
+                    <a:schemeClr val="tx1"/>
+                  </a:solidFill>
+                  <a:latin typeface="Times New Roman" panose="02020603050405020304" pitchFamily="18" charset="0"/>
+                </a:defRPr>
+              </a:lvl2pPr>
+              <a:lvl3pPr marL="1143000" indent="-228600" eaLnBrk="0" hangingPunct="0">
+                <a:defRPr sz="2400">
+                  <a:solidFill>
+                    <a:schemeClr val="tx1"/>
+                  </a:solidFill>
+                  <a:latin typeface="Times New Roman" panose="02020603050405020304" pitchFamily="18" charset="0"/>
+                </a:defRPr>
+              </a:lvl3pPr>
+              <a:lvl4pPr marL="1600200" indent="-228600" eaLnBrk="0" hangingPunct="0">
+                <a:defRPr sz="2400">
+                  <a:solidFill>
+                    <a:schemeClr val="tx1"/>
+                  </a:solidFill>
+                  <a:latin typeface="Times New Roman" panose="02020603050405020304" pitchFamily="18" charset="0"/>
+                </a:defRPr>
+              </a:lvl4pPr>
+              <a:lvl5pPr marL="2057400" indent="-228600" eaLnBrk="0" hangingPunct="0">
+                <a:defRPr sz="2400">
+                  <a:solidFill>
+                    <a:schemeClr val="tx1"/>
+                  </a:solidFill>
+                  <a:latin typeface="Times New Roman" panose="02020603050405020304" pitchFamily="18" charset="0"/>
+                </a:defRPr>
+              </a:lvl5pPr>
+              <a:lvl6pPr marL="2514600" indent="-228600" algn="ctr" eaLnBrk="0" fontAlgn="base" hangingPunct="0">
+                <a:spcBef>
+                  <a:spcPct val="0"/>
+                </a:spcBef>
+                <a:spcAft>
+                  <a:spcPct val="0"/>
+                </a:spcAft>
+                <a:defRPr sz="2400">
+                  <a:solidFill>
+                    <a:schemeClr val="tx1"/>
+                  </a:solidFill>
+                  <a:latin typeface="Times New Roman" panose="02020603050405020304" pitchFamily="18" charset="0"/>
+                </a:defRPr>
+              </a:lvl6pPr>
+              <a:lvl7pPr marL="2971800" indent="-228600" algn="ctr" eaLnBrk="0" fontAlgn="base" hangingPunct="0">
+                <a:spcBef>
+                  <a:spcPct val="0"/>
+                </a:spcBef>
+                <a:spcAft>
+                  <a:spcPct val="0"/>
+                </a:spcAft>
+                <a:defRPr sz="2400">
+                  <a:solidFill>
+                    <a:schemeClr val="tx1"/>
+                  </a:solidFill>
+                  <a:latin typeface="Times New Roman" panose="02020603050405020304" pitchFamily="18" charset="0"/>
+                </a:defRPr>
+              </a:lvl7pPr>
+              <a:lvl8pPr marL="3429000" indent="-228600" algn="ctr" eaLnBrk="0" fontAlgn="base" hangingPunct="0">
+                <a:spcBef>
+                  <a:spcPct val="0"/>
+                </a:spcBef>
+                <a:spcAft>
+                  <a:spcPct val="0"/>
+                </a:spcAft>
+                <a:defRPr sz="2400">
+                  <a:solidFill>
+                    <a:schemeClr val="tx1"/>
+                  </a:solidFill>
+                  <a:latin typeface="Times New Roman" panose="02020603050405020304" pitchFamily="18" charset="0"/>
+                </a:defRPr>
+              </a:lvl8pPr>
+              <a:lvl9pPr marL="3886200" indent="-228600" algn="ctr" eaLnBrk="0" fontAlgn="base" hangingPunct="0">
+                <a:spcBef>
+                  <a:spcPct val="0"/>
+                </a:spcBef>
+                <a:spcAft>
+                  <a:spcPct val="0"/>
+                </a:spcAft>
+                <a:defRPr sz="2400">
+                  <a:solidFill>
+                    <a:schemeClr val="tx1"/>
+                  </a:solidFill>
+                  <a:latin typeface="Times New Roman" panose="02020603050405020304" pitchFamily="18" charset="0"/>
+                </a:defRPr>
+              </a:lvl9pPr>
+            </a:lstStyle>
+            <a:p>
+              <a:pPr eaLnBrk="1" hangingPunct="1"/>
+              <a:endParaRPr lang="en-US" altLang="en-US" sz="2800"/>
+            </a:p>
+          </p:txBody>
+        </p:sp>
+        <p:sp>
+          <p:nvSpPr>
+            <p:cNvPr id="14" name="Oval 36">
+              <a:extLst>
+                <a:ext uri="{FF2B5EF4-FFF2-40B4-BE49-F238E27FC236}">
+                  <a16:creationId xmlns:a16="http://schemas.microsoft.com/office/drawing/2014/main" id="{3C47587B-AE3A-4877-82F6-7923D9C5DFFB}"/>
+                </a:ext>
+              </a:extLst>
+            </p:cNvPr>
+            <p:cNvSpPr>
+              <a:spLocks noChangeArrowheads="1"/>
+            </p:cNvSpPr>
+            <p:nvPr/>
+          </p:nvSpPr>
+          <p:spPr bwMode="auto">
+            <a:xfrm>
+              <a:off x="7076005" y="5323893"/>
+              <a:ext cx="434240" cy="260544"/>
+            </a:xfrm>
+            <a:prstGeom prst="ellipse">
+              <a:avLst/>
+            </a:prstGeom>
+            <a:grpFill/>
+            <a:ln w="12700">
+              <a:solidFill>
+                <a:schemeClr val="tx1"/>
+              </a:solidFill>
+              <a:round/>
+              <a:headEnd/>
+              <a:tailEnd/>
+            </a:ln>
+            <a:extLst/>
+          </p:spPr>
+          <p:txBody>
+            <a:bodyPr wrap="none" anchor="ctr"/>
+            <a:lstStyle>
+              <a:lvl1pPr eaLnBrk="0" hangingPunct="0">
+                <a:defRPr sz="2400">
+                  <a:solidFill>
+                    <a:schemeClr val="tx1"/>
+                  </a:solidFill>
+                  <a:latin typeface="Times New Roman" panose="02020603050405020304" pitchFamily="18" charset="0"/>
+                </a:defRPr>
+              </a:lvl1pPr>
+              <a:lvl2pPr marL="742950" indent="-285750" eaLnBrk="0" hangingPunct="0">
+                <a:defRPr sz="2400">
+                  <a:solidFill>
+                    <a:schemeClr val="tx1"/>
+                  </a:solidFill>
+                  <a:latin typeface="Times New Roman" panose="02020603050405020304" pitchFamily="18" charset="0"/>
+                </a:defRPr>
+              </a:lvl2pPr>
+              <a:lvl3pPr marL="1143000" indent="-228600" eaLnBrk="0" hangingPunct="0">
+                <a:defRPr sz="2400">
+                  <a:solidFill>
+                    <a:schemeClr val="tx1"/>
+                  </a:solidFill>
+                  <a:latin typeface="Times New Roman" panose="02020603050405020304" pitchFamily="18" charset="0"/>
+                </a:defRPr>
+              </a:lvl3pPr>
+              <a:lvl4pPr marL="1600200" indent="-228600" eaLnBrk="0" hangingPunct="0">
+                <a:defRPr sz="2400">
+                  <a:solidFill>
+                    <a:schemeClr val="tx1"/>
+                  </a:solidFill>
+                  <a:latin typeface="Times New Roman" panose="02020603050405020304" pitchFamily="18" charset="0"/>
+                </a:defRPr>
+              </a:lvl4pPr>
+              <a:lvl5pPr marL="2057400" indent="-228600" eaLnBrk="0" hangingPunct="0">
+                <a:defRPr sz="2400">
+                  <a:solidFill>
+                    <a:schemeClr val="tx1"/>
+                  </a:solidFill>
+                  <a:latin typeface="Times New Roman" panose="02020603050405020304" pitchFamily="18" charset="0"/>
+                </a:defRPr>
+              </a:lvl5pPr>
+              <a:lvl6pPr marL="2514600" indent="-228600" algn="ctr" eaLnBrk="0" fontAlgn="base" hangingPunct="0">
+                <a:spcBef>
+                  <a:spcPct val="0"/>
+                </a:spcBef>
+                <a:spcAft>
+                  <a:spcPct val="0"/>
+                </a:spcAft>
+                <a:defRPr sz="2400">
+                  <a:solidFill>
+                    <a:schemeClr val="tx1"/>
+                  </a:solidFill>
+                  <a:latin typeface="Times New Roman" panose="02020603050405020304" pitchFamily="18" charset="0"/>
+                </a:defRPr>
+              </a:lvl6pPr>
+              <a:lvl7pPr marL="2971800" indent="-228600" algn="ctr" eaLnBrk="0" fontAlgn="base" hangingPunct="0">
+                <a:spcBef>
+                  <a:spcPct val="0"/>
+                </a:spcBef>
+                <a:spcAft>
+                  <a:spcPct val="0"/>
+                </a:spcAft>
+                <a:defRPr sz="2400">
+                  <a:solidFill>
+                    <a:schemeClr val="tx1"/>
+                  </a:solidFill>
+                  <a:latin typeface="Times New Roman" panose="02020603050405020304" pitchFamily="18" charset="0"/>
+                </a:defRPr>
+              </a:lvl7pPr>
+              <a:lvl8pPr marL="3429000" indent="-228600" algn="ctr" eaLnBrk="0" fontAlgn="base" hangingPunct="0">
+                <a:spcBef>
+                  <a:spcPct val="0"/>
+                </a:spcBef>
+                <a:spcAft>
+                  <a:spcPct val="0"/>
+                </a:spcAft>
+                <a:defRPr sz="2400">
+                  <a:solidFill>
+                    <a:schemeClr val="tx1"/>
+                  </a:solidFill>
+                  <a:latin typeface="Times New Roman" panose="02020603050405020304" pitchFamily="18" charset="0"/>
+                </a:defRPr>
+              </a:lvl8pPr>
+              <a:lvl9pPr marL="3886200" indent="-228600" algn="ctr" eaLnBrk="0" fontAlgn="base" hangingPunct="0">
+                <a:spcBef>
+                  <a:spcPct val="0"/>
+                </a:spcBef>
+                <a:spcAft>
+                  <a:spcPct val="0"/>
+                </a:spcAft>
+                <a:defRPr sz="2400">
+                  <a:solidFill>
+                    <a:schemeClr val="tx1"/>
+                  </a:solidFill>
+                  <a:latin typeface="Times New Roman" panose="02020603050405020304" pitchFamily="18" charset="0"/>
+                </a:defRPr>
+              </a:lvl9pPr>
+            </a:lstStyle>
+            <a:p>
+              <a:pPr eaLnBrk="1" hangingPunct="1"/>
+              <a:endParaRPr lang="en-US" altLang="en-US" sz="2800"/>
+            </a:p>
+          </p:txBody>
+        </p:sp>
+        <p:sp>
+          <p:nvSpPr>
+            <p:cNvPr id="15" name="Oval 37">
+              <a:extLst>
+                <a:ext uri="{FF2B5EF4-FFF2-40B4-BE49-F238E27FC236}">
+                  <a16:creationId xmlns:a16="http://schemas.microsoft.com/office/drawing/2014/main" id="{66D7F9ED-42D7-4996-A5BA-6781D007B18D}"/>
+                </a:ext>
+              </a:extLst>
+            </p:cNvPr>
+            <p:cNvSpPr>
+              <a:spLocks noChangeArrowheads="1"/>
+            </p:cNvSpPr>
+            <p:nvPr/>
+          </p:nvSpPr>
+          <p:spPr bwMode="auto">
+            <a:xfrm>
+              <a:off x="8267451" y="5844981"/>
+              <a:ext cx="521088" cy="313015"/>
+            </a:xfrm>
+            <a:prstGeom prst="ellipse">
+              <a:avLst/>
+            </a:prstGeom>
+            <a:grpFill/>
+            <a:ln w="12700">
+              <a:solidFill>
+                <a:schemeClr val="tx1"/>
+              </a:solidFill>
+              <a:round/>
+              <a:headEnd/>
+              <a:tailEnd/>
+            </a:ln>
+            <a:extLst/>
+          </p:spPr>
+          <p:txBody>
+            <a:bodyPr wrap="none" anchor="ctr"/>
+            <a:lstStyle>
+              <a:lvl1pPr eaLnBrk="0" hangingPunct="0">
+                <a:defRPr sz="2400">
+                  <a:solidFill>
+                    <a:schemeClr val="tx1"/>
+                  </a:solidFill>
+                  <a:latin typeface="Times New Roman" panose="02020603050405020304" pitchFamily="18" charset="0"/>
+                </a:defRPr>
+              </a:lvl1pPr>
+              <a:lvl2pPr marL="742950" indent="-285750" eaLnBrk="0" hangingPunct="0">
+                <a:defRPr sz="2400">
+                  <a:solidFill>
+                    <a:schemeClr val="tx1"/>
+                  </a:solidFill>
+                  <a:latin typeface="Times New Roman" panose="02020603050405020304" pitchFamily="18" charset="0"/>
+                </a:defRPr>
+              </a:lvl2pPr>
+              <a:lvl3pPr marL="1143000" indent="-228600" eaLnBrk="0" hangingPunct="0">
+                <a:defRPr sz="2400">
+                  <a:solidFill>
+                    <a:schemeClr val="tx1"/>
+                  </a:solidFill>
+                  <a:latin typeface="Times New Roman" panose="02020603050405020304" pitchFamily="18" charset="0"/>
+                </a:defRPr>
+              </a:lvl3pPr>
+              <a:lvl4pPr marL="1600200" indent="-228600" eaLnBrk="0" hangingPunct="0">
+                <a:defRPr sz="2400">
+                  <a:solidFill>
+                    <a:schemeClr val="tx1"/>
+                  </a:solidFill>
+                  <a:latin typeface="Times New Roman" panose="02020603050405020304" pitchFamily="18" charset="0"/>
+                </a:defRPr>
+              </a:lvl4pPr>
+              <a:lvl5pPr marL="2057400" indent="-228600" eaLnBrk="0" hangingPunct="0">
+                <a:defRPr sz="2400">
+                  <a:solidFill>
+                    <a:schemeClr val="tx1"/>
+                  </a:solidFill>
+                  <a:latin typeface="Times New Roman" panose="02020603050405020304" pitchFamily="18" charset="0"/>
+                </a:defRPr>
+              </a:lvl5pPr>
+              <a:lvl6pPr marL="2514600" indent="-228600" algn="ctr" eaLnBrk="0" fontAlgn="base" hangingPunct="0">
+                <a:spcBef>
+                  <a:spcPct val="0"/>
+                </a:spcBef>
+                <a:spcAft>
+                  <a:spcPct val="0"/>
+                </a:spcAft>
+                <a:defRPr sz="2400">
+                  <a:solidFill>
+                    <a:schemeClr val="tx1"/>
+                  </a:solidFill>
+                  <a:latin typeface="Times New Roman" panose="02020603050405020304" pitchFamily="18" charset="0"/>
+                </a:defRPr>
+              </a:lvl6pPr>
+              <a:lvl7pPr marL="2971800" indent="-228600" algn="ctr" eaLnBrk="0" fontAlgn="base" hangingPunct="0">
+                <a:spcBef>
+                  <a:spcPct val="0"/>
+                </a:spcBef>
+                <a:spcAft>
+                  <a:spcPct val="0"/>
+                </a:spcAft>
+                <a:defRPr sz="2400">
+                  <a:solidFill>
+                    <a:schemeClr val="tx1"/>
+                  </a:solidFill>
+                  <a:latin typeface="Times New Roman" panose="02020603050405020304" pitchFamily="18" charset="0"/>
+                </a:defRPr>
+              </a:lvl7pPr>
+              <a:lvl8pPr marL="3429000" indent="-228600" algn="ctr" eaLnBrk="0" fontAlgn="base" hangingPunct="0">
+                <a:spcBef>
+                  <a:spcPct val="0"/>
+                </a:spcBef>
+                <a:spcAft>
+                  <a:spcPct val="0"/>
+                </a:spcAft>
+                <a:defRPr sz="2400">
+                  <a:solidFill>
+                    <a:schemeClr val="tx1"/>
+                  </a:solidFill>
+                  <a:latin typeface="Times New Roman" panose="02020603050405020304" pitchFamily="18" charset="0"/>
+                </a:defRPr>
+              </a:lvl8pPr>
+              <a:lvl9pPr marL="3886200" indent="-228600" algn="ctr" eaLnBrk="0" fontAlgn="base" hangingPunct="0">
+                <a:spcBef>
+                  <a:spcPct val="0"/>
+                </a:spcBef>
+                <a:spcAft>
+                  <a:spcPct val="0"/>
+                </a:spcAft>
+                <a:defRPr sz="2400">
+                  <a:solidFill>
+                    <a:schemeClr val="tx1"/>
+                  </a:solidFill>
+                  <a:latin typeface="Times New Roman" panose="02020603050405020304" pitchFamily="18" charset="0"/>
+                </a:defRPr>
+              </a:lvl9pPr>
+            </a:lstStyle>
+            <a:p>
+              <a:pPr eaLnBrk="1" hangingPunct="1"/>
+              <a:endParaRPr lang="en-US" altLang="en-US" sz="2800"/>
+            </a:p>
+          </p:txBody>
+        </p:sp>
+        <p:sp>
+          <p:nvSpPr>
+            <p:cNvPr id="16" name="Oval 38">
+              <a:extLst>
+                <a:ext uri="{FF2B5EF4-FFF2-40B4-BE49-F238E27FC236}">
+                  <a16:creationId xmlns:a16="http://schemas.microsoft.com/office/drawing/2014/main" id="{7C04C35E-CCA1-4A48-8386-C48C882911A6}"/>
+                </a:ext>
+              </a:extLst>
+            </p:cNvPr>
+            <p:cNvSpPr>
+              <a:spLocks noChangeArrowheads="1"/>
+            </p:cNvSpPr>
+            <p:nvPr/>
+          </p:nvSpPr>
+          <p:spPr bwMode="auto">
+            <a:xfrm>
+              <a:off x="7442395" y="5844981"/>
+              <a:ext cx="521088" cy="313015"/>
+            </a:xfrm>
+            <a:prstGeom prst="ellipse">
+              <a:avLst/>
+            </a:prstGeom>
+            <a:grpFill/>
+            <a:ln w="12700">
+              <a:solidFill>
+                <a:schemeClr val="tx1"/>
+              </a:solidFill>
+              <a:round/>
+              <a:headEnd/>
+              <a:tailEnd/>
+            </a:ln>
+            <a:extLst/>
+          </p:spPr>
+          <p:txBody>
+            <a:bodyPr wrap="none" anchor="ctr"/>
+            <a:lstStyle>
+              <a:lvl1pPr eaLnBrk="0" hangingPunct="0">
+                <a:defRPr sz="2400">
+                  <a:solidFill>
+                    <a:schemeClr val="tx1"/>
+                  </a:solidFill>
+                  <a:latin typeface="Times New Roman" panose="02020603050405020304" pitchFamily="18" charset="0"/>
+                </a:defRPr>
+              </a:lvl1pPr>
+              <a:lvl2pPr marL="742950" indent="-285750" eaLnBrk="0" hangingPunct="0">
+                <a:defRPr sz="2400">
+                  <a:solidFill>
+                    <a:schemeClr val="tx1"/>
+                  </a:solidFill>
+                  <a:latin typeface="Times New Roman" panose="02020603050405020304" pitchFamily="18" charset="0"/>
+                </a:defRPr>
+              </a:lvl2pPr>
+              <a:lvl3pPr marL="1143000" indent="-228600" eaLnBrk="0" hangingPunct="0">
+                <a:defRPr sz="2400">
+                  <a:solidFill>
+                    <a:schemeClr val="tx1"/>
+                  </a:solidFill>
+                  <a:latin typeface="Times New Roman" panose="02020603050405020304" pitchFamily="18" charset="0"/>
+                </a:defRPr>
+              </a:lvl3pPr>
+              <a:lvl4pPr marL="1600200" indent="-228600" eaLnBrk="0" hangingPunct="0">
+                <a:defRPr sz="2400">
+                  <a:solidFill>
+                    <a:schemeClr val="tx1"/>
+                  </a:solidFill>
+                  <a:latin typeface="Times New Roman" panose="02020603050405020304" pitchFamily="18" charset="0"/>
+                </a:defRPr>
+              </a:lvl4pPr>
+              <a:lvl5pPr marL="2057400" indent="-228600" eaLnBrk="0" hangingPunct="0">
+                <a:defRPr sz="2400">
+                  <a:solidFill>
+                    <a:schemeClr val="tx1"/>
+                  </a:solidFill>
+                  <a:latin typeface="Times New Roman" panose="02020603050405020304" pitchFamily="18" charset="0"/>
+                </a:defRPr>
+              </a:lvl5pPr>
+              <a:lvl6pPr marL="2514600" indent="-228600" algn="ctr" eaLnBrk="0" fontAlgn="base" hangingPunct="0">
+                <a:spcBef>
+                  <a:spcPct val="0"/>
+                </a:spcBef>
+                <a:spcAft>
+                  <a:spcPct val="0"/>
+                </a:spcAft>
+                <a:defRPr sz="2400">
+                  <a:solidFill>
+                    <a:schemeClr val="tx1"/>
+                  </a:solidFill>
+                  <a:latin typeface="Times New Roman" panose="02020603050405020304" pitchFamily="18" charset="0"/>
+                </a:defRPr>
+              </a:lvl6pPr>
+              <a:lvl7pPr marL="2971800" indent="-228600" algn="ctr" eaLnBrk="0" fontAlgn="base" hangingPunct="0">
+                <a:spcBef>
+                  <a:spcPct val="0"/>
+                </a:spcBef>
+                <a:spcAft>
+                  <a:spcPct val="0"/>
+                </a:spcAft>
+                <a:defRPr sz="2400">
+                  <a:solidFill>
+                    <a:schemeClr val="tx1"/>
+                  </a:solidFill>
+                  <a:latin typeface="Times New Roman" panose="02020603050405020304" pitchFamily="18" charset="0"/>
+                </a:defRPr>
+              </a:lvl7pPr>
+              <a:lvl8pPr marL="3429000" indent="-228600" algn="ctr" eaLnBrk="0" fontAlgn="base" hangingPunct="0">
+                <a:spcBef>
+                  <a:spcPct val="0"/>
+                </a:spcBef>
+                <a:spcAft>
+                  <a:spcPct val="0"/>
+                </a:spcAft>
+                <a:defRPr sz="2400">
+                  <a:solidFill>
+                    <a:schemeClr val="tx1"/>
+                  </a:solidFill>
+                  <a:latin typeface="Times New Roman" panose="02020603050405020304" pitchFamily="18" charset="0"/>
+                </a:defRPr>
+              </a:lvl8pPr>
+              <a:lvl9pPr marL="3886200" indent="-228600" algn="ctr" eaLnBrk="0" fontAlgn="base" hangingPunct="0">
+                <a:spcBef>
+                  <a:spcPct val="0"/>
+                </a:spcBef>
+                <a:spcAft>
+                  <a:spcPct val="0"/>
+                </a:spcAft>
+                <a:defRPr sz="2400">
+                  <a:solidFill>
+                    <a:schemeClr val="tx1"/>
+                  </a:solidFill>
+                  <a:latin typeface="Times New Roman" panose="02020603050405020304" pitchFamily="18" charset="0"/>
+                </a:defRPr>
+              </a:lvl9pPr>
+            </a:lstStyle>
+            <a:p>
+              <a:pPr eaLnBrk="1" hangingPunct="1"/>
+              <a:endParaRPr lang="en-US" altLang="en-US" sz="2800"/>
+            </a:p>
+          </p:txBody>
+        </p:sp>
+        <p:sp>
+          <p:nvSpPr>
+            <p:cNvPr id="17" name="Oval 39">
+              <a:extLst>
+                <a:ext uri="{FF2B5EF4-FFF2-40B4-BE49-F238E27FC236}">
+                  <a16:creationId xmlns:a16="http://schemas.microsoft.com/office/drawing/2014/main" id="{65FE4545-36CF-4424-B7DF-DA2ECF30F2C1}"/>
+                </a:ext>
+              </a:extLst>
+            </p:cNvPr>
+            <p:cNvSpPr>
+              <a:spLocks noChangeArrowheads="1"/>
+            </p:cNvSpPr>
+            <p:nvPr/>
+          </p:nvSpPr>
+          <p:spPr bwMode="auto">
+            <a:xfrm>
+              <a:off x="6617339" y="5844981"/>
+              <a:ext cx="521088" cy="313015"/>
+            </a:xfrm>
+            <a:prstGeom prst="ellipse">
+              <a:avLst/>
+            </a:prstGeom>
+            <a:grpFill/>
+            <a:ln w="12700">
+              <a:solidFill>
+                <a:schemeClr val="tx1"/>
+              </a:solidFill>
+              <a:round/>
+              <a:headEnd/>
+              <a:tailEnd/>
+            </a:ln>
+            <a:extLst/>
+          </p:spPr>
+          <p:txBody>
+            <a:bodyPr wrap="none" anchor="ctr"/>
+            <a:lstStyle>
+              <a:lvl1pPr eaLnBrk="0" hangingPunct="0">
+                <a:defRPr sz="2400">
+                  <a:solidFill>
+                    <a:schemeClr val="tx1"/>
+                  </a:solidFill>
+                  <a:latin typeface="Times New Roman" panose="02020603050405020304" pitchFamily="18" charset="0"/>
+                </a:defRPr>
+              </a:lvl1pPr>
+              <a:lvl2pPr marL="742950" indent="-285750" eaLnBrk="0" hangingPunct="0">
+                <a:defRPr sz="2400">
+                  <a:solidFill>
+                    <a:schemeClr val="tx1"/>
+                  </a:solidFill>
+                  <a:latin typeface="Times New Roman" panose="02020603050405020304" pitchFamily="18" charset="0"/>
+                </a:defRPr>
+              </a:lvl2pPr>
+              <a:lvl3pPr marL="1143000" indent="-228600" eaLnBrk="0" hangingPunct="0">
+                <a:defRPr sz="2400">
+                  <a:solidFill>
+                    <a:schemeClr val="tx1"/>
+                  </a:solidFill>
+                  <a:latin typeface="Times New Roman" panose="02020603050405020304" pitchFamily="18" charset="0"/>
+                </a:defRPr>
+              </a:lvl3pPr>
+              <a:lvl4pPr marL="1600200" indent="-228600" eaLnBrk="0" hangingPunct="0">
+                <a:defRPr sz="2400">
+                  <a:solidFill>
+                    <a:schemeClr val="tx1"/>
+                  </a:solidFill>
+                  <a:latin typeface="Times New Roman" panose="02020603050405020304" pitchFamily="18" charset="0"/>
+                </a:defRPr>
+              </a:lvl4pPr>
+              <a:lvl5pPr marL="2057400" indent="-228600" eaLnBrk="0" hangingPunct="0">
+                <a:defRPr sz="2400">
+                  <a:solidFill>
+                    <a:schemeClr val="tx1"/>
+                  </a:solidFill>
+                  <a:latin typeface="Times New Roman" panose="02020603050405020304" pitchFamily="18" charset="0"/>
+                </a:defRPr>
+              </a:lvl5pPr>
+              <a:lvl6pPr marL="2514600" indent="-228600" algn="ctr" eaLnBrk="0" fontAlgn="base" hangingPunct="0">
+                <a:spcBef>
+                  <a:spcPct val="0"/>
+                </a:spcBef>
+                <a:spcAft>
+                  <a:spcPct val="0"/>
+                </a:spcAft>
+                <a:defRPr sz="2400">
+                  <a:solidFill>
+                    <a:schemeClr val="tx1"/>
+                  </a:solidFill>
+                  <a:latin typeface="Times New Roman" panose="02020603050405020304" pitchFamily="18" charset="0"/>
+                </a:defRPr>
+              </a:lvl6pPr>
+              <a:lvl7pPr marL="2971800" indent="-228600" algn="ctr" eaLnBrk="0" fontAlgn="base" hangingPunct="0">
+                <a:spcBef>
+                  <a:spcPct val="0"/>
+                </a:spcBef>
+                <a:spcAft>
+                  <a:spcPct val="0"/>
+                </a:spcAft>
+                <a:defRPr sz="2400">
+                  <a:solidFill>
+                    <a:schemeClr val="tx1"/>
+                  </a:solidFill>
+                  <a:latin typeface="Times New Roman" panose="02020603050405020304" pitchFamily="18" charset="0"/>
+                </a:defRPr>
+              </a:lvl7pPr>
+              <a:lvl8pPr marL="3429000" indent="-228600" algn="ctr" eaLnBrk="0" fontAlgn="base" hangingPunct="0">
+                <a:spcBef>
+                  <a:spcPct val="0"/>
+                </a:spcBef>
+                <a:spcAft>
+                  <a:spcPct val="0"/>
+                </a:spcAft>
+                <a:defRPr sz="2400">
+                  <a:solidFill>
+                    <a:schemeClr val="tx1"/>
+                  </a:solidFill>
+                  <a:latin typeface="Times New Roman" panose="02020603050405020304" pitchFamily="18" charset="0"/>
+                </a:defRPr>
+              </a:lvl8pPr>
+              <a:lvl9pPr marL="3886200" indent="-228600" algn="ctr" eaLnBrk="0" fontAlgn="base" hangingPunct="0">
+                <a:spcBef>
+                  <a:spcPct val="0"/>
+                </a:spcBef>
+                <a:spcAft>
+                  <a:spcPct val="0"/>
+                </a:spcAft>
+                <a:defRPr sz="2400">
+                  <a:solidFill>
+                    <a:schemeClr val="tx1"/>
+                  </a:solidFill>
+                  <a:latin typeface="Times New Roman" panose="02020603050405020304" pitchFamily="18" charset="0"/>
+                </a:defRPr>
+              </a:lvl9pPr>
+            </a:lstStyle>
+            <a:p>
+              <a:pPr eaLnBrk="1" hangingPunct="1"/>
+              <a:endParaRPr lang="en-US" altLang="en-US" sz="2800"/>
+            </a:p>
+          </p:txBody>
+        </p:sp>
+        <p:sp>
+          <p:nvSpPr>
+            <p:cNvPr id="21" name="Text Box 51">
+              <a:extLst>
+                <a:ext uri="{FF2B5EF4-FFF2-40B4-BE49-F238E27FC236}">
+                  <a16:creationId xmlns:a16="http://schemas.microsoft.com/office/drawing/2014/main" id="{A82A0693-0AE2-4E1E-944B-7DB83B5C0C40}"/>
+                </a:ext>
+              </a:extLst>
+            </p:cNvPr>
+            <p:cNvSpPr txBox="1">
+              <a:spLocks noChangeArrowheads="1"/>
+            </p:cNvSpPr>
+            <p:nvPr/>
+          </p:nvSpPr>
+          <p:spPr bwMode="auto">
+            <a:xfrm>
+              <a:off x="5963265" y="5847887"/>
+              <a:ext cx="206218" cy="309327"/>
+            </a:xfrm>
+            <a:prstGeom prst="rect">
+              <a:avLst/>
+            </a:prstGeom>
+            <a:grpFill/>
+            <a:ln>
+              <a:noFill/>
+            </a:ln>
+            <a:extLst>
+              <a:ext uri="{91240B29-F687-4F45-9708-019B960494DF}">
+                <a14:hiddenLine xmlns:a14="http://schemas.microsoft.com/office/drawing/2010/main" w="9525">
+                  <a:solidFill>
+                    <a:srgbClr val="000000"/>
+                  </a:solidFill>
+                  <a:miter lim="800000"/>
+                  <a:headEnd/>
+                  <a:tailEnd/>
+                </a14:hiddenLine>
+              </a:ext>
+            </a:extLst>
+          </p:spPr>
+          <p:txBody>
+            <a:bodyPr wrap="none">
+              <a:spAutoFit/>
+            </a:bodyPr>
+            <a:lstStyle>
+              <a:lvl1pPr eaLnBrk="0" hangingPunct="0">
+                <a:defRPr sz="2400">
+                  <a:solidFill>
+                    <a:schemeClr val="tx1"/>
+                  </a:solidFill>
+                  <a:latin typeface="Times New Roman" panose="02020603050405020304" pitchFamily="18" charset="0"/>
+                </a:defRPr>
+              </a:lvl1pPr>
+              <a:lvl2pPr marL="742950" indent="-285750" eaLnBrk="0" hangingPunct="0">
+                <a:defRPr sz="2400">
+                  <a:solidFill>
+                    <a:schemeClr val="tx1"/>
+                  </a:solidFill>
+                  <a:latin typeface="Times New Roman" panose="02020603050405020304" pitchFamily="18" charset="0"/>
+                </a:defRPr>
+              </a:lvl2pPr>
+              <a:lvl3pPr marL="1143000" indent="-228600" eaLnBrk="0" hangingPunct="0">
+                <a:defRPr sz="2400">
+                  <a:solidFill>
+                    <a:schemeClr val="tx1"/>
+                  </a:solidFill>
+                  <a:latin typeface="Times New Roman" panose="02020603050405020304" pitchFamily="18" charset="0"/>
+                </a:defRPr>
+              </a:lvl3pPr>
+              <a:lvl4pPr marL="1600200" indent="-228600" eaLnBrk="0" hangingPunct="0">
+                <a:defRPr sz="2400">
+                  <a:solidFill>
+                    <a:schemeClr val="tx1"/>
+                  </a:solidFill>
+                  <a:latin typeface="Times New Roman" panose="02020603050405020304" pitchFamily="18" charset="0"/>
+                </a:defRPr>
+              </a:lvl4pPr>
+              <a:lvl5pPr marL="2057400" indent="-228600" eaLnBrk="0" hangingPunct="0">
+                <a:defRPr sz="2400">
+                  <a:solidFill>
+                    <a:schemeClr val="tx1"/>
+                  </a:solidFill>
+                  <a:latin typeface="Times New Roman" panose="02020603050405020304" pitchFamily="18" charset="0"/>
+                </a:defRPr>
+              </a:lvl5pPr>
+              <a:lvl6pPr marL="2514600" indent="-228600" algn="ctr" eaLnBrk="0" fontAlgn="base" hangingPunct="0">
+                <a:spcBef>
+                  <a:spcPct val="0"/>
+                </a:spcBef>
+                <a:spcAft>
+                  <a:spcPct val="0"/>
+                </a:spcAft>
+                <a:defRPr sz="2400">
+                  <a:solidFill>
+                    <a:schemeClr val="tx1"/>
+                  </a:solidFill>
+                  <a:latin typeface="Times New Roman" panose="02020603050405020304" pitchFamily="18" charset="0"/>
+                </a:defRPr>
+              </a:lvl6pPr>
+              <a:lvl7pPr marL="2971800" indent="-228600" algn="ctr" eaLnBrk="0" fontAlgn="base" hangingPunct="0">
+                <a:spcBef>
+                  <a:spcPct val="0"/>
+                </a:spcBef>
+                <a:spcAft>
+                  <a:spcPct val="0"/>
+                </a:spcAft>
+                <a:defRPr sz="2400">
+                  <a:solidFill>
+                    <a:schemeClr val="tx1"/>
+                  </a:solidFill>
+                  <a:latin typeface="Times New Roman" panose="02020603050405020304" pitchFamily="18" charset="0"/>
+                </a:defRPr>
+              </a:lvl7pPr>
+              <a:lvl8pPr marL="3429000" indent="-228600" algn="ctr" eaLnBrk="0" fontAlgn="base" hangingPunct="0">
+                <a:spcBef>
+                  <a:spcPct val="0"/>
+                </a:spcBef>
+                <a:spcAft>
+                  <a:spcPct val="0"/>
+                </a:spcAft>
+                <a:defRPr sz="2400">
+                  <a:solidFill>
+                    <a:schemeClr val="tx1"/>
+                  </a:solidFill>
+                  <a:latin typeface="Times New Roman" panose="02020603050405020304" pitchFamily="18" charset="0"/>
+                </a:defRPr>
+              </a:lvl8pPr>
+              <a:lvl9pPr marL="3886200" indent="-228600" algn="ctr" eaLnBrk="0" fontAlgn="base" hangingPunct="0">
+                <a:spcBef>
+                  <a:spcPct val="0"/>
+                </a:spcBef>
+                <a:spcAft>
+                  <a:spcPct val="0"/>
+                </a:spcAft>
+                <a:defRPr sz="2400">
+                  <a:solidFill>
+                    <a:schemeClr val="tx1"/>
+                  </a:solidFill>
+                  <a:latin typeface="Times New Roman" panose="02020603050405020304" pitchFamily="18" charset="0"/>
+                </a:defRPr>
+              </a:lvl9pPr>
+            </a:lstStyle>
+            <a:p>
+              <a:pPr algn="l" eaLnBrk="1" hangingPunct="1"/>
+              <a:r>
+                <a:rPr lang="en-US" altLang="en-US" sz="3200" dirty="0"/>
+                <a:t>1</a:t>
+              </a:r>
+            </a:p>
+          </p:txBody>
+        </p:sp>
+        <p:sp>
+          <p:nvSpPr>
+            <p:cNvPr id="22" name="Text Box 52">
+              <a:extLst>
+                <a:ext uri="{FF2B5EF4-FFF2-40B4-BE49-F238E27FC236}">
+                  <a16:creationId xmlns:a16="http://schemas.microsoft.com/office/drawing/2014/main" id="{23AF4376-2091-4F55-9543-29CCD8EE8050}"/>
+                </a:ext>
+              </a:extLst>
+            </p:cNvPr>
+            <p:cNvSpPr txBox="1">
+              <a:spLocks noChangeArrowheads="1"/>
+            </p:cNvSpPr>
+            <p:nvPr/>
+          </p:nvSpPr>
+          <p:spPr bwMode="auto">
+            <a:xfrm>
+              <a:off x="6788321" y="5847887"/>
+              <a:ext cx="219785" cy="341889"/>
+            </a:xfrm>
+            <a:prstGeom prst="rect">
+              <a:avLst/>
+            </a:prstGeom>
+            <a:grpFill/>
+            <a:ln>
+              <a:noFill/>
+            </a:ln>
+            <a:extLst>
+              <a:ext uri="{91240B29-F687-4F45-9708-019B960494DF}">
+                <a14:hiddenLine xmlns:a14="http://schemas.microsoft.com/office/drawing/2010/main" w="9525">
+                  <a:solidFill>
+                    <a:srgbClr val="000000"/>
+                  </a:solidFill>
+                  <a:miter lim="800000"/>
+                  <a:headEnd/>
+                  <a:tailEnd/>
+                </a14:hiddenLine>
+              </a:ext>
+            </a:extLst>
+          </p:spPr>
+          <p:txBody>
+            <a:bodyPr wrap="none">
+              <a:spAutoFit/>
+            </a:bodyPr>
+            <a:lstStyle>
+              <a:lvl1pPr eaLnBrk="0" hangingPunct="0">
+                <a:defRPr sz="2400">
+                  <a:solidFill>
+                    <a:schemeClr val="tx1"/>
+                  </a:solidFill>
+                  <a:latin typeface="Times New Roman" panose="02020603050405020304" pitchFamily="18" charset="0"/>
+                </a:defRPr>
+              </a:lvl1pPr>
+              <a:lvl2pPr marL="742950" indent="-285750" eaLnBrk="0" hangingPunct="0">
+                <a:defRPr sz="2400">
+                  <a:solidFill>
+                    <a:schemeClr val="tx1"/>
+                  </a:solidFill>
+                  <a:latin typeface="Times New Roman" panose="02020603050405020304" pitchFamily="18" charset="0"/>
+                </a:defRPr>
+              </a:lvl2pPr>
+              <a:lvl3pPr marL="1143000" indent="-228600" eaLnBrk="0" hangingPunct="0">
+                <a:defRPr sz="2400">
+                  <a:solidFill>
+                    <a:schemeClr val="tx1"/>
+                  </a:solidFill>
+                  <a:latin typeface="Times New Roman" panose="02020603050405020304" pitchFamily="18" charset="0"/>
+                </a:defRPr>
+              </a:lvl3pPr>
+              <a:lvl4pPr marL="1600200" indent="-228600" eaLnBrk="0" hangingPunct="0">
+                <a:defRPr sz="2400">
+                  <a:solidFill>
+                    <a:schemeClr val="tx1"/>
+                  </a:solidFill>
+                  <a:latin typeface="Times New Roman" panose="02020603050405020304" pitchFamily="18" charset="0"/>
+                </a:defRPr>
+              </a:lvl4pPr>
+              <a:lvl5pPr marL="2057400" indent="-228600" eaLnBrk="0" hangingPunct="0">
+                <a:defRPr sz="2400">
+                  <a:solidFill>
+                    <a:schemeClr val="tx1"/>
+                  </a:solidFill>
+                  <a:latin typeface="Times New Roman" panose="02020603050405020304" pitchFamily="18" charset="0"/>
+                </a:defRPr>
+              </a:lvl5pPr>
+              <a:lvl6pPr marL="2514600" indent="-228600" algn="ctr" eaLnBrk="0" fontAlgn="base" hangingPunct="0">
+                <a:spcBef>
+                  <a:spcPct val="0"/>
+                </a:spcBef>
+                <a:spcAft>
+                  <a:spcPct val="0"/>
+                </a:spcAft>
+                <a:defRPr sz="2400">
+                  <a:solidFill>
+                    <a:schemeClr val="tx1"/>
+                  </a:solidFill>
+                  <a:latin typeface="Times New Roman" panose="02020603050405020304" pitchFamily="18" charset="0"/>
+                </a:defRPr>
+              </a:lvl6pPr>
+              <a:lvl7pPr marL="2971800" indent="-228600" algn="ctr" eaLnBrk="0" fontAlgn="base" hangingPunct="0">
+                <a:spcBef>
+                  <a:spcPct val="0"/>
+                </a:spcBef>
+                <a:spcAft>
+                  <a:spcPct val="0"/>
+                </a:spcAft>
+                <a:defRPr sz="2400">
+                  <a:solidFill>
+                    <a:schemeClr val="tx1"/>
+                  </a:solidFill>
+                  <a:latin typeface="Times New Roman" panose="02020603050405020304" pitchFamily="18" charset="0"/>
+                </a:defRPr>
+              </a:lvl7pPr>
+              <a:lvl8pPr marL="3429000" indent="-228600" algn="ctr" eaLnBrk="0" fontAlgn="base" hangingPunct="0">
+                <a:spcBef>
+                  <a:spcPct val="0"/>
+                </a:spcBef>
+                <a:spcAft>
+                  <a:spcPct val="0"/>
+                </a:spcAft>
+                <a:defRPr sz="2400">
+                  <a:solidFill>
+                    <a:schemeClr val="tx1"/>
+                  </a:solidFill>
+                  <a:latin typeface="Times New Roman" panose="02020603050405020304" pitchFamily="18" charset="0"/>
+                </a:defRPr>
+              </a:lvl8pPr>
+              <a:lvl9pPr marL="3886200" indent="-228600" algn="ctr" eaLnBrk="0" fontAlgn="base" hangingPunct="0">
+                <a:spcBef>
+                  <a:spcPct val="0"/>
+                </a:spcBef>
+                <a:spcAft>
+                  <a:spcPct val="0"/>
+                </a:spcAft>
+                <a:defRPr sz="2400">
+                  <a:solidFill>
+                    <a:schemeClr val="tx1"/>
+                  </a:solidFill>
+                  <a:latin typeface="Times New Roman" panose="02020603050405020304" pitchFamily="18" charset="0"/>
+                </a:defRPr>
+              </a:lvl9pPr>
+            </a:lstStyle>
+            <a:p>
+              <a:pPr algn="l" eaLnBrk="1" hangingPunct="1"/>
+              <a:r>
+                <a:rPr lang="en-US" altLang="en-US" sz="3600" dirty="0"/>
+                <a:t>2</a:t>
+              </a:r>
+            </a:p>
+          </p:txBody>
+        </p:sp>
+        <p:sp>
+          <p:nvSpPr>
+            <p:cNvPr id="23" name="Text Box 53">
+              <a:extLst>
+                <a:ext uri="{FF2B5EF4-FFF2-40B4-BE49-F238E27FC236}">
+                  <a16:creationId xmlns:a16="http://schemas.microsoft.com/office/drawing/2014/main" id="{5296DAAB-03F7-4C05-967C-250372DD5827}"/>
+                </a:ext>
+              </a:extLst>
+            </p:cNvPr>
+            <p:cNvSpPr txBox="1">
+              <a:spLocks noChangeArrowheads="1"/>
+            </p:cNvSpPr>
+            <p:nvPr/>
+          </p:nvSpPr>
+          <p:spPr bwMode="auto">
+            <a:xfrm>
+              <a:off x="7613377" y="5847887"/>
+              <a:ext cx="206218" cy="309327"/>
+            </a:xfrm>
+            <a:prstGeom prst="rect">
+              <a:avLst/>
+            </a:prstGeom>
+            <a:grpFill/>
+            <a:ln>
+              <a:noFill/>
+            </a:ln>
+            <a:extLst>
+              <a:ext uri="{91240B29-F687-4F45-9708-019B960494DF}">
+                <a14:hiddenLine xmlns:a14="http://schemas.microsoft.com/office/drawing/2010/main" w="9525">
+                  <a:solidFill>
+                    <a:srgbClr val="000000"/>
+                  </a:solidFill>
+                  <a:miter lim="800000"/>
+                  <a:headEnd/>
+                  <a:tailEnd/>
+                </a14:hiddenLine>
+              </a:ext>
+            </a:extLst>
+          </p:spPr>
+          <p:txBody>
+            <a:bodyPr wrap="none">
+              <a:spAutoFit/>
+            </a:bodyPr>
+            <a:lstStyle>
+              <a:lvl1pPr eaLnBrk="0" hangingPunct="0">
+                <a:defRPr sz="2400">
+                  <a:solidFill>
+                    <a:schemeClr val="tx1"/>
+                  </a:solidFill>
+                  <a:latin typeface="Times New Roman" panose="02020603050405020304" pitchFamily="18" charset="0"/>
+                </a:defRPr>
+              </a:lvl1pPr>
+              <a:lvl2pPr marL="742950" indent="-285750" eaLnBrk="0" hangingPunct="0">
+                <a:defRPr sz="2400">
+                  <a:solidFill>
+                    <a:schemeClr val="tx1"/>
+                  </a:solidFill>
+                  <a:latin typeface="Times New Roman" panose="02020603050405020304" pitchFamily="18" charset="0"/>
+                </a:defRPr>
+              </a:lvl2pPr>
+              <a:lvl3pPr marL="1143000" indent="-228600" eaLnBrk="0" hangingPunct="0">
+                <a:defRPr sz="2400">
+                  <a:solidFill>
+                    <a:schemeClr val="tx1"/>
+                  </a:solidFill>
+                  <a:latin typeface="Times New Roman" panose="02020603050405020304" pitchFamily="18" charset="0"/>
+                </a:defRPr>
+              </a:lvl3pPr>
+              <a:lvl4pPr marL="1600200" indent="-228600" eaLnBrk="0" hangingPunct="0">
+                <a:defRPr sz="2400">
+                  <a:solidFill>
+                    <a:schemeClr val="tx1"/>
+                  </a:solidFill>
+                  <a:latin typeface="Times New Roman" panose="02020603050405020304" pitchFamily="18" charset="0"/>
+                </a:defRPr>
+              </a:lvl4pPr>
+              <a:lvl5pPr marL="2057400" indent="-228600" eaLnBrk="0" hangingPunct="0">
+                <a:defRPr sz="2400">
+                  <a:solidFill>
+                    <a:schemeClr val="tx1"/>
+                  </a:solidFill>
+                  <a:latin typeface="Times New Roman" panose="02020603050405020304" pitchFamily="18" charset="0"/>
+                </a:defRPr>
+              </a:lvl5pPr>
+              <a:lvl6pPr marL="2514600" indent="-228600" algn="ctr" eaLnBrk="0" fontAlgn="base" hangingPunct="0">
+                <a:spcBef>
+                  <a:spcPct val="0"/>
+                </a:spcBef>
+                <a:spcAft>
+                  <a:spcPct val="0"/>
+                </a:spcAft>
+                <a:defRPr sz="2400">
+                  <a:solidFill>
+                    <a:schemeClr val="tx1"/>
+                  </a:solidFill>
+                  <a:latin typeface="Times New Roman" panose="02020603050405020304" pitchFamily="18" charset="0"/>
+                </a:defRPr>
+              </a:lvl6pPr>
+              <a:lvl7pPr marL="2971800" indent="-228600" algn="ctr" eaLnBrk="0" fontAlgn="base" hangingPunct="0">
+                <a:spcBef>
+                  <a:spcPct val="0"/>
+                </a:spcBef>
+                <a:spcAft>
+                  <a:spcPct val="0"/>
+                </a:spcAft>
+                <a:defRPr sz="2400">
+                  <a:solidFill>
+                    <a:schemeClr val="tx1"/>
+                  </a:solidFill>
+                  <a:latin typeface="Times New Roman" panose="02020603050405020304" pitchFamily="18" charset="0"/>
+                </a:defRPr>
+              </a:lvl7pPr>
+              <a:lvl8pPr marL="3429000" indent="-228600" algn="ctr" eaLnBrk="0" fontAlgn="base" hangingPunct="0">
+                <a:spcBef>
+                  <a:spcPct val="0"/>
+                </a:spcBef>
+                <a:spcAft>
+                  <a:spcPct val="0"/>
+                </a:spcAft>
+                <a:defRPr sz="2400">
+                  <a:solidFill>
+                    <a:schemeClr val="tx1"/>
+                  </a:solidFill>
+                  <a:latin typeface="Times New Roman" panose="02020603050405020304" pitchFamily="18" charset="0"/>
+                </a:defRPr>
+              </a:lvl8pPr>
+              <a:lvl9pPr marL="3886200" indent="-228600" algn="ctr" eaLnBrk="0" fontAlgn="base" hangingPunct="0">
+                <a:spcBef>
+                  <a:spcPct val="0"/>
+                </a:spcBef>
+                <a:spcAft>
+                  <a:spcPct val="0"/>
+                </a:spcAft>
+                <a:defRPr sz="2400">
+                  <a:solidFill>
+                    <a:schemeClr val="tx1"/>
+                  </a:solidFill>
+                  <a:latin typeface="Times New Roman" panose="02020603050405020304" pitchFamily="18" charset="0"/>
+                </a:defRPr>
+              </a:lvl9pPr>
+            </a:lstStyle>
+            <a:p>
+              <a:pPr algn="l" eaLnBrk="1" hangingPunct="1"/>
+              <a:r>
+                <a:rPr lang="en-US" altLang="en-US" sz="3200"/>
+                <a:t>3</a:t>
+              </a:r>
+            </a:p>
+          </p:txBody>
+        </p:sp>
+        <p:sp>
+          <p:nvSpPr>
+            <p:cNvPr id="24" name="Text Box 54">
+              <a:extLst>
+                <a:ext uri="{FF2B5EF4-FFF2-40B4-BE49-F238E27FC236}">
+                  <a16:creationId xmlns:a16="http://schemas.microsoft.com/office/drawing/2014/main" id="{934C20A8-D62F-4C2A-914F-B6DEED7F7EC6}"/>
+                </a:ext>
+              </a:extLst>
+            </p:cNvPr>
+            <p:cNvSpPr txBox="1">
+              <a:spLocks noChangeArrowheads="1"/>
+            </p:cNvSpPr>
+            <p:nvPr/>
+          </p:nvSpPr>
+          <p:spPr bwMode="auto">
+            <a:xfrm>
+              <a:off x="8438433" y="5847887"/>
+              <a:ext cx="206218" cy="309327"/>
+            </a:xfrm>
+            <a:prstGeom prst="rect">
+              <a:avLst/>
+            </a:prstGeom>
+            <a:grpFill/>
+            <a:ln>
+              <a:noFill/>
+            </a:ln>
+            <a:extLst>
+              <a:ext uri="{91240B29-F687-4F45-9708-019B960494DF}">
+                <a14:hiddenLine xmlns:a14="http://schemas.microsoft.com/office/drawing/2010/main" w="9525">
+                  <a:solidFill>
+                    <a:srgbClr val="000000"/>
+                  </a:solidFill>
+                  <a:miter lim="800000"/>
+                  <a:headEnd/>
+                  <a:tailEnd/>
+                </a14:hiddenLine>
+              </a:ext>
+            </a:extLst>
+          </p:spPr>
+          <p:txBody>
+            <a:bodyPr wrap="none">
+              <a:spAutoFit/>
+            </a:bodyPr>
+            <a:lstStyle>
+              <a:lvl1pPr eaLnBrk="0" hangingPunct="0">
+                <a:defRPr sz="2400">
+                  <a:solidFill>
+                    <a:schemeClr val="tx1"/>
+                  </a:solidFill>
+                  <a:latin typeface="Times New Roman" panose="02020603050405020304" pitchFamily="18" charset="0"/>
+                </a:defRPr>
+              </a:lvl1pPr>
+              <a:lvl2pPr marL="742950" indent="-285750" eaLnBrk="0" hangingPunct="0">
+                <a:defRPr sz="2400">
+                  <a:solidFill>
+                    <a:schemeClr val="tx1"/>
+                  </a:solidFill>
+                  <a:latin typeface="Times New Roman" panose="02020603050405020304" pitchFamily="18" charset="0"/>
+                </a:defRPr>
+              </a:lvl2pPr>
+              <a:lvl3pPr marL="1143000" indent="-228600" eaLnBrk="0" hangingPunct="0">
+                <a:defRPr sz="2400">
+                  <a:solidFill>
+                    <a:schemeClr val="tx1"/>
+                  </a:solidFill>
+                  <a:latin typeface="Times New Roman" panose="02020603050405020304" pitchFamily="18" charset="0"/>
+                </a:defRPr>
+              </a:lvl3pPr>
+              <a:lvl4pPr marL="1600200" indent="-228600" eaLnBrk="0" hangingPunct="0">
+                <a:defRPr sz="2400">
+                  <a:solidFill>
+                    <a:schemeClr val="tx1"/>
+                  </a:solidFill>
+                  <a:latin typeface="Times New Roman" panose="02020603050405020304" pitchFamily="18" charset="0"/>
+                </a:defRPr>
+              </a:lvl4pPr>
+              <a:lvl5pPr marL="2057400" indent="-228600" eaLnBrk="0" hangingPunct="0">
+                <a:defRPr sz="2400">
+                  <a:solidFill>
+                    <a:schemeClr val="tx1"/>
+                  </a:solidFill>
+                  <a:latin typeface="Times New Roman" panose="02020603050405020304" pitchFamily="18" charset="0"/>
+                </a:defRPr>
+              </a:lvl5pPr>
+              <a:lvl6pPr marL="2514600" indent="-228600" algn="ctr" eaLnBrk="0" fontAlgn="base" hangingPunct="0">
+                <a:spcBef>
+                  <a:spcPct val="0"/>
+                </a:spcBef>
+                <a:spcAft>
+                  <a:spcPct val="0"/>
+                </a:spcAft>
+                <a:defRPr sz="2400">
+                  <a:solidFill>
+                    <a:schemeClr val="tx1"/>
+                  </a:solidFill>
+                  <a:latin typeface="Times New Roman" panose="02020603050405020304" pitchFamily="18" charset="0"/>
+                </a:defRPr>
+              </a:lvl6pPr>
+              <a:lvl7pPr marL="2971800" indent="-228600" algn="ctr" eaLnBrk="0" fontAlgn="base" hangingPunct="0">
+                <a:spcBef>
+                  <a:spcPct val="0"/>
+                </a:spcBef>
+                <a:spcAft>
+                  <a:spcPct val="0"/>
+                </a:spcAft>
+                <a:defRPr sz="2400">
+                  <a:solidFill>
+                    <a:schemeClr val="tx1"/>
+                  </a:solidFill>
+                  <a:latin typeface="Times New Roman" panose="02020603050405020304" pitchFamily="18" charset="0"/>
+                </a:defRPr>
+              </a:lvl7pPr>
+              <a:lvl8pPr marL="3429000" indent="-228600" algn="ctr" eaLnBrk="0" fontAlgn="base" hangingPunct="0">
+                <a:spcBef>
+                  <a:spcPct val="0"/>
+                </a:spcBef>
+                <a:spcAft>
+                  <a:spcPct val="0"/>
+                </a:spcAft>
+                <a:defRPr sz="2400">
+                  <a:solidFill>
+                    <a:schemeClr val="tx1"/>
+                  </a:solidFill>
+                  <a:latin typeface="Times New Roman" panose="02020603050405020304" pitchFamily="18" charset="0"/>
+                </a:defRPr>
+              </a:lvl8pPr>
+              <a:lvl9pPr marL="3886200" indent="-228600" algn="ctr" eaLnBrk="0" fontAlgn="base" hangingPunct="0">
+                <a:spcBef>
+                  <a:spcPct val="0"/>
+                </a:spcBef>
+                <a:spcAft>
+                  <a:spcPct val="0"/>
+                </a:spcAft>
+                <a:defRPr sz="2400">
+                  <a:solidFill>
+                    <a:schemeClr val="tx1"/>
+                  </a:solidFill>
+                  <a:latin typeface="Times New Roman" panose="02020603050405020304" pitchFamily="18" charset="0"/>
+                </a:defRPr>
+              </a:lvl9pPr>
+            </a:lstStyle>
+            <a:p>
+              <a:pPr algn="l" eaLnBrk="1" hangingPunct="1"/>
+              <a:r>
+                <a:rPr lang="en-US" altLang="en-US" sz="3200"/>
+                <a:t>4</a:t>
+              </a:r>
+            </a:p>
+          </p:txBody>
+        </p:sp>
+      </p:grpSp>
+      <p:sp>
+        <p:nvSpPr>
+          <p:cNvPr id="29" name="Content Placeholder 2">
+            <a:extLst>
+              <a:ext uri="{FF2B5EF4-FFF2-40B4-BE49-F238E27FC236}">
+                <a16:creationId xmlns:a16="http://schemas.microsoft.com/office/drawing/2014/main" id="{E448B374-7B5E-4549-825B-0B202CE41597}"/>
+              </a:ext>
+            </a:extLst>
+          </p:cNvPr>
+          <p:cNvSpPr>
+            <a:spLocks noGrp="1"/>
+          </p:cNvSpPr>
+          <p:nvPr>
+            <p:ph idx="1"/>
+          </p:nvPr>
+        </p:nvSpPr>
+        <p:spPr>
+          <a:xfrm>
+            <a:off x="228600" y="801469"/>
+            <a:ext cx="8686800" cy="5486400"/>
+          </a:xfrm>
+        </p:spPr>
+        <p:txBody>
+          <a:bodyPr>
+            <a:normAutofit/>
+          </a:bodyPr>
+          <a:lstStyle/>
+          <a:p>
+            <a:r>
+              <a:rPr lang="en-US" sz="2000" dirty="0"/>
+              <a:t>This idea is similar in spirit to Alpha-Beta pruning. If a possibility is bad, you don’t need to find out exactly how bad it is.</a:t>
+            </a:r>
+          </a:p>
+          <a:p>
+            <a:r>
+              <a:rPr lang="en-US" sz="2000" dirty="0"/>
+              <a:t>Suppose we are beginning our search, our </a:t>
+            </a:r>
+            <a:r>
+              <a:rPr lang="en-US" sz="2000" i="1" dirty="0"/>
+              <a:t>best-so-far </a:t>
+            </a:r>
+            <a:r>
+              <a:rPr lang="en-US" sz="2000" dirty="0"/>
+              <a:t>is initialize to 0.</a:t>
+            </a:r>
+          </a:p>
+          <a:p>
+            <a:r>
+              <a:rPr lang="en-US" sz="2000" dirty="0"/>
+              <a:t>… we evaluate feature 1, getting 90% accuracy, so we set our best-so-far to be 90% </a:t>
+            </a:r>
+          </a:p>
+          <a:p>
+            <a:r>
+              <a:rPr lang="en-US" sz="2000" dirty="0"/>
+              <a:t>Now, as we are doing leave-one-out on feature 2, we get one instance wrong, then another, then another..</a:t>
+            </a:r>
+          </a:p>
+          <a:p>
+            <a:r>
+              <a:rPr lang="en-US" sz="2000" dirty="0"/>
+              <a:t>If we get 11 instances wrong, why bother to continue? Instead, just return zero!</a:t>
+            </a:r>
+          </a:p>
+          <a:p>
+            <a:endParaRPr lang="en-US" sz="2000" dirty="0"/>
+          </a:p>
+        </p:txBody>
+      </p:sp>
+      <p:sp>
+        <p:nvSpPr>
+          <p:cNvPr id="30" name="Rectangle 29">
+            <a:extLst>
+              <a:ext uri="{FF2B5EF4-FFF2-40B4-BE49-F238E27FC236}">
+                <a16:creationId xmlns:a16="http://schemas.microsoft.com/office/drawing/2014/main" id="{9F3D281B-7040-4D60-AE81-0C68596E10F0}"/>
+              </a:ext>
+            </a:extLst>
+          </p:cNvPr>
+          <p:cNvSpPr/>
+          <p:nvPr/>
+        </p:nvSpPr>
+        <p:spPr>
+          <a:xfrm>
+            <a:off x="304800" y="65087"/>
+            <a:ext cx="3780907" cy="523220"/>
+          </a:xfrm>
+          <a:prstGeom prst="rect">
+            <a:avLst/>
+          </a:prstGeom>
+        </p:spPr>
+        <p:txBody>
+          <a:bodyPr wrap="none">
+            <a:spAutoFit/>
+          </a:bodyPr>
+          <a:lstStyle/>
+          <a:p>
+            <a:r>
+              <a:rPr lang="en-US" sz="2800" dirty="0"/>
+              <a:t>Making the search faster</a:t>
+            </a:r>
+          </a:p>
+        </p:txBody>
+      </p:sp>
+      <p:sp>
+        <p:nvSpPr>
+          <p:cNvPr id="2" name="Rectangle 1">
+            <a:extLst>
+              <a:ext uri="{FF2B5EF4-FFF2-40B4-BE49-F238E27FC236}">
+                <a16:creationId xmlns:a16="http://schemas.microsoft.com/office/drawing/2014/main" id="{C0394713-ABD8-4852-AA28-C52A48D70E6D}"/>
+              </a:ext>
+            </a:extLst>
+          </p:cNvPr>
+          <p:cNvSpPr/>
+          <p:nvPr/>
+        </p:nvSpPr>
+        <p:spPr>
+          <a:xfrm>
+            <a:off x="3350206" y="5894095"/>
+            <a:ext cx="636713" cy="369332"/>
+          </a:xfrm>
+          <a:prstGeom prst="rect">
+            <a:avLst/>
+          </a:prstGeom>
+        </p:spPr>
+        <p:txBody>
+          <a:bodyPr wrap="none">
+            <a:spAutoFit/>
+          </a:bodyPr>
+          <a:lstStyle/>
+          <a:p>
+            <a:r>
+              <a:rPr lang="en-US" dirty="0"/>
+              <a:t>90% </a:t>
+            </a:r>
+          </a:p>
+        </p:txBody>
+      </p:sp>
+    </p:spTree>
+    <p:extLst>
+      <p:ext uri="{BB962C8B-B14F-4D97-AF65-F5344CB8AC3E}">
+        <p14:creationId xmlns:p14="http://schemas.microsoft.com/office/powerpoint/2010/main" val="1426896012"/>
+      </p:ext>
+    </p:extLst>
+  </p:cSld>
+  <p:clrMapOvr>
+    <a:masterClrMapping/>
+  </p:clrMapOvr>
+</p:sld>
+</file>
+
+<file path=ppt/slides/slide31.xml><?xml version="1.0" encoding="utf-8"?>
+<p:sld xmlns:a="http://schemas.openxmlformats.org/drawingml/2006/main" xmlns:r="http://schemas.openxmlformats.org/officeDocument/2006/relationships" xmlns:p="http://schemas.openxmlformats.org/presentationml/2006/main">
+  <p:cSld>
+    <p:spTree>
+      <p:nvGrpSpPr>
+        <p:cNvPr id="1" name=""/>
+        <p:cNvGrpSpPr/>
+        <p:nvPr/>
+      </p:nvGrpSpPr>
+      <p:grpSpPr>
+        <a:xfrm>
+          <a:off x="0" y="0"/>
+          <a:ext cx="0" cy="0"/>
+          <a:chOff x="0" y="0"/>
+          <a:chExt cx="0" cy="0"/>
+        </a:xfrm>
+      </p:grpSpPr>
+      <p:grpSp>
+        <p:nvGrpSpPr>
+          <p:cNvPr id="28" name="Group 27">
+            <a:extLst>
+              <a:ext uri="{FF2B5EF4-FFF2-40B4-BE49-F238E27FC236}">
+                <a16:creationId xmlns:a16="http://schemas.microsoft.com/office/drawing/2014/main" id="{145D0E9C-8122-4AAA-B846-953495F14649}"/>
+              </a:ext>
+            </a:extLst>
+          </p:cNvPr>
+          <p:cNvGrpSpPr/>
+          <p:nvPr/>
+        </p:nvGrpSpPr>
+        <p:grpSpPr>
+          <a:xfrm>
+            <a:off x="3248186" y="4319670"/>
+            <a:ext cx="5664339" cy="1636928"/>
+            <a:chOff x="5792283" y="5323893"/>
+            <a:chExt cx="2996256" cy="865883"/>
+          </a:xfrm>
+          <a:noFill/>
+        </p:grpSpPr>
+        <p:sp>
+          <p:nvSpPr>
+            <p:cNvPr id="4" name="Line 4">
+              <a:extLst>
+                <a:ext uri="{FF2B5EF4-FFF2-40B4-BE49-F238E27FC236}">
+                  <a16:creationId xmlns:a16="http://schemas.microsoft.com/office/drawing/2014/main" id="{AE685E61-EA11-4D5B-81F9-AECD4F49B921}"/>
+                </a:ext>
+              </a:extLst>
+            </p:cNvPr>
+            <p:cNvSpPr>
+              <a:spLocks noChangeShapeType="1"/>
+            </p:cNvSpPr>
+            <p:nvPr/>
+          </p:nvSpPr>
+          <p:spPr bwMode="auto">
+            <a:xfrm flipH="1">
+              <a:off x="6250949" y="5497589"/>
+              <a:ext cx="825056" cy="390816"/>
+            </a:xfrm>
+            <a:prstGeom prst="line">
+              <a:avLst/>
+            </a:prstGeom>
+            <a:grpFill/>
+            <a:ln w="9525">
+              <a:solidFill>
+                <a:schemeClr val="tx1"/>
+              </a:solidFill>
+              <a:round/>
+              <a:headEnd/>
+              <a:tailEnd type="triangle" w="med" len="lg"/>
+            </a:ln>
+            <a:extLst/>
+          </p:spPr>
+          <p:txBody>
+            <a:bodyPr/>
+            <a:lstStyle/>
+            <a:p>
+              <a:endParaRPr lang="en-US" sz="2000"/>
+            </a:p>
+          </p:txBody>
+        </p:sp>
+        <p:sp>
+          <p:nvSpPr>
+            <p:cNvPr id="5" name="Line 5">
+              <a:extLst>
+                <a:ext uri="{FF2B5EF4-FFF2-40B4-BE49-F238E27FC236}">
+                  <a16:creationId xmlns:a16="http://schemas.microsoft.com/office/drawing/2014/main" id="{131697A0-03B9-4378-B8CE-85730C3F77D7}"/>
+                </a:ext>
+              </a:extLst>
+            </p:cNvPr>
+            <p:cNvSpPr>
+              <a:spLocks noChangeShapeType="1"/>
+            </p:cNvSpPr>
+            <p:nvPr/>
+          </p:nvSpPr>
+          <p:spPr bwMode="auto">
+            <a:xfrm>
+              <a:off x="7510245" y="5497589"/>
+              <a:ext cx="825056" cy="390816"/>
+            </a:xfrm>
+            <a:prstGeom prst="line">
+              <a:avLst/>
+            </a:prstGeom>
+            <a:grpFill/>
+            <a:ln w="9525">
+              <a:solidFill>
+                <a:schemeClr val="tx1"/>
+              </a:solidFill>
+              <a:round/>
+              <a:headEnd/>
+              <a:tailEnd type="triangle" w="med" len="lg"/>
+            </a:ln>
+            <a:extLst/>
+          </p:spPr>
+          <p:txBody>
+            <a:bodyPr/>
+            <a:lstStyle/>
+            <a:p>
+              <a:endParaRPr lang="en-US" sz="2000"/>
+            </a:p>
+          </p:txBody>
+        </p:sp>
+        <p:sp>
+          <p:nvSpPr>
+            <p:cNvPr id="6" name="Line 6">
+              <a:extLst>
+                <a:ext uri="{FF2B5EF4-FFF2-40B4-BE49-F238E27FC236}">
+                  <a16:creationId xmlns:a16="http://schemas.microsoft.com/office/drawing/2014/main" id="{3CA2CB8A-FBE6-4228-8406-AC6C845858DE}"/>
+                </a:ext>
+              </a:extLst>
+            </p:cNvPr>
+            <p:cNvSpPr>
+              <a:spLocks noChangeShapeType="1"/>
+            </p:cNvSpPr>
+            <p:nvPr/>
+          </p:nvSpPr>
+          <p:spPr bwMode="auto">
+            <a:xfrm flipH="1">
+              <a:off x="6989157" y="5584437"/>
+              <a:ext cx="217120" cy="260544"/>
+            </a:xfrm>
+            <a:prstGeom prst="line">
+              <a:avLst/>
+            </a:prstGeom>
+            <a:grpFill/>
+            <a:ln w="9525">
+              <a:solidFill>
+                <a:schemeClr val="tx1"/>
+              </a:solidFill>
+              <a:round/>
+              <a:headEnd/>
+              <a:tailEnd type="triangle" w="med" len="lg"/>
+            </a:ln>
+            <a:extLst/>
+          </p:spPr>
+          <p:txBody>
+            <a:bodyPr/>
+            <a:lstStyle/>
+            <a:p>
+              <a:endParaRPr lang="en-US" sz="2000"/>
+            </a:p>
+          </p:txBody>
+        </p:sp>
+        <p:sp>
+          <p:nvSpPr>
+            <p:cNvPr id="7" name="Line 7">
+              <a:extLst>
+                <a:ext uri="{FF2B5EF4-FFF2-40B4-BE49-F238E27FC236}">
+                  <a16:creationId xmlns:a16="http://schemas.microsoft.com/office/drawing/2014/main" id="{705891D6-B501-42D0-8A8D-26B68F3D82A9}"/>
+                </a:ext>
+              </a:extLst>
+            </p:cNvPr>
+            <p:cNvSpPr>
+              <a:spLocks noChangeShapeType="1"/>
+            </p:cNvSpPr>
+            <p:nvPr/>
+          </p:nvSpPr>
+          <p:spPr bwMode="auto">
+            <a:xfrm>
+              <a:off x="7379973" y="5584437"/>
+              <a:ext cx="217120" cy="260544"/>
+            </a:xfrm>
+            <a:prstGeom prst="line">
+              <a:avLst/>
+            </a:prstGeom>
+            <a:grpFill/>
+            <a:ln w="9525">
+              <a:solidFill>
+                <a:schemeClr val="tx1"/>
+              </a:solidFill>
+              <a:round/>
+              <a:headEnd/>
+              <a:tailEnd type="triangle" w="med" len="lg"/>
+            </a:ln>
+            <a:extLst/>
+          </p:spPr>
+          <p:txBody>
+            <a:bodyPr/>
+            <a:lstStyle/>
+            <a:p>
+              <a:endParaRPr lang="en-US" sz="2000"/>
+            </a:p>
+          </p:txBody>
+        </p:sp>
+        <p:sp>
+          <p:nvSpPr>
+            <p:cNvPr id="13" name="Oval 35">
+              <a:extLst>
+                <a:ext uri="{FF2B5EF4-FFF2-40B4-BE49-F238E27FC236}">
+                  <a16:creationId xmlns:a16="http://schemas.microsoft.com/office/drawing/2014/main" id="{2C59FB72-EB49-472E-9901-EE72BADDFBB4}"/>
+                </a:ext>
+              </a:extLst>
+            </p:cNvPr>
+            <p:cNvSpPr>
+              <a:spLocks noChangeArrowheads="1"/>
+            </p:cNvSpPr>
+            <p:nvPr/>
+          </p:nvSpPr>
+          <p:spPr bwMode="auto">
+            <a:xfrm>
+              <a:off x="5792283" y="5844981"/>
+              <a:ext cx="521088" cy="313015"/>
+            </a:xfrm>
+            <a:prstGeom prst="ellipse">
+              <a:avLst/>
+            </a:prstGeom>
+            <a:grpFill/>
+            <a:ln w="12700">
+              <a:solidFill>
+                <a:schemeClr val="tx1"/>
+              </a:solidFill>
+              <a:round/>
+              <a:headEnd/>
+              <a:tailEnd/>
+            </a:ln>
+            <a:extLst/>
+          </p:spPr>
+          <p:txBody>
+            <a:bodyPr wrap="none" anchor="ctr"/>
+            <a:lstStyle>
+              <a:lvl1pPr eaLnBrk="0" hangingPunct="0">
+                <a:defRPr sz="2400">
+                  <a:solidFill>
+                    <a:schemeClr val="tx1"/>
+                  </a:solidFill>
+                  <a:latin typeface="Times New Roman" panose="02020603050405020304" pitchFamily="18" charset="0"/>
+                </a:defRPr>
+              </a:lvl1pPr>
+              <a:lvl2pPr marL="742950" indent="-285750" eaLnBrk="0" hangingPunct="0">
+                <a:defRPr sz="2400">
+                  <a:solidFill>
+                    <a:schemeClr val="tx1"/>
+                  </a:solidFill>
+                  <a:latin typeface="Times New Roman" panose="02020603050405020304" pitchFamily="18" charset="0"/>
+                </a:defRPr>
+              </a:lvl2pPr>
+              <a:lvl3pPr marL="1143000" indent="-228600" eaLnBrk="0" hangingPunct="0">
+                <a:defRPr sz="2400">
+                  <a:solidFill>
+                    <a:schemeClr val="tx1"/>
+                  </a:solidFill>
+                  <a:latin typeface="Times New Roman" panose="02020603050405020304" pitchFamily="18" charset="0"/>
+                </a:defRPr>
+              </a:lvl3pPr>
+              <a:lvl4pPr marL="1600200" indent="-228600" eaLnBrk="0" hangingPunct="0">
+                <a:defRPr sz="2400">
+                  <a:solidFill>
+                    <a:schemeClr val="tx1"/>
+                  </a:solidFill>
+                  <a:latin typeface="Times New Roman" panose="02020603050405020304" pitchFamily="18" charset="0"/>
+                </a:defRPr>
+              </a:lvl4pPr>
+              <a:lvl5pPr marL="2057400" indent="-228600" eaLnBrk="0" hangingPunct="0">
+                <a:defRPr sz="2400">
+                  <a:solidFill>
+                    <a:schemeClr val="tx1"/>
+                  </a:solidFill>
+                  <a:latin typeface="Times New Roman" panose="02020603050405020304" pitchFamily="18" charset="0"/>
+                </a:defRPr>
+              </a:lvl5pPr>
+              <a:lvl6pPr marL="2514600" indent="-228600" algn="ctr" eaLnBrk="0" fontAlgn="base" hangingPunct="0">
+                <a:spcBef>
+                  <a:spcPct val="0"/>
+                </a:spcBef>
+                <a:spcAft>
+                  <a:spcPct val="0"/>
+                </a:spcAft>
+                <a:defRPr sz="2400">
+                  <a:solidFill>
+                    <a:schemeClr val="tx1"/>
+                  </a:solidFill>
+                  <a:latin typeface="Times New Roman" panose="02020603050405020304" pitchFamily="18" charset="0"/>
+                </a:defRPr>
+              </a:lvl6pPr>
+              <a:lvl7pPr marL="2971800" indent="-228600" algn="ctr" eaLnBrk="0" fontAlgn="base" hangingPunct="0">
+                <a:spcBef>
+                  <a:spcPct val="0"/>
+                </a:spcBef>
+                <a:spcAft>
+                  <a:spcPct val="0"/>
+                </a:spcAft>
+                <a:defRPr sz="2400">
+                  <a:solidFill>
+                    <a:schemeClr val="tx1"/>
+                  </a:solidFill>
+                  <a:latin typeface="Times New Roman" panose="02020603050405020304" pitchFamily="18" charset="0"/>
+                </a:defRPr>
+              </a:lvl7pPr>
+              <a:lvl8pPr marL="3429000" indent="-228600" algn="ctr" eaLnBrk="0" fontAlgn="base" hangingPunct="0">
+                <a:spcBef>
+                  <a:spcPct val="0"/>
+                </a:spcBef>
+                <a:spcAft>
+                  <a:spcPct val="0"/>
+                </a:spcAft>
+                <a:defRPr sz="2400">
+                  <a:solidFill>
+                    <a:schemeClr val="tx1"/>
+                  </a:solidFill>
+                  <a:latin typeface="Times New Roman" panose="02020603050405020304" pitchFamily="18" charset="0"/>
+                </a:defRPr>
+              </a:lvl8pPr>
+              <a:lvl9pPr marL="3886200" indent="-228600" algn="ctr" eaLnBrk="0" fontAlgn="base" hangingPunct="0">
+                <a:spcBef>
+                  <a:spcPct val="0"/>
+                </a:spcBef>
+                <a:spcAft>
+                  <a:spcPct val="0"/>
+                </a:spcAft>
+                <a:defRPr sz="2400">
+                  <a:solidFill>
+                    <a:schemeClr val="tx1"/>
+                  </a:solidFill>
+                  <a:latin typeface="Times New Roman" panose="02020603050405020304" pitchFamily="18" charset="0"/>
+                </a:defRPr>
+              </a:lvl9pPr>
+            </a:lstStyle>
+            <a:p>
+              <a:pPr eaLnBrk="1" hangingPunct="1"/>
+              <a:endParaRPr lang="en-US" altLang="en-US" sz="2800"/>
+            </a:p>
+          </p:txBody>
+        </p:sp>
+        <p:sp>
+          <p:nvSpPr>
+            <p:cNvPr id="14" name="Oval 36">
+              <a:extLst>
+                <a:ext uri="{FF2B5EF4-FFF2-40B4-BE49-F238E27FC236}">
+                  <a16:creationId xmlns:a16="http://schemas.microsoft.com/office/drawing/2014/main" id="{3C47587B-AE3A-4877-82F6-7923D9C5DFFB}"/>
+                </a:ext>
+              </a:extLst>
+            </p:cNvPr>
+            <p:cNvSpPr>
+              <a:spLocks noChangeArrowheads="1"/>
+            </p:cNvSpPr>
+            <p:nvPr/>
+          </p:nvSpPr>
+          <p:spPr bwMode="auto">
+            <a:xfrm>
+              <a:off x="7076005" y="5323893"/>
+              <a:ext cx="434240" cy="260544"/>
+            </a:xfrm>
+            <a:prstGeom prst="ellipse">
+              <a:avLst/>
+            </a:prstGeom>
+            <a:grpFill/>
+            <a:ln w="12700">
+              <a:solidFill>
+                <a:schemeClr val="tx1"/>
+              </a:solidFill>
+              <a:round/>
+              <a:headEnd/>
+              <a:tailEnd/>
+            </a:ln>
+            <a:extLst/>
+          </p:spPr>
+          <p:txBody>
+            <a:bodyPr wrap="none" anchor="ctr"/>
+            <a:lstStyle>
+              <a:lvl1pPr eaLnBrk="0" hangingPunct="0">
+                <a:defRPr sz="2400">
+                  <a:solidFill>
+                    <a:schemeClr val="tx1"/>
+                  </a:solidFill>
+                  <a:latin typeface="Times New Roman" panose="02020603050405020304" pitchFamily="18" charset="0"/>
+                </a:defRPr>
+              </a:lvl1pPr>
+              <a:lvl2pPr marL="742950" indent="-285750" eaLnBrk="0" hangingPunct="0">
+                <a:defRPr sz="2400">
+                  <a:solidFill>
+                    <a:schemeClr val="tx1"/>
+                  </a:solidFill>
+                  <a:latin typeface="Times New Roman" panose="02020603050405020304" pitchFamily="18" charset="0"/>
+                </a:defRPr>
+              </a:lvl2pPr>
+              <a:lvl3pPr marL="1143000" indent="-228600" eaLnBrk="0" hangingPunct="0">
+                <a:defRPr sz="2400">
+                  <a:solidFill>
+                    <a:schemeClr val="tx1"/>
+                  </a:solidFill>
+                  <a:latin typeface="Times New Roman" panose="02020603050405020304" pitchFamily="18" charset="0"/>
+                </a:defRPr>
+              </a:lvl3pPr>
+              <a:lvl4pPr marL="1600200" indent="-228600" eaLnBrk="0" hangingPunct="0">
+                <a:defRPr sz="2400">
+                  <a:solidFill>
+                    <a:schemeClr val="tx1"/>
+                  </a:solidFill>
+                  <a:latin typeface="Times New Roman" panose="02020603050405020304" pitchFamily="18" charset="0"/>
+                </a:defRPr>
+              </a:lvl4pPr>
+              <a:lvl5pPr marL="2057400" indent="-228600" eaLnBrk="0" hangingPunct="0">
+                <a:defRPr sz="2400">
+                  <a:solidFill>
+                    <a:schemeClr val="tx1"/>
+                  </a:solidFill>
+                  <a:latin typeface="Times New Roman" panose="02020603050405020304" pitchFamily="18" charset="0"/>
+                </a:defRPr>
+              </a:lvl5pPr>
+              <a:lvl6pPr marL="2514600" indent="-228600" algn="ctr" eaLnBrk="0" fontAlgn="base" hangingPunct="0">
+                <a:spcBef>
+                  <a:spcPct val="0"/>
+                </a:spcBef>
+                <a:spcAft>
+                  <a:spcPct val="0"/>
+                </a:spcAft>
+                <a:defRPr sz="2400">
+                  <a:solidFill>
+                    <a:schemeClr val="tx1"/>
+                  </a:solidFill>
+                  <a:latin typeface="Times New Roman" panose="02020603050405020304" pitchFamily="18" charset="0"/>
+                </a:defRPr>
+              </a:lvl6pPr>
+              <a:lvl7pPr marL="2971800" indent="-228600" algn="ctr" eaLnBrk="0" fontAlgn="base" hangingPunct="0">
+                <a:spcBef>
+                  <a:spcPct val="0"/>
+                </a:spcBef>
+                <a:spcAft>
+                  <a:spcPct val="0"/>
+                </a:spcAft>
+                <a:defRPr sz="2400">
+                  <a:solidFill>
+                    <a:schemeClr val="tx1"/>
+                  </a:solidFill>
+                  <a:latin typeface="Times New Roman" panose="02020603050405020304" pitchFamily="18" charset="0"/>
+                </a:defRPr>
+              </a:lvl7pPr>
+              <a:lvl8pPr marL="3429000" indent="-228600" algn="ctr" eaLnBrk="0" fontAlgn="base" hangingPunct="0">
+                <a:spcBef>
+                  <a:spcPct val="0"/>
+                </a:spcBef>
+                <a:spcAft>
+                  <a:spcPct val="0"/>
+                </a:spcAft>
+                <a:defRPr sz="2400">
+                  <a:solidFill>
+                    <a:schemeClr val="tx1"/>
+                  </a:solidFill>
+                  <a:latin typeface="Times New Roman" panose="02020603050405020304" pitchFamily="18" charset="0"/>
+                </a:defRPr>
+              </a:lvl8pPr>
+              <a:lvl9pPr marL="3886200" indent="-228600" algn="ctr" eaLnBrk="0" fontAlgn="base" hangingPunct="0">
+                <a:spcBef>
+                  <a:spcPct val="0"/>
+                </a:spcBef>
+                <a:spcAft>
+                  <a:spcPct val="0"/>
+                </a:spcAft>
+                <a:defRPr sz="2400">
+                  <a:solidFill>
+                    <a:schemeClr val="tx1"/>
+                  </a:solidFill>
+                  <a:latin typeface="Times New Roman" panose="02020603050405020304" pitchFamily="18" charset="0"/>
+                </a:defRPr>
+              </a:lvl9pPr>
+            </a:lstStyle>
+            <a:p>
+              <a:pPr eaLnBrk="1" hangingPunct="1"/>
+              <a:endParaRPr lang="en-US" altLang="en-US" sz="2800"/>
+            </a:p>
+          </p:txBody>
+        </p:sp>
+        <p:sp>
+          <p:nvSpPr>
+            <p:cNvPr id="15" name="Oval 37">
+              <a:extLst>
+                <a:ext uri="{FF2B5EF4-FFF2-40B4-BE49-F238E27FC236}">
+                  <a16:creationId xmlns:a16="http://schemas.microsoft.com/office/drawing/2014/main" id="{66D7F9ED-42D7-4996-A5BA-6781D007B18D}"/>
+                </a:ext>
+              </a:extLst>
+            </p:cNvPr>
+            <p:cNvSpPr>
+              <a:spLocks noChangeArrowheads="1"/>
+            </p:cNvSpPr>
+            <p:nvPr/>
+          </p:nvSpPr>
+          <p:spPr bwMode="auto">
+            <a:xfrm>
+              <a:off x="8267451" y="5844981"/>
+              <a:ext cx="521088" cy="313015"/>
+            </a:xfrm>
+            <a:prstGeom prst="ellipse">
+              <a:avLst/>
+            </a:prstGeom>
+            <a:grpFill/>
+            <a:ln w="12700">
+              <a:solidFill>
+                <a:schemeClr val="tx1"/>
+              </a:solidFill>
+              <a:round/>
+              <a:headEnd/>
+              <a:tailEnd/>
+            </a:ln>
+            <a:extLst/>
+          </p:spPr>
+          <p:txBody>
+            <a:bodyPr wrap="none" anchor="ctr"/>
+            <a:lstStyle>
+              <a:lvl1pPr eaLnBrk="0" hangingPunct="0">
+                <a:defRPr sz="2400">
+                  <a:solidFill>
+                    <a:schemeClr val="tx1"/>
+                  </a:solidFill>
+                  <a:latin typeface="Times New Roman" panose="02020603050405020304" pitchFamily="18" charset="0"/>
+                </a:defRPr>
+              </a:lvl1pPr>
+              <a:lvl2pPr marL="742950" indent="-285750" eaLnBrk="0" hangingPunct="0">
+                <a:defRPr sz="2400">
+                  <a:solidFill>
+                    <a:schemeClr val="tx1"/>
+                  </a:solidFill>
+                  <a:latin typeface="Times New Roman" panose="02020603050405020304" pitchFamily="18" charset="0"/>
+                </a:defRPr>
+              </a:lvl2pPr>
+              <a:lvl3pPr marL="1143000" indent="-228600" eaLnBrk="0" hangingPunct="0">
+                <a:defRPr sz="2400">
+                  <a:solidFill>
+                    <a:schemeClr val="tx1"/>
+                  </a:solidFill>
+                  <a:latin typeface="Times New Roman" panose="02020603050405020304" pitchFamily="18" charset="0"/>
+                </a:defRPr>
+              </a:lvl3pPr>
+              <a:lvl4pPr marL="1600200" indent="-228600" eaLnBrk="0" hangingPunct="0">
+                <a:defRPr sz="2400">
+                  <a:solidFill>
+                    <a:schemeClr val="tx1"/>
+                  </a:solidFill>
+                  <a:latin typeface="Times New Roman" panose="02020603050405020304" pitchFamily="18" charset="0"/>
+                </a:defRPr>
+              </a:lvl4pPr>
+              <a:lvl5pPr marL="2057400" indent="-228600" eaLnBrk="0" hangingPunct="0">
+                <a:defRPr sz="2400">
+                  <a:solidFill>
+                    <a:schemeClr val="tx1"/>
+                  </a:solidFill>
+                  <a:latin typeface="Times New Roman" panose="02020603050405020304" pitchFamily="18" charset="0"/>
+                </a:defRPr>
+              </a:lvl5pPr>
+              <a:lvl6pPr marL="2514600" indent="-228600" algn="ctr" eaLnBrk="0" fontAlgn="base" hangingPunct="0">
+                <a:spcBef>
+                  <a:spcPct val="0"/>
+                </a:spcBef>
+                <a:spcAft>
+                  <a:spcPct val="0"/>
+                </a:spcAft>
+                <a:defRPr sz="2400">
+                  <a:solidFill>
+                    <a:schemeClr val="tx1"/>
+                  </a:solidFill>
+                  <a:latin typeface="Times New Roman" panose="02020603050405020304" pitchFamily="18" charset="0"/>
+                </a:defRPr>
+              </a:lvl6pPr>
+              <a:lvl7pPr marL="2971800" indent="-228600" algn="ctr" eaLnBrk="0" fontAlgn="base" hangingPunct="0">
+                <a:spcBef>
+                  <a:spcPct val="0"/>
+                </a:spcBef>
+                <a:spcAft>
+                  <a:spcPct val="0"/>
+                </a:spcAft>
+                <a:defRPr sz="2400">
+                  <a:solidFill>
+                    <a:schemeClr val="tx1"/>
+                  </a:solidFill>
+                  <a:latin typeface="Times New Roman" panose="02020603050405020304" pitchFamily="18" charset="0"/>
+                </a:defRPr>
+              </a:lvl7pPr>
+              <a:lvl8pPr marL="3429000" indent="-228600" algn="ctr" eaLnBrk="0" fontAlgn="base" hangingPunct="0">
+                <a:spcBef>
+                  <a:spcPct val="0"/>
+                </a:spcBef>
+                <a:spcAft>
+                  <a:spcPct val="0"/>
+                </a:spcAft>
+                <a:defRPr sz="2400">
+                  <a:solidFill>
+                    <a:schemeClr val="tx1"/>
+                  </a:solidFill>
+                  <a:latin typeface="Times New Roman" panose="02020603050405020304" pitchFamily="18" charset="0"/>
+                </a:defRPr>
+              </a:lvl8pPr>
+              <a:lvl9pPr marL="3886200" indent="-228600" algn="ctr" eaLnBrk="0" fontAlgn="base" hangingPunct="0">
+                <a:spcBef>
+                  <a:spcPct val="0"/>
+                </a:spcBef>
+                <a:spcAft>
+                  <a:spcPct val="0"/>
+                </a:spcAft>
+                <a:defRPr sz="2400">
+                  <a:solidFill>
+                    <a:schemeClr val="tx1"/>
+                  </a:solidFill>
+                  <a:latin typeface="Times New Roman" panose="02020603050405020304" pitchFamily="18" charset="0"/>
+                </a:defRPr>
+              </a:lvl9pPr>
+            </a:lstStyle>
+            <a:p>
+              <a:pPr eaLnBrk="1" hangingPunct="1"/>
+              <a:endParaRPr lang="en-US" altLang="en-US" sz="2800"/>
+            </a:p>
+          </p:txBody>
+        </p:sp>
+        <p:sp>
+          <p:nvSpPr>
+            <p:cNvPr id="16" name="Oval 38">
+              <a:extLst>
+                <a:ext uri="{FF2B5EF4-FFF2-40B4-BE49-F238E27FC236}">
+                  <a16:creationId xmlns:a16="http://schemas.microsoft.com/office/drawing/2014/main" id="{7C04C35E-CCA1-4A48-8386-C48C882911A6}"/>
+                </a:ext>
+              </a:extLst>
+            </p:cNvPr>
+            <p:cNvSpPr>
+              <a:spLocks noChangeArrowheads="1"/>
+            </p:cNvSpPr>
+            <p:nvPr/>
+          </p:nvSpPr>
+          <p:spPr bwMode="auto">
+            <a:xfrm>
+              <a:off x="7442395" y="5844981"/>
+              <a:ext cx="521088" cy="313015"/>
+            </a:xfrm>
+            <a:prstGeom prst="ellipse">
+              <a:avLst/>
+            </a:prstGeom>
+            <a:grpFill/>
+            <a:ln w="12700">
+              <a:solidFill>
+                <a:schemeClr val="tx1"/>
+              </a:solidFill>
+              <a:round/>
+              <a:headEnd/>
+              <a:tailEnd/>
+            </a:ln>
+            <a:extLst/>
+          </p:spPr>
+          <p:txBody>
+            <a:bodyPr wrap="none" anchor="ctr"/>
+            <a:lstStyle>
+              <a:lvl1pPr eaLnBrk="0" hangingPunct="0">
+                <a:defRPr sz="2400">
+                  <a:solidFill>
+                    <a:schemeClr val="tx1"/>
+                  </a:solidFill>
+                  <a:latin typeface="Times New Roman" panose="02020603050405020304" pitchFamily="18" charset="0"/>
+                </a:defRPr>
+              </a:lvl1pPr>
+              <a:lvl2pPr marL="742950" indent="-285750" eaLnBrk="0" hangingPunct="0">
+                <a:defRPr sz="2400">
+                  <a:solidFill>
+                    <a:schemeClr val="tx1"/>
+                  </a:solidFill>
+                  <a:latin typeface="Times New Roman" panose="02020603050405020304" pitchFamily="18" charset="0"/>
+                </a:defRPr>
+              </a:lvl2pPr>
+              <a:lvl3pPr marL="1143000" indent="-228600" eaLnBrk="0" hangingPunct="0">
+                <a:defRPr sz="2400">
+                  <a:solidFill>
+                    <a:schemeClr val="tx1"/>
+                  </a:solidFill>
+                  <a:latin typeface="Times New Roman" panose="02020603050405020304" pitchFamily="18" charset="0"/>
+                </a:defRPr>
+              </a:lvl3pPr>
+              <a:lvl4pPr marL="1600200" indent="-228600" eaLnBrk="0" hangingPunct="0">
+                <a:defRPr sz="2400">
+                  <a:solidFill>
+                    <a:schemeClr val="tx1"/>
+                  </a:solidFill>
+                  <a:latin typeface="Times New Roman" panose="02020603050405020304" pitchFamily="18" charset="0"/>
+                </a:defRPr>
+              </a:lvl4pPr>
+              <a:lvl5pPr marL="2057400" indent="-228600" eaLnBrk="0" hangingPunct="0">
+                <a:defRPr sz="2400">
+                  <a:solidFill>
+                    <a:schemeClr val="tx1"/>
+                  </a:solidFill>
+                  <a:latin typeface="Times New Roman" panose="02020603050405020304" pitchFamily="18" charset="0"/>
+                </a:defRPr>
+              </a:lvl5pPr>
+              <a:lvl6pPr marL="2514600" indent="-228600" algn="ctr" eaLnBrk="0" fontAlgn="base" hangingPunct="0">
+                <a:spcBef>
+                  <a:spcPct val="0"/>
+                </a:spcBef>
+                <a:spcAft>
+                  <a:spcPct val="0"/>
+                </a:spcAft>
+                <a:defRPr sz="2400">
+                  <a:solidFill>
+                    <a:schemeClr val="tx1"/>
+                  </a:solidFill>
+                  <a:latin typeface="Times New Roman" panose="02020603050405020304" pitchFamily="18" charset="0"/>
+                </a:defRPr>
+              </a:lvl6pPr>
+              <a:lvl7pPr marL="2971800" indent="-228600" algn="ctr" eaLnBrk="0" fontAlgn="base" hangingPunct="0">
+                <a:spcBef>
+                  <a:spcPct val="0"/>
+                </a:spcBef>
+                <a:spcAft>
+                  <a:spcPct val="0"/>
+                </a:spcAft>
+                <a:defRPr sz="2400">
+                  <a:solidFill>
+                    <a:schemeClr val="tx1"/>
+                  </a:solidFill>
+                  <a:latin typeface="Times New Roman" panose="02020603050405020304" pitchFamily="18" charset="0"/>
+                </a:defRPr>
+              </a:lvl7pPr>
+              <a:lvl8pPr marL="3429000" indent="-228600" algn="ctr" eaLnBrk="0" fontAlgn="base" hangingPunct="0">
+                <a:spcBef>
+                  <a:spcPct val="0"/>
+                </a:spcBef>
+                <a:spcAft>
+                  <a:spcPct val="0"/>
+                </a:spcAft>
+                <a:defRPr sz="2400">
+                  <a:solidFill>
+                    <a:schemeClr val="tx1"/>
+                  </a:solidFill>
+                  <a:latin typeface="Times New Roman" panose="02020603050405020304" pitchFamily="18" charset="0"/>
+                </a:defRPr>
+              </a:lvl8pPr>
+              <a:lvl9pPr marL="3886200" indent="-228600" algn="ctr" eaLnBrk="0" fontAlgn="base" hangingPunct="0">
+                <a:spcBef>
+                  <a:spcPct val="0"/>
+                </a:spcBef>
+                <a:spcAft>
+                  <a:spcPct val="0"/>
+                </a:spcAft>
+                <a:defRPr sz="2400">
+                  <a:solidFill>
+                    <a:schemeClr val="tx1"/>
+                  </a:solidFill>
+                  <a:latin typeface="Times New Roman" panose="02020603050405020304" pitchFamily="18" charset="0"/>
+                </a:defRPr>
+              </a:lvl9pPr>
+            </a:lstStyle>
+            <a:p>
+              <a:pPr eaLnBrk="1" hangingPunct="1"/>
+              <a:endParaRPr lang="en-US" altLang="en-US" sz="2800"/>
+            </a:p>
+          </p:txBody>
+        </p:sp>
+        <p:sp>
+          <p:nvSpPr>
+            <p:cNvPr id="17" name="Oval 39">
+              <a:extLst>
+                <a:ext uri="{FF2B5EF4-FFF2-40B4-BE49-F238E27FC236}">
+                  <a16:creationId xmlns:a16="http://schemas.microsoft.com/office/drawing/2014/main" id="{65FE4545-36CF-4424-B7DF-DA2ECF30F2C1}"/>
+                </a:ext>
+              </a:extLst>
+            </p:cNvPr>
+            <p:cNvSpPr>
+              <a:spLocks noChangeArrowheads="1"/>
+            </p:cNvSpPr>
+            <p:nvPr/>
+          </p:nvSpPr>
+          <p:spPr bwMode="auto">
+            <a:xfrm>
+              <a:off x="6617339" y="5844981"/>
+              <a:ext cx="521088" cy="313015"/>
+            </a:xfrm>
+            <a:prstGeom prst="ellipse">
+              <a:avLst/>
+            </a:prstGeom>
+            <a:grpFill/>
+            <a:ln w="12700">
+              <a:solidFill>
+                <a:schemeClr val="tx1"/>
+              </a:solidFill>
+              <a:round/>
+              <a:headEnd/>
+              <a:tailEnd/>
+            </a:ln>
+            <a:extLst/>
+          </p:spPr>
+          <p:txBody>
+            <a:bodyPr wrap="none" anchor="ctr"/>
+            <a:lstStyle>
+              <a:lvl1pPr eaLnBrk="0" hangingPunct="0">
+                <a:defRPr sz="2400">
+                  <a:solidFill>
+                    <a:schemeClr val="tx1"/>
+                  </a:solidFill>
+                  <a:latin typeface="Times New Roman" panose="02020603050405020304" pitchFamily="18" charset="0"/>
+                </a:defRPr>
+              </a:lvl1pPr>
+              <a:lvl2pPr marL="742950" indent="-285750" eaLnBrk="0" hangingPunct="0">
+                <a:defRPr sz="2400">
+                  <a:solidFill>
+                    <a:schemeClr val="tx1"/>
+                  </a:solidFill>
+                  <a:latin typeface="Times New Roman" panose="02020603050405020304" pitchFamily="18" charset="0"/>
+                </a:defRPr>
+              </a:lvl2pPr>
+              <a:lvl3pPr marL="1143000" indent="-228600" eaLnBrk="0" hangingPunct="0">
+                <a:defRPr sz="2400">
+                  <a:solidFill>
+                    <a:schemeClr val="tx1"/>
+                  </a:solidFill>
+                  <a:latin typeface="Times New Roman" panose="02020603050405020304" pitchFamily="18" charset="0"/>
+                </a:defRPr>
+              </a:lvl3pPr>
+              <a:lvl4pPr marL="1600200" indent="-228600" eaLnBrk="0" hangingPunct="0">
+                <a:defRPr sz="2400">
+                  <a:solidFill>
+                    <a:schemeClr val="tx1"/>
+                  </a:solidFill>
+                  <a:latin typeface="Times New Roman" panose="02020603050405020304" pitchFamily="18" charset="0"/>
+                </a:defRPr>
+              </a:lvl4pPr>
+              <a:lvl5pPr marL="2057400" indent="-228600" eaLnBrk="0" hangingPunct="0">
+                <a:defRPr sz="2400">
+                  <a:solidFill>
+                    <a:schemeClr val="tx1"/>
+                  </a:solidFill>
+                  <a:latin typeface="Times New Roman" panose="02020603050405020304" pitchFamily="18" charset="0"/>
+                </a:defRPr>
+              </a:lvl5pPr>
+              <a:lvl6pPr marL="2514600" indent="-228600" algn="ctr" eaLnBrk="0" fontAlgn="base" hangingPunct="0">
+                <a:spcBef>
+                  <a:spcPct val="0"/>
+                </a:spcBef>
+                <a:spcAft>
+                  <a:spcPct val="0"/>
+                </a:spcAft>
+                <a:defRPr sz="2400">
+                  <a:solidFill>
+                    <a:schemeClr val="tx1"/>
+                  </a:solidFill>
+                  <a:latin typeface="Times New Roman" panose="02020603050405020304" pitchFamily="18" charset="0"/>
+                </a:defRPr>
+              </a:lvl6pPr>
+              <a:lvl7pPr marL="2971800" indent="-228600" algn="ctr" eaLnBrk="0" fontAlgn="base" hangingPunct="0">
+                <a:spcBef>
+                  <a:spcPct val="0"/>
+                </a:spcBef>
+                <a:spcAft>
+                  <a:spcPct val="0"/>
+                </a:spcAft>
+                <a:defRPr sz="2400">
+                  <a:solidFill>
+                    <a:schemeClr val="tx1"/>
+                  </a:solidFill>
+                  <a:latin typeface="Times New Roman" panose="02020603050405020304" pitchFamily="18" charset="0"/>
+                </a:defRPr>
+              </a:lvl7pPr>
+              <a:lvl8pPr marL="3429000" indent="-228600" algn="ctr" eaLnBrk="0" fontAlgn="base" hangingPunct="0">
+                <a:spcBef>
+                  <a:spcPct val="0"/>
+                </a:spcBef>
+                <a:spcAft>
+                  <a:spcPct val="0"/>
+                </a:spcAft>
+                <a:defRPr sz="2400">
+                  <a:solidFill>
+                    <a:schemeClr val="tx1"/>
+                  </a:solidFill>
+                  <a:latin typeface="Times New Roman" panose="02020603050405020304" pitchFamily="18" charset="0"/>
+                </a:defRPr>
+              </a:lvl8pPr>
+              <a:lvl9pPr marL="3886200" indent="-228600" algn="ctr" eaLnBrk="0" fontAlgn="base" hangingPunct="0">
+                <a:spcBef>
+                  <a:spcPct val="0"/>
+                </a:spcBef>
+                <a:spcAft>
+                  <a:spcPct val="0"/>
+                </a:spcAft>
+                <a:defRPr sz="2400">
+                  <a:solidFill>
+                    <a:schemeClr val="tx1"/>
+                  </a:solidFill>
+                  <a:latin typeface="Times New Roman" panose="02020603050405020304" pitchFamily="18" charset="0"/>
+                </a:defRPr>
+              </a:lvl9pPr>
+            </a:lstStyle>
+            <a:p>
+              <a:pPr eaLnBrk="1" hangingPunct="1"/>
+              <a:endParaRPr lang="en-US" altLang="en-US" sz="2800"/>
+            </a:p>
+          </p:txBody>
+        </p:sp>
+        <p:sp>
+          <p:nvSpPr>
+            <p:cNvPr id="21" name="Text Box 51">
+              <a:extLst>
+                <a:ext uri="{FF2B5EF4-FFF2-40B4-BE49-F238E27FC236}">
+                  <a16:creationId xmlns:a16="http://schemas.microsoft.com/office/drawing/2014/main" id="{A82A0693-0AE2-4E1E-944B-7DB83B5C0C40}"/>
+                </a:ext>
+              </a:extLst>
+            </p:cNvPr>
+            <p:cNvSpPr txBox="1">
+              <a:spLocks noChangeArrowheads="1"/>
+            </p:cNvSpPr>
+            <p:nvPr/>
+          </p:nvSpPr>
+          <p:spPr bwMode="auto">
+            <a:xfrm>
+              <a:off x="5963265" y="5847887"/>
+              <a:ext cx="206218" cy="309327"/>
+            </a:xfrm>
+            <a:prstGeom prst="rect">
+              <a:avLst/>
+            </a:prstGeom>
+            <a:grpFill/>
+            <a:ln>
+              <a:noFill/>
+            </a:ln>
+            <a:extLst>
+              <a:ext uri="{91240B29-F687-4F45-9708-019B960494DF}">
+                <a14:hiddenLine xmlns:a14="http://schemas.microsoft.com/office/drawing/2010/main" w="9525">
+                  <a:solidFill>
+                    <a:srgbClr val="000000"/>
+                  </a:solidFill>
+                  <a:miter lim="800000"/>
+                  <a:headEnd/>
+                  <a:tailEnd/>
+                </a14:hiddenLine>
+              </a:ext>
+            </a:extLst>
+          </p:spPr>
+          <p:txBody>
+            <a:bodyPr wrap="none">
+              <a:spAutoFit/>
+            </a:bodyPr>
+            <a:lstStyle>
+              <a:lvl1pPr eaLnBrk="0" hangingPunct="0">
+                <a:defRPr sz="2400">
+                  <a:solidFill>
+                    <a:schemeClr val="tx1"/>
+                  </a:solidFill>
+                  <a:latin typeface="Times New Roman" panose="02020603050405020304" pitchFamily="18" charset="0"/>
+                </a:defRPr>
+              </a:lvl1pPr>
+              <a:lvl2pPr marL="742950" indent="-285750" eaLnBrk="0" hangingPunct="0">
+                <a:defRPr sz="2400">
+                  <a:solidFill>
+                    <a:schemeClr val="tx1"/>
+                  </a:solidFill>
+                  <a:latin typeface="Times New Roman" panose="02020603050405020304" pitchFamily="18" charset="0"/>
+                </a:defRPr>
+              </a:lvl2pPr>
+              <a:lvl3pPr marL="1143000" indent="-228600" eaLnBrk="0" hangingPunct="0">
+                <a:defRPr sz="2400">
+                  <a:solidFill>
+                    <a:schemeClr val="tx1"/>
+                  </a:solidFill>
+                  <a:latin typeface="Times New Roman" panose="02020603050405020304" pitchFamily="18" charset="0"/>
+                </a:defRPr>
+              </a:lvl3pPr>
+              <a:lvl4pPr marL="1600200" indent="-228600" eaLnBrk="0" hangingPunct="0">
+                <a:defRPr sz="2400">
+                  <a:solidFill>
+                    <a:schemeClr val="tx1"/>
+                  </a:solidFill>
+                  <a:latin typeface="Times New Roman" panose="02020603050405020304" pitchFamily="18" charset="0"/>
+                </a:defRPr>
+              </a:lvl4pPr>
+              <a:lvl5pPr marL="2057400" indent="-228600" eaLnBrk="0" hangingPunct="0">
+                <a:defRPr sz="2400">
+                  <a:solidFill>
+                    <a:schemeClr val="tx1"/>
+                  </a:solidFill>
+                  <a:latin typeface="Times New Roman" panose="02020603050405020304" pitchFamily="18" charset="0"/>
+                </a:defRPr>
+              </a:lvl5pPr>
+              <a:lvl6pPr marL="2514600" indent="-228600" algn="ctr" eaLnBrk="0" fontAlgn="base" hangingPunct="0">
+                <a:spcBef>
+                  <a:spcPct val="0"/>
+                </a:spcBef>
+                <a:spcAft>
+                  <a:spcPct val="0"/>
+                </a:spcAft>
+                <a:defRPr sz="2400">
+                  <a:solidFill>
+                    <a:schemeClr val="tx1"/>
+                  </a:solidFill>
+                  <a:latin typeface="Times New Roman" panose="02020603050405020304" pitchFamily="18" charset="0"/>
+                </a:defRPr>
+              </a:lvl6pPr>
+              <a:lvl7pPr marL="2971800" indent="-228600" algn="ctr" eaLnBrk="0" fontAlgn="base" hangingPunct="0">
+                <a:spcBef>
+                  <a:spcPct val="0"/>
+                </a:spcBef>
+                <a:spcAft>
+                  <a:spcPct val="0"/>
+                </a:spcAft>
+                <a:defRPr sz="2400">
+                  <a:solidFill>
+                    <a:schemeClr val="tx1"/>
+                  </a:solidFill>
+                  <a:latin typeface="Times New Roman" panose="02020603050405020304" pitchFamily="18" charset="0"/>
+                </a:defRPr>
+              </a:lvl7pPr>
+              <a:lvl8pPr marL="3429000" indent="-228600" algn="ctr" eaLnBrk="0" fontAlgn="base" hangingPunct="0">
+                <a:spcBef>
+                  <a:spcPct val="0"/>
+                </a:spcBef>
+                <a:spcAft>
+                  <a:spcPct val="0"/>
+                </a:spcAft>
+                <a:defRPr sz="2400">
+                  <a:solidFill>
+                    <a:schemeClr val="tx1"/>
+                  </a:solidFill>
+                  <a:latin typeface="Times New Roman" panose="02020603050405020304" pitchFamily="18" charset="0"/>
+                </a:defRPr>
+              </a:lvl8pPr>
+              <a:lvl9pPr marL="3886200" indent="-228600" algn="ctr" eaLnBrk="0" fontAlgn="base" hangingPunct="0">
+                <a:spcBef>
+                  <a:spcPct val="0"/>
+                </a:spcBef>
+                <a:spcAft>
+                  <a:spcPct val="0"/>
+                </a:spcAft>
+                <a:defRPr sz="2400">
+                  <a:solidFill>
+                    <a:schemeClr val="tx1"/>
+                  </a:solidFill>
+                  <a:latin typeface="Times New Roman" panose="02020603050405020304" pitchFamily="18" charset="0"/>
+                </a:defRPr>
+              </a:lvl9pPr>
+            </a:lstStyle>
+            <a:p>
+              <a:pPr algn="l" eaLnBrk="1" hangingPunct="1"/>
+              <a:r>
+                <a:rPr lang="en-US" altLang="en-US" sz="3200" dirty="0"/>
+                <a:t>1</a:t>
+              </a:r>
+            </a:p>
+          </p:txBody>
+        </p:sp>
+        <p:sp>
+          <p:nvSpPr>
+            <p:cNvPr id="22" name="Text Box 52">
+              <a:extLst>
+                <a:ext uri="{FF2B5EF4-FFF2-40B4-BE49-F238E27FC236}">
+                  <a16:creationId xmlns:a16="http://schemas.microsoft.com/office/drawing/2014/main" id="{23AF4376-2091-4F55-9543-29CCD8EE8050}"/>
+                </a:ext>
+              </a:extLst>
+            </p:cNvPr>
+            <p:cNvSpPr txBox="1">
+              <a:spLocks noChangeArrowheads="1"/>
+            </p:cNvSpPr>
+            <p:nvPr/>
+          </p:nvSpPr>
+          <p:spPr bwMode="auto">
+            <a:xfrm>
+              <a:off x="6788321" y="5847887"/>
+              <a:ext cx="219785" cy="341889"/>
+            </a:xfrm>
+            <a:prstGeom prst="rect">
+              <a:avLst/>
+            </a:prstGeom>
+            <a:grpFill/>
+            <a:ln>
+              <a:noFill/>
+            </a:ln>
+            <a:extLst>
+              <a:ext uri="{91240B29-F687-4F45-9708-019B960494DF}">
+                <a14:hiddenLine xmlns:a14="http://schemas.microsoft.com/office/drawing/2010/main" w="9525">
+                  <a:solidFill>
+                    <a:srgbClr val="000000"/>
+                  </a:solidFill>
+                  <a:miter lim="800000"/>
+                  <a:headEnd/>
+                  <a:tailEnd/>
+                </a14:hiddenLine>
+              </a:ext>
+            </a:extLst>
+          </p:spPr>
+          <p:txBody>
+            <a:bodyPr wrap="none">
+              <a:spAutoFit/>
+            </a:bodyPr>
+            <a:lstStyle>
+              <a:lvl1pPr eaLnBrk="0" hangingPunct="0">
+                <a:defRPr sz="2400">
+                  <a:solidFill>
+                    <a:schemeClr val="tx1"/>
+                  </a:solidFill>
+                  <a:latin typeface="Times New Roman" panose="02020603050405020304" pitchFamily="18" charset="0"/>
+                </a:defRPr>
+              </a:lvl1pPr>
+              <a:lvl2pPr marL="742950" indent="-285750" eaLnBrk="0" hangingPunct="0">
+                <a:defRPr sz="2400">
+                  <a:solidFill>
+                    <a:schemeClr val="tx1"/>
+                  </a:solidFill>
+                  <a:latin typeface="Times New Roman" panose="02020603050405020304" pitchFamily="18" charset="0"/>
+                </a:defRPr>
+              </a:lvl2pPr>
+              <a:lvl3pPr marL="1143000" indent="-228600" eaLnBrk="0" hangingPunct="0">
+                <a:defRPr sz="2400">
+                  <a:solidFill>
+                    <a:schemeClr val="tx1"/>
+                  </a:solidFill>
+                  <a:latin typeface="Times New Roman" panose="02020603050405020304" pitchFamily="18" charset="0"/>
+                </a:defRPr>
+              </a:lvl3pPr>
+              <a:lvl4pPr marL="1600200" indent="-228600" eaLnBrk="0" hangingPunct="0">
+                <a:defRPr sz="2400">
+                  <a:solidFill>
+                    <a:schemeClr val="tx1"/>
+                  </a:solidFill>
+                  <a:latin typeface="Times New Roman" panose="02020603050405020304" pitchFamily="18" charset="0"/>
+                </a:defRPr>
+              </a:lvl4pPr>
+              <a:lvl5pPr marL="2057400" indent="-228600" eaLnBrk="0" hangingPunct="0">
+                <a:defRPr sz="2400">
+                  <a:solidFill>
+                    <a:schemeClr val="tx1"/>
+                  </a:solidFill>
+                  <a:latin typeface="Times New Roman" panose="02020603050405020304" pitchFamily="18" charset="0"/>
+                </a:defRPr>
+              </a:lvl5pPr>
+              <a:lvl6pPr marL="2514600" indent="-228600" algn="ctr" eaLnBrk="0" fontAlgn="base" hangingPunct="0">
+                <a:spcBef>
+                  <a:spcPct val="0"/>
+                </a:spcBef>
+                <a:spcAft>
+                  <a:spcPct val="0"/>
+                </a:spcAft>
+                <a:defRPr sz="2400">
+                  <a:solidFill>
+                    <a:schemeClr val="tx1"/>
+                  </a:solidFill>
+                  <a:latin typeface="Times New Roman" panose="02020603050405020304" pitchFamily="18" charset="0"/>
+                </a:defRPr>
+              </a:lvl6pPr>
+              <a:lvl7pPr marL="2971800" indent="-228600" algn="ctr" eaLnBrk="0" fontAlgn="base" hangingPunct="0">
+                <a:spcBef>
+                  <a:spcPct val="0"/>
+                </a:spcBef>
+                <a:spcAft>
+                  <a:spcPct val="0"/>
+                </a:spcAft>
+                <a:defRPr sz="2400">
+                  <a:solidFill>
+                    <a:schemeClr val="tx1"/>
+                  </a:solidFill>
+                  <a:latin typeface="Times New Roman" panose="02020603050405020304" pitchFamily="18" charset="0"/>
+                </a:defRPr>
+              </a:lvl7pPr>
+              <a:lvl8pPr marL="3429000" indent="-228600" algn="ctr" eaLnBrk="0" fontAlgn="base" hangingPunct="0">
+                <a:spcBef>
+                  <a:spcPct val="0"/>
+                </a:spcBef>
+                <a:spcAft>
+                  <a:spcPct val="0"/>
+                </a:spcAft>
+                <a:defRPr sz="2400">
+                  <a:solidFill>
+                    <a:schemeClr val="tx1"/>
+                  </a:solidFill>
+                  <a:latin typeface="Times New Roman" panose="02020603050405020304" pitchFamily="18" charset="0"/>
+                </a:defRPr>
+              </a:lvl8pPr>
+              <a:lvl9pPr marL="3886200" indent="-228600" algn="ctr" eaLnBrk="0" fontAlgn="base" hangingPunct="0">
+                <a:spcBef>
+                  <a:spcPct val="0"/>
+                </a:spcBef>
+                <a:spcAft>
+                  <a:spcPct val="0"/>
+                </a:spcAft>
+                <a:defRPr sz="2400">
+                  <a:solidFill>
+                    <a:schemeClr val="tx1"/>
+                  </a:solidFill>
+                  <a:latin typeface="Times New Roman" panose="02020603050405020304" pitchFamily="18" charset="0"/>
+                </a:defRPr>
+              </a:lvl9pPr>
+            </a:lstStyle>
+            <a:p>
+              <a:pPr algn="l" eaLnBrk="1" hangingPunct="1"/>
+              <a:r>
+                <a:rPr lang="en-US" altLang="en-US" sz="3600" dirty="0"/>
+                <a:t>2</a:t>
+              </a:r>
+            </a:p>
+          </p:txBody>
+        </p:sp>
+        <p:sp>
+          <p:nvSpPr>
+            <p:cNvPr id="23" name="Text Box 53">
+              <a:extLst>
+                <a:ext uri="{FF2B5EF4-FFF2-40B4-BE49-F238E27FC236}">
+                  <a16:creationId xmlns:a16="http://schemas.microsoft.com/office/drawing/2014/main" id="{5296DAAB-03F7-4C05-967C-250372DD5827}"/>
+                </a:ext>
+              </a:extLst>
+            </p:cNvPr>
+            <p:cNvSpPr txBox="1">
+              <a:spLocks noChangeArrowheads="1"/>
+            </p:cNvSpPr>
+            <p:nvPr/>
+          </p:nvSpPr>
+          <p:spPr bwMode="auto">
+            <a:xfrm>
+              <a:off x="7613377" y="5847887"/>
+              <a:ext cx="206218" cy="309327"/>
+            </a:xfrm>
+            <a:prstGeom prst="rect">
+              <a:avLst/>
+            </a:prstGeom>
+            <a:grpFill/>
+            <a:ln>
+              <a:noFill/>
+            </a:ln>
+            <a:extLst>
+              <a:ext uri="{91240B29-F687-4F45-9708-019B960494DF}">
+                <a14:hiddenLine xmlns:a14="http://schemas.microsoft.com/office/drawing/2010/main" w="9525">
+                  <a:solidFill>
+                    <a:srgbClr val="000000"/>
+                  </a:solidFill>
+                  <a:miter lim="800000"/>
+                  <a:headEnd/>
+                  <a:tailEnd/>
+                </a14:hiddenLine>
+              </a:ext>
+            </a:extLst>
+          </p:spPr>
+          <p:txBody>
+            <a:bodyPr wrap="none">
+              <a:spAutoFit/>
+            </a:bodyPr>
+            <a:lstStyle>
+              <a:lvl1pPr eaLnBrk="0" hangingPunct="0">
+                <a:defRPr sz="2400">
+                  <a:solidFill>
+                    <a:schemeClr val="tx1"/>
+                  </a:solidFill>
+                  <a:latin typeface="Times New Roman" panose="02020603050405020304" pitchFamily="18" charset="0"/>
+                </a:defRPr>
+              </a:lvl1pPr>
+              <a:lvl2pPr marL="742950" indent="-285750" eaLnBrk="0" hangingPunct="0">
+                <a:defRPr sz="2400">
+                  <a:solidFill>
+                    <a:schemeClr val="tx1"/>
+                  </a:solidFill>
+                  <a:latin typeface="Times New Roman" panose="02020603050405020304" pitchFamily="18" charset="0"/>
+                </a:defRPr>
+              </a:lvl2pPr>
+              <a:lvl3pPr marL="1143000" indent="-228600" eaLnBrk="0" hangingPunct="0">
+                <a:defRPr sz="2400">
+                  <a:solidFill>
+                    <a:schemeClr val="tx1"/>
+                  </a:solidFill>
+                  <a:latin typeface="Times New Roman" panose="02020603050405020304" pitchFamily="18" charset="0"/>
+                </a:defRPr>
+              </a:lvl3pPr>
+              <a:lvl4pPr marL="1600200" indent="-228600" eaLnBrk="0" hangingPunct="0">
+                <a:defRPr sz="2400">
+                  <a:solidFill>
+                    <a:schemeClr val="tx1"/>
+                  </a:solidFill>
+                  <a:latin typeface="Times New Roman" panose="02020603050405020304" pitchFamily="18" charset="0"/>
+                </a:defRPr>
+              </a:lvl4pPr>
+              <a:lvl5pPr marL="2057400" indent="-228600" eaLnBrk="0" hangingPunct="0">
+                <a:defRPr sz="2400">
+                  <a:solidFill>
+                    <a:schemeClr val="tx1"/>
+                  </a:solidFill>
+                  <a:latin typeface="Times New Roman" panose="02020603050405020304" pitchFamily="18" charset="0"/>
+                </a:defRPr>
+              </a:lvl5pPr>
+              <a:lvl6pPr marL="2514600" indent="-228600" algn="ctr" eaLnBrk="0" fontAlgn="base" hangingPunct="0">
+                <a:spcBef>
+                  <a:spcPct val="0"/>
+                </a:spcBef>
+                <a:spcAft>
+                  <a:spcPct val="0"/>
+                </a:spcAft>
+                <a:defRPr sz="2400">
+                  <a:solidFill>
+                    <a:schemeClr val="tx1"/>
+                  </a:solidFill>
+                  <a:latin typeface="Times New Roman" panose="02020603050405020304" pitchFamily="18" charset="0"/>
+                </a:defRPr>
+              </a:lvl6pPr>
+              <a:lvl7pPr marL="2971800" indent="-228600" algn="ctr" eaLnBrk="0" fontAlgn="base" hangingPunct="0">
+                <a:spcBef>
+                  <a:spcPct val="0"/>
+                </a:spcBef>
+                <a:spcAft>
+                  <a:spcPct val="0"/>
+                </a:spcAft>
+                <a:defRPr sz="2400">
+                  <a:solidFill>
+                    <a:schemeClr val="tx1"/>
+                  </a:solidFill>
+                  <a:latin typeface="Times New Roman" panose="02020603050405020304" pitchFamily="18" charset="0"/>
+                </a:defRPr>
+              </a:lvl7pPr>
+              <a:lvl8pPr marL="3429000" indent="-228600" algn="ctr" eaLnBrk="0" fontAlgn="base" hangingPunct="0">
+                <a:spcBef>
+                  <a:spcPct val="0"/>
+                </a:spcBef>
+                <a:spcAft>
+                  <a:spcPct val="0"/>
+                </a:spcAft>
+                <a:defRPr sz="2400">
+                  <a:solidFill>
+                    <a:schemeClr val="tx1"/>
+                  </a:solidFill>
+                  <a:latin typeface="Times New Roman" panose="02020603050405020304" pitchFamily="18" charset="0"/>
+                </a:defRPr>
+              </a:lvl8pPr>
+              <a:lvl9pPr marL="3886200" indent="-228600" algn="ctr" eaLnBrk="0" fontAlgn="base" hangingPunct="0">
+                <a:spcBef>
+                  <a:spcPct val="0"/>
+                </a:spcBef>
+                <a:spcAft>
+                  <a:spcPct val="0"/>
+                </a:spcAft>
+                <a:defRPr sz="2400">
+                  <a:solidFill>
+                    <a:schemeClr val="tx1"/>
+                  </a:solidFill>
+                  <a:latin typeface="Times New Roman" panose="02020603050405020304" pitchFamily="18" charset="0"/>
+                </a:defRPr>
+              </a:lvl9pPr>
+            </a:lstStyle>
+            <a:p>
+              <a:pPr algn="l" eaLnBrk="1" hangingPunct="1"/>
+              <a:r>
+                <a:rPr lang="en-US" altLang="en-US" sz="3200"/>
+                <a:t>3</a:t>
+              </a:r>
+            </a:p>
+          </p:txBody>
+        </p:sp>
+        <p:sp>
+          <p:nvSpPr>
+            <p:cNvPr id="24" name="Text Box 54">
+              <a:extLst>
+                <a:ext uri="{FF2B5EF4-FFF2-40B4-BE49-F238E27FC236}">
+                  <a16:creationId xmlns:a16="http://schemas.microsoft.com/office/drawing/2014/main" id="{934C20A8-D62F-4C2A-914F-B6DEED7F7EC6}"/>
+                </a:ext>
+              </a:extLst>
+            </p:cNvPr>
+            <p:cNvSpPr txBox="1">
+              <a:spLocks noChangeArrowheads="1"/>
+            </p:cNvSpPr>
+            <p:nvPr/>
+          </p:nvSpPr>
+          <p:spPr bwMode="auto">
+            <a:xfrm>
+              <a:off x="8438433" y="5847887"/>
+              <a:ext cx="206218" cy="309327"/>
+            </a:xfrm>
+            <a:prstGeom prst="rect">
+              <a:avLst/>
+            </a:prstGeom>
+            <a:grpFill/>
+            <a:ln>
+              <a:noFill/>
+            </a:ln>
+            <a:extLst>
+              <a:ext uri="{91240B29-F687-4F45-9708-019B960494DF}">
+                <a14:hiddenLine xmlns:a14="http://schemas.microsoft.com/office/drawing/2010/main" w="9525">
+                  <a:solidFill>
+                    <a:srgbClr val="000000"/>
+                  </a:solidFill>
+                  <a:miter lim="800000"/>
+                  <a:headEnd/>
+                  <a:tailEnd/>
+                </a14:hiddenLine>
+              </a:ext>
+            </a:extLst>
+          </p:spPr>
+          <p:txBody>
+            <a:bodyPr wrap="none">
+              <a:spAutoFit/>
+            </a:bodyPr>
+            <a:lstStyle>
+              <a:lvl1pPr eaLnBrk="0" hangingPunct="0">
+                <a:defRPr sz="2400">
+                  <a:solidFill>
+                    <a:schemeClr val="tx1"/>
+                  </a:solidFill>
+                  <a:latin typeface="Times New Roman" panose="02020603050405020304" pitchFamily="18" charset="0"/>
+                </a:defRPr>
+              </a:lvl1pPr>
+              <a:lvl2pPr marL="742950" indent="-285750" eaLnBrk="0" hangingPunct="0">
+                <a:defRPr sz="2400">
+                  <a:solidFill>
+                    <a:schemeClr val="tx1"/>
+                  </a:solidFill>
+                  <a:latin typeface="Times New Roman" panose="02020603050405020304" pitchFamily="18" charset="0"/>
+                </a:defRPr>
+              </a:lvl2pPr>
+              <a:lvl3pPr marL="1143000" indent="-228600" eaLnBrk="0" hangingPunct="0">
+                <a:defRPr sz="2400">
+                  <a:solidFill>
+                    <a:schemeClr val="tx1"/>
+                  </a:solidFill>
+                  <a:latin typeface="Times New Roman" panose="02020603050405020304" pitchFamily="18" charset="0"/>
+                </a:defRPr>
+              </a:lvl3pPr>
+              <a:lvl4pPr marL="1600200" indent="-228600" eaLnBrk="0" hangingPunct="0">
+                <a:defRPr sz="2400">
+                  <a:solidFill>
+                    <a:schemeClr val="tx1"/>
+                  </a:solidFill>
+                  <a:latin typeface="Times New Roman" panose="02020603050405020304" pitchFamily="18" charset="0"/>
+                </a:defRPr>
+              </a:lvl4pPr>
+              <a:lvl5pPr marL="2057400" indent="-228600" eaLnBrk="0" hangingPunct="0">
+                <a:defRPr sz="2400">
+                  <a:solidFill>
+                    <a:schemeClr val="tx1"/>
+                  </a:solidFill>
+                  <a:latin typeface="Times New Roman" panose="02020603050405020304" pitchFamily="18" charset="0"/>
+                </a:defRPr>
+              </a:lvl5pPr>
+              <a:lvl6pPr marL="2514600" indent="-228600" algn="ctr" eaLnBrk="0" fontAlgn="base" hangingPunct="0">
+                <a:spcBef>
+                  <a:spcPct val="0"/>
+                </a:spcBef>
+                <a:spcAft>
+                  <a:spcPct val="0"/>
+                </a:spcAft>
+                <a:defRPr sz="2400">
+                  <a:solidFill>
+                    <a:schemeClr val="tx1"/>
+                  </a:solidFill>
+                  <a:latin typeface="Times New Roman" panose="02020603050405020304" pitchFamily="18" charset="0"/>
+                </a:defRPr>
+              </a:lvl6pPr>
+              <a:lvl7pPr marL="2971800" indent="-228600" algn="ctr" eaLnBrk="0" fontAlgn="base" hangingPunct="0">
+                <a:spcBef>
+                  <a:spcPct val="0"/>
+                </a:spcBef>
+                <a:spcAft>
+                  <a:spcPct val="0"/>
+                </a:spcAft>
+                <a:defRPr sz="2400">
+                  <a:solidFill>
+                    <a:schemeClr val="tx1"/>
+                  </a:solidFill>
+                  <a:latin typeface="Times New Roman" panose="02020603050405020304" pitchFamily="18" charset="0"/>
+                </a:defRPr>
+              </a:lvl7pPr>
+              <a:lvl8pPr marL="3429000" indent="-228600" algn="ctr" eaLnBrk="0" fontAlgn="base" hangingPunct="0">
+                <a:spcBef>
+                  <a:spcPct val="0"/>
+                </a:spcBef>
+                <a:spcAft>
+                  <a:spcPct val="0"/>
+                </a:spcAft>
+                <a:defRPr sz="2400">
+                  <a:solidFill>
+                    <a:schemeClr val="tx1"/>
+                  </a:solidFill>
+                  <a:latin typeface="Times New Roman" panose="02020603050405020304" pitchFamily="18" charset="0"/>
+                </a:defRPr>
+              </a:lvl8pPr>
+              <a:lvl9pPr marL="3886200" indent="-228600" algn="ctr" eaLnBrk="0" fontAlgn="base" hangingPunct="0">
+                <a:spcBef>
+                  <a:spcPct val="0"/>
+                </a:spcBef>
+                <a:spcAft>
+                  <a:spcPct val="0"/>
+                </a:spcAft>
+                <a:defRPr sz="2400">
+                  <a:solidFill>
+                    <a:schemeClr val="tx1"/>
+                  </a:solidFill>
+                  <a:latin typeface="Times New Roman" panose="02020603050405020304" pitchFamily="18" charset="0"/>
+                </a:defRPr>
+              </a:lvl9pPr>
+            </a:lstStyle>
+            <a:p>
+              <a:pPr algn="l" eaLnBrk="1" hangingPunct="1"/>
+              <a:r>
+                <a:rPr lang="en-US" altLang="en-US" sz="3200"/>
+                <a:t>4</a:t>
+              </a:r>
+            </a:p>
+          </p:txBody>
+        </p:sp>
+      </p:grpSp>
+      <p:sp>
+        <p:nvSpPr>
+          <p:cNvPr id="29" name="Content Placeholder 2">
+            <a:extLst>
+              <a:ext uri="{FF2B5EF4-FFF2-40B4-BE49-F238E27FC236}">
+                <a16:creationId xmlns:a16="http://schemas.microsoft.com/office/drawing/2014/main" id="{E448B374-7B5E-4549-825B-0B202CE41597}"/>
+              </a:ext>
+            </a:extLst>
+          </p:cNvPr>
+          <p:cNvSpPr>
+            <a:spLocks noGrp="1"/>
+          </p:cNvSpPr>
+          <p:nvPr>
+            <p:ph idx="1"/>
+          </p:nvPr>
+        </p:nvSpPr>
+        <p:spPr>
+          <a:xfrm>
+            <a:off x="228600" y="801469"/>
+            <a:ext cx="8686800" cy="5486400"/>
+          </a:xfrm>
+        </p:spPr>
+        <p:txBody>
+          <a:bodyPr>
+            <a:normAutofit/>
+          </a:bodyPr>
+          <a:lstStyle/>
+          <a:p>
+            <a:r>
+              <a:rPr lang="en-US" sz="2000" dirty="0">
+                <a:solidFill>
+                  <a:schemeClr val="bg1">
+                    <a:lumMod val="65000"/>
+                  </a:schemeClr>
+                </a:solidFill>
+              </a:rPr>
+              <a:t>If we get 11 instances wrong, why bother to continue? Instead, just return zero!</a:t>
+            </a:r>
+          </a:p>
+          <a:p>
+            <a:r>
+              <a:rPr lang="en-US" sz="2000" dirty="0"/>
+              <a:t>Now we move on to feature 3, we only get five wrong, so we update the </a:t>
+            </a:r>
+            <a:r>
+              <a:rPr lang="en-US" sz="2000" i="1" dirty="0"/>
+              <a:t>best-so-far </a:t>
+            </a:r>
+            <a:r>
+              <a:rPr lang="en-US" sz="2000" dirty="0"/>
+              <a:t>to 95%</a:t>
+            </a:r>
+          </a:p>
+          <a:p>
+            <a:r>
+              <a:rPr lang="en-US" sz="2000" dirty="0"/>
+              <a:t>Now we move on to feature 4, we get one instance wrong, then another, then another.. As soon as we get 6 instances wrong, why bother to continue? Instead, just return zero!</a:t>
+            </a:r>
+          </a:p>
+          <a:p>
+            <a:endParaRPr lang="en-US" sz="2000" dirty="0"/>
+          </a:p>
+        </p:txBody>
+      </p:sp>
+      <p:sp>
+        <p:nvSpPr>
+          <p:cNvPr id="30" name="Rectangle 29">
+            <a:extLst>
+              <a:ext uri="{FF2B5EF4-FFF2-40B4-BE49-F238E27FC236}">
+                <a16:creationId xmlns:a16="http://schemas.microsoft.com/office/drawing/2014/main" id="{9F3D281B-7040-4D60-AE81-0C68596E10F0}"/>
+              </a:ext>
+            </a:extLst>
+          </p:cNvPr>
+          <p:cNvSpPr/>
+          <p:nvPr/>
+        </p:nvSpPr>
+        <p:spPr>
+          <a:xfrm>
+            <a:off x="304800" y="65087"/>
+            <a:ext cx="3780907" cy="523220"/>
+          </a:xfrm>
+          <a:prstGeom prst="rect">
+            <a:avLst/>
+          </a:prstGeom>
+        </p:spPr>
+        <p:txBody>
+          <a:bodyPr wrap="none">
+            <a:spAutoFit/>
+          </a:bodyPr>
+          <a:lstStyle/>
+          <a:p>
+            <a:r>
+              <a:rPr lang="en-US" sz="2800" dirty="0"/>
+              <a:t>Making the search faster</a:t>
+            </a:r>
+          </a:p>
+        </p:txBody>
+      </p:sp>
+      <p:sp>
+        <p:nvSpPr>
+          <p:cNvPr id="2" name="Rectangle 1">
+            <a:extLst>
+              <a:ext uri="{FF2B5EF4-FFF2-40B4-BE49-F238E27FC236}">
+                <a16:creationId xmlns:a16="http://schemas.microsoft.com/office/drawing/2014/main" id="{C0394713-ABD8-4852-AA28-C52A48D70E6D}"/>
+              </a:ext>
+            </a:extLst>
+          </p:cNvPr>
+          <p:cNvSpPr/>
+          <p:nvPr/>
+        </p:nvSpPr>
+        <p:spPr>
+          <a:xfrm>
+            <a:off x="3350206" y="5894095"/>
+            <a:ext cx="636713" cy="369332"/>
+          </a:xfrm>
+          <a:prstGeom prst="rect">
+            <a:avLst/>
+          </a:prstGeom>
+        </p:spPr>
+        <p:txBody>
+          <a:bodyPr wrap="none">
+            <a:spAutoFit/>
+          </a:bodyPr>
+          <a:lstStyle/>
+          <a:p>
+            <a:r>
+              <a:rPr lang="en-US" dirty="0"/>
+              <a:t>90% </a:t>
+            </a:r>
+          </a:p>
+        </p:txBody>
+      </p:sp>
+      <p:sp>
+        <p:nvSpPr>
+          <p:cNvPr id="19" name="Rectangle 18">
+            <a:extLst>
+              <a:ext uri="{FF2B5EF4-FFF2-40B4-BE49-F238E27FC236}">
+                <a16:creationId xmlns:a16="http://schemas.microsoft.com/office/drawing/2014/main" id="{17E8952E-4CDE-49DC-A1E6-6A405D43135A}"/>
+              </a:ext>
+            </a:extLst>
+          </p:cNvPr>
+          <p:cNvSpPr/>
+          <p:nvPr/>
+        </p:nvSpPr>
+        <p:spPr>
+          <a:xfrm>
+            <a:off x="5097903" y="5929546"/>
+            <a:ext cx="519694" cy="369332"/>
+          </a:xfrm>
+          <a:prstGeom prst="rect">
+            <a:avLst/>
+          </a:prstGeom>
+        </p:spPr>
+        <p:txBody>
+          <a:bodyPr wrap="none">
+            <a:spAutoFit/>
+          </a:bodyPr>
+          <a:lstStyle/>
+          <a:p>
+            <a:r>
+              <a:rPr lang="en-US" dirty="0"/>
+              <a:t>0% </a:t>
+            </a:r>
+          </a:p>
+        </p:txBody>
+      </p:sp>
+      <p:sp>
+        <p:nvSpPr>
+          <p:cNvPr id="20" name="Rectangle 19">
+            <a:extLst>
+              <a:ext uri="{FF2B5EF4-FFF2-40B4-BE49-F238E27FC236}">
+                <a16:creationId xmlns:a16="http://schemas.microsoft.com/office/drawing/2014/main" id="{CED4CE7D-4469-41F0-AC33-469243D968BC}"/>
+              </a:ext>
+            </a:extLst>
+          </p:cNvPr>
+          <p:cNvSpPr/>
+          <p:nvPr/>
+        </p:nvSpPr>
+        <p:spPr>
+          <a:xfrm>
+            <a:off x="6638815" y="5931506"/>
+            <a:ext cx="636713" cy="369332"/>
+          </a:xfrm>
+          <a:prstGeom prst="rect">
+            <a:avLst/>
+          </a:prstGeom>
+        </p:spPr>
+        <p:txBody>
+          <a:bodyPr wrap="none">
+            <a:spAutoFit/>
+          </a:bodyPr>
+          <a:lstStyle/>
+          <a:p>
+            <a:r>
+              <a:rPr lang="en-US" dirty="0"/>
+              <a:t>95% </a:t>
+            </a:r>
+          </a:p>
+        </p:txBody>
+      </p:sp>
+      <p:sp>
+        <p:nvSpPr>
+          <p:cNvPr id="25" name="Rectangle 24">
+            <a:extLst>
+              <a:ext uri="{FF2B5EF4-FFF2-40B4-BE49-F238E27FC236}">
+                <a16:creationId xmlns:a16="http://schemas.microsoft.com/office/drawing/2014/main" id="{777756C0-DAD5-4D5A-BE56-4FC8D3048A15}"/>
+              </a:ext>
+            </a:extLst>
+          </p:cNvPr>
+          <p:cNvSpPr/>
+          <p:nvPr/>
+        </p:nvSpPr>
+        <p:spPr>
+          <a:xfrm>
+            <a:off x="8240878" y="5929546"/>
+            <a:ext cx="519694" cy="369332"/>
+          </a:xfrm>
+          <a:prstGeom prst="rect">
+            <a:avLst/>
+          </a:prstGeom>
+        </p:spPr>
+        <p:txBody>
+          <a:bodyPr wrap="none">
+            <a:spAutoFit/>
+          </a:bodyPr>
+          <a:lstStyle/>
+          <a:p>
+            <a:r>
+              <a:rPr lang="en-US" dirty="0"/>
+              <a:t>0% </a:t>
+            </a:r>
+          </a:p>
+        </p:txBody>
+      </p:sp>
+      <p:sp>
+        <p:nvSpPr>
+          <p:cNvPr id="3" name="TextBox 2">
+            <a:extLst>
+              <a:ext uri="{FF2B5EF4-FFF2-40B4-BE49-F238E27FC236}">
+                <a16:creationId xmlns:a16="http://schemas.microsoft.com/office/drawing/2014/main" id="{C05E3182-D722-4E75-800C-FDEEB9206953}"/>
+              </a:ext>
+            </a:extLst>
+          </p:cNvPr>
+          <p:cNvSpPr txBox="1"/>
+          <p:nvPr/>
+        </p:nvSpPr>
+        <p:spPr>
+          <a:xfrm>
+            <a:off x="132368" y="3339550"/>
+            <a:ext cx="2824619" cy="2554545"/>
+          </a:xfrm>
+          <a:prstGeom prst="rect">
+            <a:avLst/>
+          </a:prstGeom>
+          <a:noFill/>
+        </p:spPr>
+        <p:txBody>
+          <a:bodyPr wrap="square" rtlCol="0">
+            <a:spAutoFit/>
+          </a:bodyPr>
+          <a:lstStyle/>
+          <a:p>
+            <a:r>
+              <a:rPr lang="en-US" sz="1600" dirty="0"/>
+              <a:t>More generally</a:t>
+            </a:r>
+          </a:p>
+          <a:p>
+            <a:r>
+              <a:rPr lang="en-US" sz="1600" dirty="0"/>
+              <a:t>For the leave-one-out subroutine, pass in the </a:t>
+            </a:r>
+            <a:r>
+              <a:rPr lang="en-US" sz="1600" i="1" dirty="0"/>
+              <a:t>best-so-far</a:t>
+            </a:r>
+            <a:r>
+              <a:rPr lang="en-US" sz="1600" dirty="0"/>
+              <a:t>.</a:t>
+            </a:r>
+          </a:p>
+          <a:p>
+            <a:r>
+              <a:rPr lang="en-US" sz="1600" dirty="0"/>
+              <a:t>Keep track of how many mistakes you have made so far. If you have made too many mistakes to be better than the best-so-far, break out of loop, and return zero.</a:t>
+            </a:r>
+          </a:p>
+        </p:txBody>
+      </p:sp>
+    </p:spTree>
+    <p:extLst>
+      <p:ext uri="{BB962C8B-B14F-4D97-AF65-F5344CB8AC3E}">
+        <p14:creationId xmlns:p14="http://schemas.microsoft.com/office/powerpoint/2010/main" val="704329031"/>
+      </p:ext>
+    </p:extLst>
+  </p:cSld>
+  <p:clrMapOvr>
+    <a:masterClrMapping/>
+  </p:clrMapOvr>
+</p:sld>
+</file>
+
+<file path=ppt/slides/slide32.xml><?xml version="1.0" encoding="utf-8"?>
+<p:sld xmlns:a="http://schemas.openxmlformats.org/drawingml/2006/main" xmlns:r="http://schemas.openxmlformats.org/officeDocument/2006/relationships" xmlns:p="http://schemas.openxmlformats.org/presentationml/2006/main">
+  <p:cSld>
+    <p:spTree>
+      <p:nvGrpSpPr>
+        <p:cNvPr id="1" name=""/>
+        <p:cNvGrpSpPr/>
+        <p:nvPr/>
+      </p:nvGrpSpPr>
+      <p:grpSpPr>
+        <a:xfrm>
+          <a:off x="0" y="0"/>
+          <a:ext cx="0" cy="0"/>
+          <a:chOff x="0" y="0"/>
+          <a:chExt cx="0" cy="0"/>
+        </a:xfrm>
+      </p:grpSpPr>
+      <p:sp>
+        <p:nvSpPr>
+          <p:cNvPr id="2" name="Title 1">
+            <a:extLst>
+              <a:ext uri="{FF2B5EF4-FFF2-40B4-BE49-F238E27FC236}">
+                <a16:creationId xmlns:a16="http://schemas.microsoft.com/office/drawing/2014/main" id="{76A13DAE-7774-4787-A500-BB6EF96F7638}"/>
+              </a:ext>
+            </a:extLst>
+          </p:cNvPr>
+          <p:cNvSpPr>
+            <a:spLocks noGrp="1"/>
+          </p:cNvSpPr>
+          <p:nvPr>
+            <p:ph type="title"/>
+          </p:nvPr>
+        </p:nvSpPr>
+        <p:spPr>
+          <a:xfrm>
+            <a:off x="381000" y="24342"/>
+            <a:ext cx="8229600" cy="715962"/>
+          </a:xfrm>
+        </p:spPr>
+        <p:txBody>
+          <a:bodyPr>
+            <a:normAutofit fontScale="90000"/>
+          </a:bodyPr>
+          <a:lstStyle/>
+          <a:p>
+            <a:r>
+              <a:rPr lang="en-US" dirty="0"/>
+              <a:t>Announcements I </a:t>
+            </a:r>
+          </a:p>
+        </p:txBody>
+      </p:sp>
+      <p:sp>
+        <p:nvSpPr>
+          <p:cNvPr id="3" name="Content Placeholder 2">
+            <a:extLst>
+              <a:ext uri="{FF2B5EF4-FFF2-40B4-BE49-F238E27FC236}">
+                <a16:creationId xmlns:a16="http://schemas.microsoft.com/office/drawing/2014/main" id="{870F6CFA-4CD6-4334-8F8A-3AF8A1597617}"/>
+              </a:ext>
+            </a:extLst>
+          </p:cNvPr>
+          <p:cNvSpPr>
+            <a:spLocks noGrp="1"/>
+          </p:cNvSpPr>
+          <p:nvPr>
+            <p:ph idx="1"/>
+          </p:nvPr>
+        </p:nvSpPr>
+        <p:spPr>
+          <a:xfrm>
+            <a:off x="101600" y="1166018"/>
+            <a:ext cx="9067800" cy="4525963"/>
+          </a:xfrm>
+        </p:spPr>
+        <p:txBody>
+          <a:bodyPr>
+            <a:normAutofit lnSpcReduction="10000"/>
+          </a:bodyPr>
+          <a:lstStyle/>
+          <a:p>
+            <a:r>
+              <a:rPr lang="en-US" sz="2400" dirty="0"/>
+              <a:t>This is the last class, no class on Wednesday.</a:t>
+            </a:r>
+          </a:p>
+          <a:p>
+            <a:endParaRPr lang="en-US" sz="2400" dirty="0"/>
+          </a:p>
+          <a:p>
+            <a:r>
+              <a:rPr lang="en-US" sz="2400" dirty="0"/>
+              <a:t>On Friday, we have our final, same format as last time.</a:t>
+            </a:r>
+          </a:p>
+          <a:p>
+            <a:endParaRPr lang="en-US" sz="2400" dirty="0"/>
+          </a:p>
+          <a:p>
+            <a:r>
+              <a:rPr lang="en-US" sz="2400" dirty="0"/>
+              <a:t>About 60% of the questions will be very similar to midterm questions. </a:t>
+            </a:r>
+          </a:p>
+          <a:p>
+            <a:endParaRPr lang="en-US" sz="2400" dirty="0"/>
+          </a:p>
+          <a:p>
+            <a:r>
+              <a:rPr lang="en-US" sz="2400" dirty="0"/>
+              <a:t>If you have any last minute questions, I am available after 2:30 today, and almost all of tomorrow  (including staying late if requested).</a:t>
+            </a:r>
+          </a:p>
+          <a:p>
+            <a:endParaRPr lang="en-US" sz="2400" dirty="0"/>
+          </a:p>
+          <a:p>
+            <a:r>
+              <a:rPr lang="en-US" sz="2400" dirty="0"/>
+              <a:t>I will not be available wed or </a:t>
+            </a:r>
+            <a:r>
+              <a:rPr lang="en-US" sz="2400" dirty="0" err="1"/>
+              <a:t>thur.</a:t>
+            </a:r>
+            <a:endParaRPr lang="en-US" sz="2400" dirty="0"/>
+          </a:p>
+        </p:txBody>
+      </p:sp>
+    </p:spTree>
+    <p:extLst>
+      <p:ext uri="{BB962C8B-B14F-4D97-AF65-F5344CB8AC3E}">
+        <p14:creationId xmlns:p14="http://schemas.microsoft.com/office/powerpoint/2010/main" val="539447520"/>
+      </p:ext>
+    </p:extLst>
+  </p:cSld>
+  <p:clrMapOvr>
+    <a:masterClrMapping/>
+  </p:clrMapOvr>
+</p:sld>
+</file>
+
+<file path=ppt/slides/slide33.xml><?xml version="1.0" encoding="utf-8"?>
+<p:sld xmlns:a="http://schemas.openxmlformats.org/drawingml/2006/main" xmlns:r="http://schemas.openxmlformats.org/officeDocument/2006/relationships" xmlns:p="http://schemas.openxmlformats.org/presentationml/2006/main">
+  <p:cSld>
+    <p:spTree>
+      <p:nvGrpSpPr>
+        <p:cNvPr id="1" name=""/>
+        <p:cNvGrpSpPr/>
+        <p:nvPr/>
+      </p:nvGrpSpPr>
+      <p:grpSpPr>
+        <a:xfrm>
+          <a:off x="0" y="0"/>
+          <a:ext cx="0" cy="0"/>
+          <a:chOff x="0" y="0"/>
+          <a:chExt cx="0" cy="0"/>
+        </a:xfrm>
+      </p:grpSpPr>
+      <p:sp>
+        <p:nvSpPr>
+          <p:cNvPr id="2" name="Title 1">
+            <a:extLst>
+              <a:ext uri="{FF2B5EF4-FFF2-40B4-BE49-F238E27FC236}">
+                <a16:creationId xmlns:a16="http://schemas.microsoft.com/office/drawing/2014/main" id="{76A13DAE-7774-4787-A500-BB6EF96F7638}"/>
+              </a:ext>
+            </a:extLst>
+          </p:cNvPr>
+          <p:cNvSpPr>
+            <a:spLocks noGrp="1"/>
+          </p:cNvSpPr>
+          <p:nvPr>
+            <p:ph type="title"/>
+          </p:nvPr>
+        </p:nvSpPr>
+        <p:spPr>
+          <a:xfrm>
+            <a:off x="381000" y="24342"/>
+            <a:ext cx="8229600" cy="715962"/>
+          </a:xfrm>
+        </p:spPr>
+        <p:txBody>
+          <a:bodyPr>
+            <a:normAutofit fontScale="90000"/>
+          </a:bodyPr>
+          <a:lstStyle/>
+          <a:p>
+            <a:r>
+              <a:rPr lang="en-US" dirty="0"/>
+              <a:t>Announcements II </a:t>
+            </a:r>
+          </a:p>
+        </p:txBody>
+      </p:sp>
+      <p:sp>
+        <p:nvSpPr>
+          <p:cNvPr id="3" name="Content Placeholder 2">
+            <a:extLst>
+              <a:ext uri="{FF2B5EF4-FFF2-40B4-BE49-F238E27FC236}">
+                <a16:creationId xmlns:a16="http://schemas.microsoft.com/office/drawing/2014/main" id="{870F6CFA-4CD6-4334-8F8A-3AF8A1597617}"/>
+              </a:ext>
+            </a:extLst>
+          </p:cNvPr>
+          <p:cNvSpPr>
+            <a:spLocks noGrp="1"/>
+          </p:cNvSpPr>
+          <p:nvPr>
+            <p:ph idx="1"/>
+          </p:nvPr>
+        </p:nvSpPr>
+        <p:spPr>
+          <a:xfrm>
+            <a:off x="101600" y="1166018"/>
+            <a:ext cx="9067800" cy="4525963"/>
+          </a:xfrm>
+        </p:spPr>
+        <p:txBody>
+          <a:bodyPr>
+            <a:normAutofit/>
+          </a:bodyPr>
+          <a:lstStyle/>
+          <a:p>
+            <a:r>
+              <a:rPr lang="en-US" sz="2400" dirty="0"/>
+              <a:t>Because I will be away for 3 days, I have pushed back the due date for the final project to Saturday the 16</a:t>
+            </a:r>
+            <a:r>
+              <a:rPr lang="en-US" sz="2400" baseline="30000" dirty="0"/>
+              <a:t>th</a:t>
+            </a:r>
+            <a:r>
+              <a:rPr lang="en-US" sz="2400" dirty="0"/>
+              <a:t> of December at 3pm.</a:t>
+            </a:r>
+          </a:p>
+          <a:p>
+            <a:r>
+              <a:rPr lang="en-US" sz="2400" dirty="0"/>
+              <a:t>You can hand in your project anytime starting </a:t>
+            </a:r>
+            <a:r>
+              <a:rPr lang="en-US" sz="2400" i="1" dirty="0"/>
+              <a:t>now</a:t>
+            </a:r>
+            <a:r>
+              <a:rPr lang="en-US" sz="2400" dirty="0"/>
+              <a:t>, just bring it to my office.</a:t>
+            </a:r>
+          </a:p>
+          <a:p>
+            <a:r>
+              <a:rPr lang="en-US" sz="2400" dirty="0"/>
+              <a:t>If I am not there, you can either:</a:t>
+            </a:r>
+          </a:p>
+          <a:p>
+            <a:pPr lvl="1"/>
+            <a:r>
+              <a:rPr lang="en-US" sz="2000" dirty="0"/>
+              <a:t>Push it under my door</a:t>
+            </a:r>
+          </a:p>
+          <a:p>
+            <a:pPr lvl="1"/>
+            <a:r>
+              <a:rPr lang="en-US" sz="2000" dirty="0"/>
+              <a:t>Bring it to the front office, give it to the receptionist, and ask “can you please put this in Dr. Keoghs mailbox?” </a:t>
+            </a:r>
+          </a:p>
+          <a:p>
+            <a:r>
+              <a:rPr lang="en-US" sz="2400" dirty="0"/>
+              <a:t>You have the option of letting me see it ahead of time, and I will quickly “grade” it, telling you what I might take points off for. You can then fix it before you hand it in.</a:t>
+            </a:r>
+          </a:p>
+        </p:txBody>
+      </p:sp>
+    </p:spTree>
+    <p:extLst>
+      <p:ext uri="{BB962C8B-B14F-4D97-AF65-F5344CB8AC3E}">
+        <p14:creationId xmlns:p14="http://schemas.microsoft.com/office/powerpoint/2010/main" val="23372019"/>
       </p:ext>
     </p:extLst>
   </p:cSld>
@@ -17585,7 +25316,7 @@
         </p:nvSpPr>
         <p:spPr>
           <a:xfrm>
-            <a:off x="152400" y="762000"/>
+            <a:off x="177800" y="762000"/>
             <a:ext cx="8305800" cy="5416868"/>
           </a:xfrm>
           <a:prstGeom prst="rect">
